--- a/Docs/presentation/ENET_FT1_presentation_sketch.pptx
+++ b/Docs/presentation/ENET_FT1_presentation_sketch.pptx
@@ -4,16 +4,18 @@
   <p:sldMasterIdLst>
     <p:sldMasterId id="2147483648" r:id="rId1"/>
   </p:sldMasterIdLst>
+  <p:notesMasterIdLst>
+    <p:notesMasterId r:id="rId10"/>
+  </p:notesMasterIdLst>
   <p:sldIdLst>
     <p:sldId id="256" r:id="rId2"/>
     <p:sldId id="257" r:id="rId3"/>
     <p:sldId id="258" r:id="rId4"/>
     <p:sldId id="259" r:id="rId5"/>
     <p:sldId id="260" r:id="rId6"/>
-    <p:sldId id="261" r:id="rId7"/>
-    <p:sldId id="262" r:id="rId8"/>
-    <p:sldId id="263" r:id="rId9"/>
-    <p:sldId id="264" r:id="rId10"/>
+    <p:sldId id="262" r:id="rId7"/>
+    <p:sldId id="263" r:id="rId8"/>
+    <p:sldId id="264" r:id="rId9"/>
   </p:sldIdLst>
   <p:sldSz cx="9144000" cy="6858000" type="screen4x3"/>
   <p:notesSz cx="6858000" cy="9144000"/>
@@ -113,6 +115,732 @@
     </a:lvl9pPr>
   </p:defaultTextStyle>
 </p:presentation>
+</file>
+
+<file path=ppt/notesMasters/notesMaster1.xml><?xml version="1.0" encoding="utf-8"?>
+<p:notesMaster xmlns:a="http://schemas.openxmlformats.org/drawingml/2006/main" xmlns:r="http://schemas.openxmlformats.org/officeDocument/2006/relationships" xmlns:p="http://schemas.openxmlformats.org/presentationml/2006/main">
+  <p:cSld>
+    <p:bg>
+      <p:bgRef idx="1001">
+        <a:schemeClr val="bg1"/>
+      </p:bgRef>
+    </p:bg>
+    <p:spTree>
+      <p:nvGrpSpPr>
+        <p:cNvPr id="1" name=""/>
+        <p:cNvGrpSpPr/>
+        <p:nvPr/>
+      </p:nvGrpSpPr>
+      <p:grpSpPr>
+        <a:xfrm>
+          <a:off x="0" y="0"/>
+          <a:ext cx="0" cy="0"/>
+          <a:chOff x="0" y="0"/>
+          <a:chExt cx="0" cy="0"/>
+        </a:xfrm>
+      </p:grpSpPr>
+      <p:sp>
+        <p:nvSpPr>
+          <p:cNvPr id="2" name="页眉占位符 1"/>
+          <p:cNvSpPr>
+            <a:spLocks noGrp="1"/>
+          </p:cNvSpPr>
+          <p:nvPr>
+            <p:ph type="hdr" sz="quarter"/>
+          </p:nvPr>
+        </p:nvSpPr>
+        <p:spPr>
+          <a:xfrm>
+            <a:off x="0" y="0"/>
+            <a:ext cx="2971800" cy="457200"/>
+          </a:xfrm>
+          <a:prstGeom prst="rect">
+            <a:avLst/>
+          </a:prstGeom>
+        </p:spPr>
+        <p:txBody>
+          <a:bodyPr vert="horz" lIns="91440" tIns="45720" rIns="91440" bIns="45720" rtlCol="0"/>
+          <a:lstStyle>
+            <a:lvl1pPr algn="l">
+              <a:defRPr sz="1200"/>
+            </a:lvl1pPr>
+          </a:lstStyle>
+          <a:p>
+            <a:endParaRPr lang="zh-CN" altLang="en-US"/>
+          </a:p>
+        </p:txBody>
+      </p:sp>
+      <p:sp>
+        <p:nvSpPr>
+          <p:cNvPr id="3" name="日期占位符 2"/>
+          <p:cNvSpPr>
+            <a:spLocks noGrp="1"/>
+          </p:cNvSpPr>
+          <p:nvPr>
+            <p:ph type="dt" idx="1"/>
+          </p:nvPr>
+        </p:nvSpPr>
+        <p:spPr>
+          <a:xfrm>
+            <a:off x="3884613" y="0"/>
+            <a:ext cx="2971800" cy="457200"/>
+          </a:xfrm>
+          <a:prstGeom prst="rect">
+            <a:avLst/>
+          </a:prstGeom>
+        </p:spPr>
+        <p:txBody>
+          <a:bodyPr vert="horz" lIns="91440" tIns="45720" rIns="91440" bIns="45720" rtlCol="0"/>
+          <a:lstStyle>
+            <a:lvl1pPr algn="r">
+              <a:defRPr sz="1200"/>
+            </a:lvl1pPr>
+          </a:lstStyle>
+          <a:p>
+            <a:fld id="{688D4497-BD68-4C84-AD45-B2C2CF68FF77}" type="datetimeFigureOut">
+              <a:rPr lang="zh-CN" altLang="en-US" smtClean="0"/>
+              <a:t>2015/6/21</a:t>
+            </a:fld>
+            <a:endParaRPr lang="zh-CN" altLang="en-US"/>
+          </a:p>
+        </p:txBody>
+      </p:sp>
+      <p:sp>
+        <p:nvSpPr>
+          <p:cNvPr id="4" name="幻灯片图像占位符 3"/>
+          <p:cNvSpPr>
+            <a:spLocks noGrp="1" noRot="1" noChangeAspect="1"/>
+          </p:cNvSpPr>
+          <p:nvPr>
+            <p:ph type="sldImg" idx="2"/>
+          </p:nvPr>
+        </p:nvSpPr>
+        <p:spPr>
+          <a:xfrm>
+            <a:off x="1143000" y="685800"/>
+            <a:ext cx="4572000" cy="3429000"/>
+          </a:xfrm>
+          <a:prstGeom prst="rect">
+            <a:avLst/>
+          </a:prstGeom>
+          <a:noFill/>
+          <a:ln w="12700">
+            <a:solidFill>
+              <a:prstClr val="black"/>
+            </a:solidFill>
+          </a:ln>
+        </p:spPr>
+        <p:txBody>
+          <a:bodyPr vert="horz" lIns="91440" tIns="45720" rIns="91440" bIns="45720" rtlCol="0" anchor="ctr"/>
+          <a:lstStyle/>
+          <a:p>
+            <a:endParaRPr lang="zh-CN" altLang="en-US"/>
+          </a:p>
+        </p:txBody>
+      </p:sp>
+      <p:sp>
+        <p:nvSpPr>
+          <p:cNvPr id="5" name="备注占位符 4"/>
+          <p:cNvSpPr>
+            <a:spLocks noGrp="1"/>
+          </p:cNvSpPr>
+          <p:nvPr>
+            <p:ph type="body" sz="quarter" idx="3"/>
+          </p:nvPr>
+        </p:nvSpPr>
+        <p:spPr>
+          <a:xfrm>
+            <a:off x="685800" y="4343400"/>
+            <a:ext cx="5486400" cy="4114800"/>
+          </a:xfrm>
+          <a:prstGeom prst="rect">
+            <a:avLst/>
+          </a:prstGeom>
+        </p:spPr>
+        <p:txBody>
+          <a:bodyPr vert="horz" lIns="91440" tIns="45720" rIns="91440" bIns="45720" rtlCol="0">
+            <a:normAutofit/>
+          </a:bodyPr>
+          <a:lstStyle/>
+          <a:p>
+            <a:pPr lvl="0"/>
+            <a:r>
+              <a:rPr lang="zh-CN" altLang="en-US" smtClean="0"/>
+              <a:t>单击此处编辑母版文本样式</a:t>
+            </a:r>
+          </a:p>
+          <a:p>
+            <a:pPr lvl="1"/>
+            <a:r>
+              <a:rPr lang="zh-CN" altLang="en-US" smtClean="0"/>
+              <a:t>第二级</a:t>
+            </a:r>
+          </a:p>
+          <a:p>
+            <a:pPr lvl="2"/>
+            <a:r>
+              <a:rPr lang="zh-CN" altLang="en-US" smtClean="0"/>
+              <a:t>第三级</a:t>
+            </a:r>
+          </a:p>
+          <a:p>
+            <a:pPr lvl="3"/>
+            <a:r>
+              <a:rPr lang="zh-CN" altLang="en-US" smtClean="0"/>
+              <a:t>第四级</a:t>
+            </a:r>
+          </a:p>
+          <a:p>
+            <a:pPr lvl="4"/>
+            <a:r>
+              <a:rPr lang="zh-CN" altLang="en-US" smtClean="0"/>
+              <a:t>第五级</a:t>
+            </a:r>
+            <a:endParaRPr lang="zh-CN" altLang="en-US"/>
+          </a:p>
+        </p:txBody>
+      </p:sp>
+      <p:sp>
+        <p:nvSpPr>
+          <p:cNvPr id="6" name="页脚占位符 5"/>
+          <p:cNvSpPr>
+            <a:spLocks noGrp="1"/>
+          </p:cNvSpPr>
+          <p:nvPr>
+            <p:ph type="ftr" sz="quarter" idx="4"/>
+          </p:nvPr>
+        </p:nvSpPr>
+        <p:spPr>
+          <a:xfrm>
+            <a:off x="0" y="8685213"/>
+            <a:ext cx="2971800" cy="457200"/>
+          </a:xfrm>
+          <a:prstGeom prst="rect">
+            <a:avLst/>
+          </a:prstGeom>
+        </p:spPr>
+        <p:txBody>
+          <a:bodyPr vert="horz" lIns="91440" tIns="45720" rIns="91440" bIns="45720" rtlCol="0" anchor="b"/>
+          <a:lstStyle>
+            <a:lvl1pPr algn="l">
+              <a:defRPr sz="1200"/>
+            </a:lvl1pPr>
+          </a:lstStyle>
+          <a:p>
+            <a:endParaRPr lang="zh-CN" altLang="en-US"/>
+          </a:p>
+        </p:txBody>
+      </p:sp>
+      <p:sp>
+        <p:nvSpPr>
+          <p:cNvPr id="7" name="灯片编号占位符 6"/>
+          <p:cNvSpPr>
+            <a:spLocks noGrp="1"/>
+          </p:cNvSpPr>
+          <p:nvPr>
+            <p:ph type="sldNum" sz="quarter" idx="5"/>
+          </p:nvPr>
+        </p:nvSpPr>
+        <p:spPr>
+          <a:xfrm>
+            <a:off x="3884613" y="8685213"/>
+            <a:ext cx="2971800" cy="457200"/>
+          </a:xfrm>
+          <a:prstGeom prst="rect">
+            <a:avLst/>
+          </a:prstGeom>
+        </p:spPr>
+        <p:txBody>
+          <a:bodyPr vert="horz" lIns="91440" tIns="45720" rIns="91440" bIns="45720" rtlCol="0" anchor="b"/>
+          <a:lstStyle>
+            <a:lvl1pPr algn="r">
+              <a:defRPr sz="1200"/>
+            </a:lvl1pPr>
+          </a:lstStyle>
+          <a:p>
+            <a:fld id="{0D8387FF-CA20-467F-BA0A-70AD2059448D}" type="slidenum">
+              <a:rPr lang="zh-CN" altLang="en-US" smtClean="0"/>
+              <a:t>‹#›</a:t>
+            </a:fld>
+            <a:endParaRPr lang="zh-CN" altLang="en-US"/>
+          </a:p>
+        </p:txBody>
+      </p:sp>
+    </p:spTree>
+  </p:cSld>
+  <p:clrMap bg1="lt1" tx1="dk1" bg2="lt2" tx2="dk2" accent1="accent1" accent2="accent2" accent3="accent3" accent4="accent4" accent5="accent5" accent6="accent6" hlink="hlink" folHlink="folHlink"/>
+  <p:notesStyle>
+    <a:lvl1pPr marL="0" algn="l" defTabSz="914400" rtl="0" eaLnBrk="1" latinLnBrk="0" hangingPunct="1">
+      <a:defRPr sz="1200" kern="1200">
+        <a:solidFill>
+          <a:schemeClr val="tx1"/>
+        </a:solidFill>
+        <a:latin typeface="+mn-lt"/>
+        <a:ea typeface="+mn-ea"/>
+        <a:cs typeface="+mn-cs"/>
+      </a:defRPr>
+    </a:lvl1pPr>
+    <a:lvl2pPr marL="457200" algn="l" defTabSz="914400" rtl="0" eaLnBrk="1" latinLnBrk="0" hangingPunct="1">
+      <a:defRPr sz="1200" kern="1200">
+        <a:solidFill>
+          <a:schemeClr val="tx1"/>
+        </a:solidFill>
+        <a:latin typeface="+mn-lt"/>
+        <a:ea typeface="+mn-ea"/>
+        <a:cs typeface="+mn-cs"/>
+      </a:defRPr>
+    </a:lvl2pPr>
+    <a:lvl3pPr marL="914400" algn="l" defTabSz="914400" rtl="0" eaLnBrk="1" latinLnBrk="0" hangingPunct="1">
+      <a:defRPr sz="1200" kern="1200">
+        <a:solidFill>
+          <a:schemeClr val="tx1"/>
+        </a:solidFill>
+        <a:latin typeface="+mn-lt"/>
+        <a:ea typeface="+mn-ea"/>
+        <a:cs typeface="+mn-cs"/>
+      </a:defRPr>
+    </a:lvl3pPr>
+    <a:lvl4pPr marL="1371600" algn="l" defTabSz="914400" rtl="0" eaLnBrk="1" latinLnBrk="0" hangingPunct="1">
+      <a:defRPr sz="1200" kern="1200">
+        <a:solidFill>
+          <a:schemeClr val="tx1"/>
+        </a:solidFill>
+        <a:latin typeface="+mn-lt"/>
+        <a:ea typeface="+mn-ea"/>
+        <a:cs typeface="+mn-cs"/>
+      </a:defRPr>
+    </a:lvl4pPr>
+    <a:lvl5pPr marL="1828800" algn="l" defTabSz="914400" rtl="0" eaLnBrk="1" latinLnBrk="0" hangingPunct="1">
+      <a:defRPr sz="1200" kern="1200">
+        <a:solidFill>
+          <a:schemeClr val="tx1"/>
+        </a:solidFill>
+        <a:latin typeface="+mn-lt"/>
+        <a:ea typeface="+mn-ea"/>
+        <a:cs typeface="+mn-cs"/>
+      </a:defRPr>
+    </a:lvl5pPr>
+    <a:lvl6pPr marL="2286000" algn="l" defTabSz="914400" rtl="0" eaLnBrk="1" latinLnBrk="0" hangingPunct="1">
+      <a:defRPr sz="1200" kern="1200">
+        <a:solidFill>
+          <a:schemeClr val="tx1"/>
+        </a:solidFill>
+        <a:latin typeface="+mn-lt"/>
+        <a:ea typeface="+mn-ea"/>
+        <a:cs typeface="+mn-cs"/>
+      </a:defRPr>
+    </a:lvl6pPr>
+    <a:lvl7pPr marL="2743200" algn="l" defTabSz="914400" rtl="0" eaLnBrk="1" latinLnBrk="0" hangingPunct="1">
+      <a:defRPr sz="1200" kern="1200">
+        <a:solidFill>
+          <a:schemeClr val="tx1"/>
+        </a:solidFill>
+        <a:latin typeface="+mn-lt"/>
+        <a:ea typeface="+mn-ea"/>
+        <a:cs typeface="+mn-cs"/>
+      </a:defRPr>
+    </a:lvl7pPr>
+    <a:lvl8pPr marL="3200400" algn="l" defTabSz="914400" rtl="0" eaLnBrk="1" latinLnBrk="0" hangingPunct="1">
+      <a:defRPr sz="1200" kern="1200">
+        <a:solidFill>
+          <a:schemeClr val="tx1"/>
+        </a:solidFill>
+        <a:latin typeface="+mn-lt"/>
+        <a:ea typeface="+mn-ea"/>
+        <a:cs typeface="+mn-cs"/>
+      </a:defRPr>
+    </a:lvl8pPr>
+    <a:lvl9pPr marL="3657600" algn="l" defTabSz="914400" rtl="0" eaLnBrk="1" latinLnBrk="0" hangingPunct="1">
+      <a:defRPr sz="1200" kern="1200">
+        <a:solidFill>
+          <a:schemeClr val="tx1"/>
+        </a:solidFill>
+        <a:latin typeface="+mn-lt"/>
+        <a:ea typeface="+mn-ea"/>
+        <a:cs typeface="+mn-cs"/>
+      </a:defRPr>
+    </a:lvl9pPr>
+  </p:notesStyle>
+</p:notesMaster>
+</file>
+
+<file path=ppt/notesSlides/notesSlide1.xml><?xml version="1.0" encoding="utf-8"?>
+<p:notes xmlns:a="http://schemas.openxmlformats.org/drawingml/2006/main" xmlns:r="http://schemas.openxmlformats.org/officeDocument/2006/relationships" xmlns:p="http://schemas.openxmlformats.org/presentationml/2006/main">
+  <p:cSld>
+    <p:spTree>
+      <p:nvGrpSpPr>
+        <p:cNvPr id="1" name=""/>
+        <p:cNvGrpSpPr/>
+        <p:nvPr/>
+      </p:nvGrpSpPr>
+      <p:grpSpPr>
+        <a:xfrm>
+          <a:off x="0" y="0"/>
+          <a:ext cx="0" cy="0"/>
+          <a:chOff x="0" y="0"/>
+          <a:chExt cx="0" cy="0"/>
+        </a:xfrm>
+      </p:grpSpPr>
+      <p:sp>
+        <p:nvSpPr>
+          <p:cNvPr id="2" name="幻灯片图像占位符 1"/>
+          <p:cNvSpPr>
+            <a:spLocks noGrp="1" noRot="1" noChangeAspect="1"/>
+          </p:cNvSpPr>
+          <p:nvPr>
+            <p:ph type="sldImg"/>
+          </p:nvPr>
+        </p:nvSpPr>
+        <p:spPr/>
+      </p:sp>
+      <p:sp>
+        <p:nvSpPr>
+          <p:cNvPr id="3" name="备注占位符 2"/>
+          <p:cNvSpPr>
+            <a:spLocks noGrp="1"/>
+          </p:cNvSpPr>
+          <p:nvPr>
+            <p:ph type="body" idx="1"/>
+          </p:nvPr>
+        </p:nvSpPr>
+        <p:spPr/>
+        <p:txBody>
+          <a:bodyPr>
+            <a:normAutofit/>
+          </a:bodyPr>
+          <a:lstStyle/>
+          <a:p>
+            <a:r>
+              <a:rPr lang="en-US" altLang="zh-CN" dirty="0" smtClean="0"/>
+              <a:t>Justifications:</a:t>
+            </a:r>
+          </a:p>
+          <a:p>
+            <a:endParaRPr lang="en-US" altLang="zh-CN" dirty="0" smtClean="0"/>
+          </a:p>
+          <a:p>
+            <a:r>
+              <a:rPr lang="en-US" altLang="zh-CN" dirty="0" smtClean="0"/>
+              <a:t>Code First:</a:t>
+            </a:r>
+            <a:r>
+              <a:rPr lang="en-US" altLang="zh-CN" baseline="0" dirty="0" smtClean="0"/>
+              <a:t> no need to do DB design. Design domain model then let EF take care of database is more like a domain driven development approach</a:t>
+            </a:r>
+          </a:p>
+          <a:p>
+            <a:r>
+              <a:rPr lang="en-US" altLang="zh-CN" baseline="0" dirty="0" smtClean="0"/>
+              <a:t>DAL: Generic repository, per thread </a:t>
+            </a:r>
+            <a:r>
+              <a:rPr lang="en-US" altLang="zh-CN" baseline="0" dirty="0" err="1" smtClean="0"/>
+              <a:t>unitofwork</a:t>
+            </a:r>
+            <a:endParaRPr lang="en-US" altLang="zh-CN" baseline="0" dirty="0" smtClean="0"/>
+          </a:p>
+          <a:p>
+            <a:r>
+              <a:rPr lang="en-US" altLang="zh-CN" baseline="0" dirty="0" smtClean="0"/>
+              <a:t>BLL:</a:t>
+            </a:r>
+            <a:endParaRPr lang="en-US" altLang="zh-CN" dirty="0" smtClean="0"/>
+          </a:p>
+          <a:p>
+            <a:r>
+              <a:rPr lang="en-US" altLang="zh-CN" baseline="0" dirty="0" smtClean="0"/>
+              <a:t>  </a:t>
+            </a:r>
+            <a:r>
+              <a:rPr lang="en-US" altLang="zh-CN" dirty="0" smtClean="0"/>
+              <a:t>Domain Model pattern:</a:t>
+            </a:r>
+            <a:r>
+              <a:rPr lang="en-US" altLang="zh-CN" baseline="0" dirty="0" smtClean="0"/>
+              <a:t> </a:t>
+            </a:r>
+            <a:r>
+              <a:rPr lang="en-US" altLang="zh-CN" dirty="0" smtClean="0"/>
+              <a:t>Anemic </a:t>
+            </a:r>
+            <a:r>
+              <a:rPr lang="en-US" altLang="zh-CN" baseline="0" dirty="0" smtClean="0"/>
+              <a:t>Domain Model, model is a container of data without any real operation</a:t>
+            </a:r>
+          </a:p>
+          <a:p>
+            <a:pPr marL="0" marR="0" indent="0" algn="l" defTabSz="914400" rtl="0" eaLnBrk="1" fontAlgn="auto" latinLnBrk="0" hangingPunct="1">
+              <a:lnSpc>
+                <a:spcPct val="100000"/>
+              </a:lnSpc>
+              <a:spcBef>
+                <a:spcPts val="0"/>
+              </a:spcBef>
+              <a:spcAft>
+                <a:spcPts val="0"/>
+              </a:spcAft>
+              <a:buClrTx/>
+              <a:buSzTx/>
+              <a:buFontTx/>
+              <a:buNone/>
+              <a:tabLst/>
+              <a:defRPr/>
+            </a:pPr>
+            <a:r>
+              <a:rPr lang="en-US" altLang="zh-CN" dirty="0" smtClean="0"/>
+              <a:t>  Singleton with lazy instantiation: assure for those BLL class there is only </a:t>
+            </a:r>
+            <a:r>
+              <a:rPr lang="en-US" altLang="zh-CN" baseline="0" dirty="0" smtClean="0"/>
+              <a:t>one </a:t>
+            </a:r>
+            <a:r>
+              <a:rPr lang="en-US" altLang="zh-CN" dirty="0" smtClean="0"/>
+              <a:t>global</a:t>
+            </a:r>
+            <a:r>
+              <a:rPr lang="en-US" altLang="zh-CN" baseline="0" dirty="0" smtClean="0"/>
+              <a:t> access to only one instance. </a:t>
+            </a:r>
+          </a:p>
+          <a:p>
+            <a:pPr marL="0" marR="0" indent="0" algn="l" defTabSz="914400" rtl="0" eaLnBrk="1" fontAlgn="auto" latinLnBrk="0" hangingPunct="1">
+              <a:lnSpc>
+                <a:spcPct val="100000"/>
+              </a:lnSpc>
+              <a:spcBef>
+                <a:spcPts val="0"/>
+              </a:spcBef>
+              <a:spcAft>
+                <a:spcPts val="0"/>
+              </a:spcAft>
+              <a:buClrTx/>
+              <a:buSzTx/>
+              <a:buFontTx/>
+              <a:buNone/>
+              <a:tabLst/>
+              <a:defRPr/>
+            </a:pPr>
+            <a:r>
+              <a:rPr lang="en-US" altLang="zh-CN" baseline="0" dirty="0" smtClean="0"/>
+              <a:t>			it is stateless, so thread </a:t>
+            </a:r>
+            <a:r>
+              <a:rPr lang="en-US" altLang="zh-CN" baseline="0" dirty="0" err="1" smtClean="0"/>
+              <a:t>saft</a:t>
+            </a:r>
+            <a:endParaRPr lang="en-US" altLang="zh-CN" baseline="0" dirty="0" smtClean="0"/>
+          </a:p>
+          <a:p>
+            <a:pPr marL="0" marR="0" indent="0" algn="l" defTabSz="914400" rtl="0" eaLnBrk="1" fontAlgn="auto" latinLnBrk="0" hangingPunct="1">
+              <a:lnSpc>
+                <a:spcPct val="100000"/>
+              </a:lnSpc>
+              <a:spcBef>
+                <a:spcPts val="0"/>
+              </a:spcBef>
+              <a:spcAft>
+                <a:spcPts val="0"/>
+              </a:spcAft>
+              <a:buClrTx/>
+              <a:buSzTx/>
+              <a:buFontTx/>
+              <a:buNone/>
+              <a:tabLst/>
+              <a:defRPr/>
+            </a:pPr>
+            <a:r>
+              <a:rPr lang="en-US" altLang="zh-CN" baseline="0" dirty="0" smtClean="0"/>
+              <a:t>			it is lazy instantiation means only be instantiated when is invoked.</a:t>
+            </a:r>
+          </a:p>
+          <a:p>
+            <a:pPr marL="0" marR="0" indent="0" algn="l" defTabSz="914400" rtl="0" eaLnBrk="1" fontAlgn="auto" latinLnBrk="0" hangingPunct="1">
+              <a:lnSpc>
+                <a:spcPct val="100000"/>
+              </a:lnSpc>
+              <a:spcBef>
+                <a:spcPts val="0"/>
+              </a:spcBef>
+              <a:spcAft>
+                <a:spcPts val="0"/>
+              </a:spcAft>
+              <a:buClrTx/>
+              <a:buSzTx/>
+              <a:buFontTx/>
+              <a:buNone/>
+              <a:tabLst/>
+              <a:defRPr/>
+            </a:pPr>
+            <a:r>
+              <a:rPr lang="en-US" altLang="zh-CN" baseline="0" dirty="0" smtClean="0"/>
+              <a:t>  </a:t>
+            </a:r>
+            <a:endParaRPr lang="en-US" altLang="zh-CN" dirty="0" smtClean="0"/>
+          </a:p>
+          <a:p>
+            <a:endParaRPr lang="zh-CN" altLang="en-US" dirty="0"/>
+          </a:p>
+        </p:txBody>
+      </p:sp>
+      <p:sp>
+        <p:nvSpPr>
+          <p:cNvPr id="4" name="灯片编号占位符 3"/>
+          <p:cNvSpPr>
+            <a:spLocks noGrp="1"/>
+          </p:cNvSpPr>
+          <p:nvPr>
+            <p:ph type="sldNum" sz="quarter" idx="10"/>
+          </p:nvPr>
+        </p:nvSpPr>
+        <p:spPr/>
+        <p:txBody>
+          <a:bodyPr/>
+          <a:lstStyle/>
+          <a:p>
+            <a:fld id="{0D8387FF-CA20-467F-BA0A-70AD2059448D}" type="slidenum">
+              <a:rPr lang="zh-CN" altLang="en-US" smtClean="0"/>
+              <a:t>4</a:t>
+            </a:fld>
+            <a:endParaRPr lang="zh-CN" altLang="en-US"/>
+          </a:p>
+        </p:txBody>
+      </p:sp>
+    </p:spTree>
+  </p:cSld>
+  <p:clrMapOvr>
+    <a:masterClrMapping/>
+  </p:clrMapOvr>
+</p:notes>
+</file>
+
+<file path=ppt/notesSlides/notesSlide2.xml><?xml version="1.0" encoding="utf-8"?>
+<p:notes xmlns:a="http://schemas.openxmlformats.org/drawingml/2006/main" xmlns:r="http://schemas.openxmlformats.org/officeDocument/2006/relationships" xmlns:p="http://schemas.openxmlformats.org/presentationml/2006/main">
+  <p:cSld>
+    <p:spTree>
+      <p:nvGrpSpPr>
+        <p:cNvPr id="1" name=""/>
+        <p:cNvGrpSpPr/>
+        <p:nvPr/>
+      </p:nvGrpSpPr>
+      <p:grpSpPr>
+        <a:xfrm>
+          <a:off x="0" y="0"/>
+          <a:ext cx="0" cy="0"/>
+          <a:chOff x="0" y="0"/>
+          <a:chExt cx="0" cy="0"/>
+        </a:xfrm>
+      </p:grpSpPr>
+      <p:sp>
+        <p:nvSpPr>
+          <p:cNvPr id="2" name="幻灯片图像占位符 1"/>
+          <p:cNvSpPr>
+            <a:spLocks noGrp="1" noRot="1" noChangeAspect="1"/>
+          </p:cNvSpPr>
+          <p:nvPr>
+            <p:ph type="sldImg"/>
+          </p:nvPr>
+        </p:nvSpPr>
+        <p:spPr/>
+      </p:sp>
+      <p:sp>
+        <p:nvSpPr>
+          <p:cNvPr id="3" name="备注占位符 2"/>
+          <p:cNvSpPr>
+            <a:spLocks noGrp="1"/>
+          </p:cNvSpPr>
+          <p:nvPr>
+            <p:ph type="body" idx="1"/>
+          </p:nvPr>
+        </p:nvSpPr>
+        <p:spPr/>
+        <p:txBody>
+          <a:bodyPr>
+            <a:normAutofit/>
+          </a:bodyPr>
+          <a:lstStyle/>
+          <a:p>
+            <a:pPr lvl="1"/>
+            <a:r>
+              <a:rPr lang="en-US" altLang="zh-CN" dirty="0" smtClean="0"/>
+              <a:t>PRL: collect data from request, </a:t>
+            </a:r>
+          </a:p>
+          <a:p>
+            <a:pPr lvl="1"/>
+            <a:r>
+              <a:rPr lang="en-US" altLang="zh-CN" dirty="0" smtClean="0"/>
+              <a:t>    invoke BLL</a:t>
+            </a:r>
+          </a:p>
+          <a:p>
+            <a:pPr lvl="1"/>
+            <a:r>
+              <a:rPr lang="en-US" altLang="zh-CN" dirty="0" smtClean="0"/>
+              <a:t>BLL: business rule validation, </a:t>
+            </a:r>
+          </a:p>
+          <a:p>
+            <a:pPr lvl="1">
+              <a:buNone/>
+            </a:pPr>
+            <a:r>
+              <a:rPr lang="en-US" altLang="zh-CN" dirty="0" smtClean="0"/>
+              <a:t>	perform business logic</a:t>
+            </a:r>
+          </a:p>
+          <a:p>
+            <a:pPr lvl="1">
+              <a:buNone/>
+            </a:pPr>
+            <a:r>
+              <a:rPr lang="en-US" altLang="zh-CN" dirty="0" smtClean="0"/>
+              <a:t>	invoke DAL</a:t>
+            </a:r>
+          </a:p>
+          <a:p>
+            <a:pPr lvl="1"/>
+            <a:r>
+              <a:rPr lang="en-US" altLang="zh-CN" dirty="0" smtClean="0"/>
+              <a:t>DAL: data </a:t>
+            </a:r>
+            <a:r>
+              <a:rPr lang="en-US" altLang="zh-CN" dirty="0" err="1" smtClean="0"/>
+              <a:t>persistance</a:t>
+            </a:r>
+            <a:endParaRPr lang="zh-CN" altLang="en-US" dirty="0"/>
+          </a:p>
+        </p:txBody>
+      </p:sp>
+      <p:sp>
+        <p:nvSpPr>
+          <p:cNvPr id="4" name="灯片编号占位符 3"/>
+          <p:cNvSpPr>
+            <a:spLocks noGrp="1"/>
+          </p:cNvSpPr>
+          <p:nvPr>
+            <p:ph type="sldNum" sz="quarter" idx="10"/>
+          </p:nvPr>
+        </p:nvSpPr>
+        <p:spPr/>
+        <p:txBody>
+          <a:bodyPr/>
+          <a:lstStyle/>
+          <a:p>
+            <a:fld id="{0D8387FF-CA20-467F-BA0A-70AD2059448D}" type="slidenum">
+              <a:rPr lang="zh-CN" altLang="en-US" smtClean="0"/>
+              <a:t>5</a:t>
+            </a:fld>
+            <a:endParaRPr lang="zh-CN" altLang="en-US"/>
+          </a:p>
+        </p:txBody>
+      </p:sp>
+    </p:spTree>
+  </p:cSld>
+  <p:clrMapOvr>
+    <a:masterClrMapping/>
+  </p:clrMapOvr>
+</p:notes>
 </file>
 
 <file path=ppt/slideLayouts/slideLayout1.xml><?xml version="1.0" encoding="utf-8"?>
@@ -3127,6 +3855,9 @@
             </a:pPr>
             <a:r>
               <a:rPr lang="en-US" altLang="zh-CN" dirty="0" smtClean="0">
+                <a:solidFill>
+                  <a:schemeClr val="tx1"/>
+                </a:solidFill>
                 <a:latin typeface="Times New Roman" pitchFamily="18" charset="0"/>
                 <a:cs typeface="Times New Roman" pitchFamily="18" charset="0"/>
               </a:rPr>
@@ -3140,6 +3871,9 @@
             </a:pPr>
             <a:r>
               <a:rPr lang="en-US" altLang="zh-CN" dirty="0" smtClean="0">
+                <a:solidFill>
+                  <a:schemeClr val="tx1"/>
+                </a:solidFill>
                 <a:latin typeface="Times New Roman" pitchFamily="18" charset="0"/>
                 <a:cs typeface="Times New Roman" pitchFamily="18" charset="0"/>
               </a:rPr>
@@ -3153,6 +3887,9 @@
             </a:pPr>
             <a:r>
               <a:rPr lang="en-US" altLang="zh-CN" dirty="0" smtClean="0">
+                <a:solidFill>
+                  <a:schemeClr val="tx1"/>
+                </a:solidFill>
                 <a:latin typeface="Times New Roman" pitchFamily="18" charset="0"/>
                 <a:cs typeface="Times New Roman" pitchFamily="18" charset="0"/>
               </a:rPr>
@@ -3166,6 +3903,9 @@
             </a:pPr>
             <a:r>
               <a:rPr lang="en-US" altLang="zh-CN" dirty="0" smtClean="0">
+                <a:solidFill>
+                  <a:schemeClr val="tx1"/>
+                </a:solidFill>
                 <a:latin typeface="Times New Roman" pitchFamily="18" charset="0"/>
                 <a:cs typeface="Times New Roman" pitchFamily="18" charset="0"/>
               </a:rPr>
@@ -3179,6 +3919,9 @@
             </a:pPr>
             <a:r>
               <a:rPr lang="en-US" altLang="zh-CN" dirty="0" smtClean="0">
+                <a:solidFill>
+                  <a:schemeClr val="tx1"/>
+                </a:solidFill>
                 <a:latin typeface="Times New Roman" pitchFamily="18" charset="0"/>
                 <a:cs typeface="Times New Roman" pitchFamily="18" charset="0"/>
               </a:rPr>
@@ -3192,6 +3935,9 @@
             </a:pPr>
             <a:r>
               <a:rPr lang="en-US" altLang="zh-CN" dirty="0" smtClean="0">
+                <a:solidFill>
+                  <a:schemeClr val="tx1"/>
+                </a:solidFill>
                 <a:latin typeface="Times New Roman" pitchFamily="18" charset="0"/>
                 <a:cs typeface="Times New Roman" pitchFamily="18" charset="0"/>
               </a:rPr>
@@ -3205,12 +3951,18 @@
             </a:pPr>
             <a:r>
               <a:rPr lang="en-US" altLang="zh-CN" dirty="0" smtClean="0">
+                <a:solidFill>
+                  <a:schemeClr val="tx1"/>
+                </a:solidFill>
                 <a:latin typeface="Times New Roman" pitchFamily="18" charset="0"/>
                 <a:cs typeface="Times New Roman" pitchFamily="18" charset="0"/>
               </a:rPr>
               <a:t>Service layer binding &amp; security</a:t>
             </a:r>
             <a:endParaRPr lang="zh-CN" altLang="en-US" dirty="0">
+              <a:solidFill>
+                <a:schemeClr val="tx1"/>
+              </a:solidFill>
               <a:latin typeface="Times New Roman" pitchFamily="18" charset="0"/>
               <a:cs typeface="Times New Roman" pitchFamily="18" charset="0"/>
             </a:endParaRPr>
@@ -3306,11 +4058,57 @@
           </a:p>
         </p:txBody>
       </p:sp>
+      <p:pic>
+        <p:nvPicPr>
+          <p:cNvPr id="6" name="Picture 2"/>
+          <p:cNvPicPr>
+            <a:picLocks noChangeAspect="1" noChangeArrowheads="1"/>
+          </p:cNvPicPr>
+          <p:nvPr/>
+        </p:nvPicPr>
+        <p:blipFill>
+          <a:blip r:embed="rId2" cstate="print"/>
+          <a:srcRect l="17626" t="14091" r="20250" b="3526"/>
+          <a:stretch>
+            <a:fillRect/>
+          </a:stretch>
+        </p:blipFill>
+        <p:spPr bwMode="auto">
+          <a:xfrm>
+            <a:off x="1259632" y="1700808"/>
+            <a:ext cx="6552728" cy="4706890"/>
+          </a:xfrm>
+          <a:prstGeom prst="rect">
+            <a:avLst/>
+          </a:prstGeom>
+          <a:ln w="38100" cap="sq">
+            <a:solidFill>
+              <a:srgbClr val="0070C0"/>
+            </a:solidFill>
+            <a:prstDash val="solid"/>
+            <a:miter lim="800000"/>
+          </a:ln>
+          <a:effectLst>
+            <a:outerShdw blurRad="50800" dist="38100" dir="2700000" algn="tl" rotWithShape="0">
+              <a:srgbClr val="000000">
+                <a:alpha val="43000"/>
+              </a:srgbClr>
+            </a:outerShdw>
+          </a:effectLst>
+        </p:spPr>
+      </p:pic>
     </p:spTree>
   </p:cSld>
   <p:clrMapOvr>
     <a:masterClrMapping/>
   </p:clrMapOvr>
+  <p:timing>
+    <p:tnLst>
+      <p:par>
+        <p:cTn id="1" dur="indefinite" restart="never" nodeType="tmRoot"/>
+      </p:par>
+    </p:tnLst>
+  </p:timing>
 </p:sld>
 </file>
 
@@ -3392,11 +4190,3161 @@
           </a:p>
         </p:txBody>
       </p:sp>
+      <p:grpSp>
+        <p:nvGrpSpPr>
+          <p:cNvPr id="28" name="组合 27"/>
+          <p:cNvGrpSpPr>
+            <a:grpSpLocks noChangeAspect="1"/>
+          </p:cNvGrpSpPr>
+          <p:nvPr/>
+        </p:nvGrpSpPr>
+        <p:grpSpPr>
+          <a:xfrm>
+            <a:off x="755576" y="1916832"/>
+            <a:ext cx="7776864" cy="4483325"/>
+            <a:chOff x="204788" y="452056"/>
+            <a:chExt cx="8477250" cy="5953888"/>
+          </a:xfrm>
+        </p:grpSpPr>
+        <p:sp>
+          <p:nvSpPr>
+            <p:cNvPr id="4" name="矩形 3"/>
+            <p:cNvSpPr/>
+            <p:nvPr/>
+          </p:nvSpPr>
+          <p:spPr>
+            <a:xfrm>
+              <a:off x="4672013" y="1556957"/>
+              <a:ext cx="2466974" cy="985911"/>
+            </a:xfrm>
+            <a:prstGeom prst="rect">
+              <a:avLst/>
+            </a:prstGeom>
+          </p:spPr>
+          <p:style>
+            <a:lnRef idx="1">
+              <a:schemeClr val="dk1"/>
+            </a:lnRef>
+            <a:fillRef idx="2">
+              <a:schemeClr val="dk1"/>
+            </a:fillRef>
+            <a:effectRef idx="1">
+              <a:schemeClr val="dk1"/>
+            </a:effectRef>
+            <a:fontRef idx="minor">
+              <a:schemeClr val="dk1"/>
+            </a:fontRef>
+          </p:style>
+          <p:txBody>
+            <a:bodyPr rtlCol="0" anchor="t"/>
+            <a:lstStyle>
+              <a:lvl1pPr marL="0" indent="0">
+                <a:defRPr sz="1100">
+                  <a:solidFill>
+                    <a:schemeClr val="dk1"/>
+                  </a:solidFill>
+                  <a:latin typeface="+mn-lt"/>
+                  <a:ea typeface="+mn-ea"/>
+                  <a:cs typeface="+mn-cs"/>
+                </a:defRPr>
+              </a:lvl1pPr>
+              <a:lvl2pPr marL="457200" indent="0">
+                <a:defRPr sz="1100">
+                  <a:solidFill>
+                    <a:schemeClr val="dk1"/>
+                  </a:solidFill>
+                  <a:latin typeface="+mn-lt"/>
+                  <a:ea typeface="+mn-ea"/>
+                  <a:cs typeface="+mn-cs"/>
+                </a:defRPr>
+              </a:lvl2pPr>
+              <a:lvl3pPr marL="914400" indent="0">
+                <a:defRPr sz="1100">
+                  <a:solidFill>
+                    <a:schemeClr val="dk1"/>
+                  </a:solidFill>
+                  <a:latin typeface="+mn-lt"/>
+                  <a:ea typeface="+mn-ea"/>
+                  <a:cs typeface="+mn-cs"/>
+                </a:defRPr>
+              </a:lvl3pPr>
+              <a:lvl4pPr marL="1371600" indent="0">
+                <a:defRPr sz="1100">
+                  <a:solidFill>
+                    <a:schemeClr val="dk1"/>
+                  </a:solidFill>
+                  <a:latin typeface="+mn-lt"/>
+                  <a:ea typeface="+mn-ea"/>
+                  <a:cs typeface="+mn-cs"/>
+                </a:defRPr>
+              </a:lvl4pPr>
+              <a:lvl5pPr marL="1828800" indent="0">
+                <a:defRPr sz="1100">
+                  <a:solidFill>
+                    <a:schemeClr val="dk1"/>
+                  </a:solidFill>
+                  <a:latin typeface="+mn-lt"/>
+                  <a:ea typeface="+mn-ea"/>
+                  <a:cs typeface="+mn-cs"/>
+                </a:defRPr>
+              </a:lvl5pPr>
+              <a:lvl6pPr marL="2286000" indent="0">
+                <a:defRPr sz="1100">
+                  <a:solidFill>
+                    <a:schemeClr val="dk1"/>
+                  </a:solidFill>
+                  <a:latin typeface="+mn-lt"/>
+                  <a:ea typeface="+mn-ea"/>
+                  <a:cs typeface="+mn-cs"/>
+                </a:defRPr>
+              </a:lvl6pPr>
+              <a:lvl7pPr marL="2743200" indent="0">
+                <a:defRPr sz="1100">
+                  <a:solidFill>
+                    <a:schemeClr val="dk1"/>
+                  </a:solidFill>
+                  <a:latin typeface="+mn-lt"/>
+                  <a:ea typeface="+mn-ea"/>
+                  <a:cs typeface="+mn-cs"/>
+                </a:defRPr>
+              </a:lvl7pPr>
+              <a:lvl8pPr marL="3200400" indent="0">
+                <a:defRPr sz="1100">
+                  <a:solidFill>
+                    <a:schemeClr val="dk1"/>
+                  </a:solidFill>
+                  <a:latin typeface="+mn-lt"/>
+                  <a:ea typeface="+mn-ea"/>
+                  <a:cs typeface="+mn-cs"/>
+                </a:defRPr>
+              </a:lvl8pPr>
+              <a:lvl9pPr marL="3657600" indent="0">
+                <a:defRPr sz="1100">
+                  <a:solidFill>
+                    <a:schemeClr val="dk1"/>
+                  </a:solidFill>
+                  <a:latin typeface="+mn-lt"/>
+                  <a:ea typeface="+mn-ea"/>
+                  <a:cs typeface="+mn-cs"/>
+                </a:defRPr>
+              </a:lvl9pPr>
+            </a:lstStyle>
+            <a:p>
+              <a:pPr algn="ctr"/>
+              <a:r>
+                <a:rPr lang="en-US" altLang="zh-CN" sz="1100" b="1"/>
+                <a:t>Service</a:t>
+              </a:r>
+              <a:r>
+                <a:rPr lang="en-US" altLang="zh-CN" sz="1100" b="1" baseline="0"/>
+                <a:t> Layer</a:t>
+              </a:r>
+            </a:p>
+          </p:txBody>
+        </p:sp>
+        <p:sp>
+          <p:nvSpPr>
+            <p:cNvPr id="5" name="流程图: 磁盘 4"/>
+            <p:cNvSpPr/>
+            <p:nvPr/>
+          </p:nvSpPr>
+          <p:spPr>
+            <a:xfrm>
+              <a:off x="3852863" y="4938332"/>
+              <a:ext cx="1535213" cy="1467612"/>
+            </a:xfrm>
+            <a:prstGeom prst="flowChartMagneticDisk">
+              <a:avLst/>
+            </a:prstGeom>
+          </p:spPr>
+          <p:style>
+            <a:lnRef idx="1">
+              <a:schemeClr val="accent1"/>
+            </a:lnRef>
+            <a:fillRef idx="2">
+              <a:schemeClr val="accent1"/>
+            </a:fillRef>
+            <a:effectRef idx="1">
+              <a:schemeClr val="accent1"/>
+            </a:effectRef>
+            <a:fontRef idx="minor">
+              <a:schemeClr val="dk1"/>
+            </a:fontRef>
+          </p:style>
+          <p:txBody>
+            <a:bodyPr rtlCol="0" anchor="ctr"/>
+            <a:lstStyle>
+              <a:lvl1pPr marL="0" indent="0">
+                <a:defRPr sz="1100">
+                  <a:solidFill>
+                    <a:schemeClr val="dk1"/>
+                  </a:solidFill>
+                  <a:latin typeface="+mn-lt"/>
+                  <a:ea typeface="+mn-ea"/>
+                  <a:cs typeface="+mn-cs"/>
+                </a:defRPr>
+              </a:lvl1pPr>
+              <a:lvl2pPr marL="457200" indent="0">
+                <a:defRPr sz="1100">
+                  <a:solidFill>
+                    <a:schemeClr val="dk1"/>
+                  </a:solidFill>
+                  <a:latin typeface="+mn-lt"/>
+                  <a:ea typeface="+mn-ea"/>
+                  <a:cs typeface="+mn-cs"/>
+                </a:defRPr>
+              </a:lvl2pPr>
+              <a:lvl3pPr marL="914400" indent="0">
+                <a:defRPr sz="1100">
+                  <a:solidFill>
+                    <a:schemeClr val="dk1"/>
+                  </a:solidFill>
+                  <a:latin typeface="+mn-lt"/>
+                  <a:ea typeface="+mn-ea"/>
+                  <a:cs typeface="+mn-cs"/>
+                </a:defRPr>
+              </a:lvl3pPr>
+              <a:lvl4pPr marL="1371600" indent="0">
+                <a:defRPr sz="1100">
+                  <a:solidFill>
+                    <a:schemeClr val="dk1"/>
+                  </a:solidFill>
+                  <a:latin typeface="+mn-lt"/>
+                  <a:ea typeface="+mn-ea"/>
+                  <a:cs typeface="+mn-cs"/>
+                </a:defRPr>
+              </a:lvl4pPr>
+              <a:lvl5pPr marL="1828800" indent="0">
+                <a:defRPr sz="1100">
+                  <a:solidFill>
+                    <a:schemeClr val="dk1"/>
+                  </a:solidFill>
+                  <a:latin typeface="+mn-lt"/>
+                  <a:ea typeface="+mn-ea"/>
+                  <a:cs typeface="+mn-cs"/>
+                </a:defRPr>
+              </a:lvl5pPr>
+              <a:lvl6pPr marL="2286000" indent="0">
+                <a:defRPr sz="1100">
+                  <a:solidFill>
+                    <a:schemeClr val="dk1"/>
+                  </a:solidFill>
+                  <a:latin typeface="+mn-lt"/>
+                  <a:ea typeface="+mn-ea"/>
+                  <a:cs typeface="+mn-cs"/>
+                </a:defRPr>
+              </a:lvl6pPr>
+              <a:lvl7pPr marL="2743200" indent="0">
+                <a:defRPr sz="1100">
+                  <a:solidFill>
+                    <a:schemeClr val="dk1"/>
+                  </a:solidFill>
+                  <a:latin typeface="+mn-lt"/>
+                  <a:ea typeface="+mn-ea"/>
+                  <a:cs typeface="+mn-cs"/>
+                </a:defRPr>
+              </a:lvl7pPr>
+              <a:lvl8pPr marL="3200400" indent="0">
+                <a:defRPr sz="1100">
+                  <a:solidFill>
+                    <a:schemeClr val="dk1"/>
+                  </a:solidFill>
+                  <a:latin typeface="+mn-lt"/>
+                  <a:ea typeface="+mn-ea"/>
+                  <a:cs typeface="+mn-cs"/>
+                </a:defRPr>
+              </a:lvl8pPr>
+              <a:lvl9pPr marL="3657600" indent="0">
+                <a:defRPr sz="1100">
+                  <a:solidFill>
+                    <a:schemeClr val="dk1"/>
+                  </a:solidFill>
+                  <a:latin typeface="+mn-lt"/>
+                  <a:ea typeface="+mn-ea"/>
+                  <a:cs typeface="+mn-cs"/>
+                </a:defRPr>
+              </a:lvl9pPr>
+            </a:lstStyle>
+            <a:p>
+              <a:pPr algn="ctr"/>
+              <a:r>
+                <a:rPr lang="en-US" altLang="zh-CN" sz="1100"/>
+                <a:t>DB</a:t>
+              </a:r>
+              <a:endParaRPr lang="zh-CN" altLang="en-US" sz="1100"/>
+            </a:p>
+          </p:txBody>
+        </p:sp>
+        <p:sp>
+          <p:nvSpPr>
+            <p:cNvPr id="6" name="L 形 5"/>
+            <p:cNvSpPr/>
+            <p:nvPr/>
+          </p:nvSpPr>
+          <p:spPr>
+            <a:xfrm>
+              <a:off x="1062037" y="1423607"/>
+              <a:ext cx="7019926" cy="3324225"/>
+            </a:xfrm>
+            <a:prstGeom prst="corner">
+              <a:avLst>
+                <a:gd name="adj1" fmla="val 17606"/>
+                <a:gd name="adj2" fmla="val 26087"/>
+              </a:avLst>
+            </a:prstGeom>
+          </p:spPr>
+          <p:style>
+            <a:lnRef idx="1">
+              <a:schemeClr val="accent1"/>
+            </a:lnRef>
+            <a:fillRef idx="2">
+              <a:schemeClr val="accent1"/>
+            </a:fillRef>
+            <a:effectRef idx="1">
+              <a:schemeClr val="accent1"/>
+            </a:effectRef>
+            <a:fontRef idx="minor">
+              <a:schemeClr val="dk1"/>
+            </a:fontRef>
+          </p:style>
+          <p:txBody>
+            <a:bodyPr rtlCol="0" anchor="ctr"/>
+            <a:lstStyle>
+              <a:lvl1pPr marL="0" indent="0">
+                <a:defRPr sz="1100">
+                  <a:solidFill>
+                    <a:schemeClr val="dk1"/>
+                  </a:solidFill>
+                  <a:latin typeface="+mn-lt"/>
+                  <a:ea typeface="+mn-ea"/>
+                  <a:cs typeface="+mn-cs"/>
+                </a:defRPr>
+              </a:lvl1pPr>
+              <a:lvl2pPr marL="457200" indent="0">
+                <a:defRPr sz="1100">
+                  <a:solidFill>
+                    <a:schemeClr val="dk1"/>
+                  </a:solidFill>
+                  <a:latin typeface="+mn-lt"/>
+                  <a:ea typeface="+mn-ea"/>
+                  <a:cs typeface="+mn-cs"/>
+                </a:defRPr>
+              </a:lvl2pPr>
+              <a:lvl3pPr marL="914400" indent="0">
+                <a:defRPr sz="1100">
+                  <a:solidFill>
+                    <a:schemeClr val="dk1"/>
+                  </a:solidFill>
+                  <a:latin typeface="+mn-lt"/>
+                  <a:ea typeface="+mn-ea"/>
+                  <a:cs typeface="+mn-cs"/>
+                </a:defRPr>
+              </a:lvl3pPr>
+              <a:lvl4pPr marL="1371600" indent="0">
+                <a:defRPr sz="1100">
+                  <a:solidFill>
+                    <a:schemeClr val="dk1"/>
+                  </a:solidFill>
+                  <a:latin typeface="+mn-lt"/>
+                  <a:ea typeface="+mn-ea"/>
+                  <a:cs typeface="+mn-cs"/>
+                </a:defRPr>
+              </a:lvl4pPr>
+              <a:lvl5pPr marL="1828800" indent="0">
+                <a:defRPr sz="1100">
+                  <a:solidFill>
+                    <a:schemeClr val="dk1"/>
+                  </a:solidFill>
+                  <a:latin typeface="+mn-lt"/>
+                  <a:ea typeface="+mn-ea"/>
+                  <a:cs typeface="+mn-cs"/>
+                </a:defRPr>
+              </a:lvl5pPr>
+              <a:lvl6pPr marL="2286000" indent="0">
+                <a:defRPr sz="1100">
+                  <a:solidFill>
+                    <a:schemeClr val="dk1"/>
+                  </a:solidFill>
+                  <a:latin typeface="+mn-lt"/>
+                  <a:ea typeface="+mn-ea"/>
+                  <a:cs typeface="+mn-cs"/>
+                </a:defRPr>
+              </a:lvl6pPr>
+              <a:lvl7pPr marL="2743200" indent="0">
+                <a:defRPr sz="1100">
+                  <a:solidFill>
+                    <a:schemeClr val="dk1"/>
+                  </a:solidFill>
+                  <a:latin typeface="+mn-lt"/>
+                  <a:ea typeface="+mn-ea"/>
+                  <a:cs typeface="+mn-cs"/>
+                </a:defRPr>
+              </a:lvl7pPr>
+              <a:lvl8pPr marL="3200400" indent="0">
+                <a:defRPr sz="1100">
+                  <a:solidFill>
+                    <a:schemeClr val="dk1"/>
+                  </a:solidFill>
+                  <a:latin typeface="+mn-lt"/>
+                  <a:ea typeface="+mn-ea"/>
+                  <a:cs typeface="+mn-cs"/>
+                </a:defRPr>
+              </a:lvl8pPr>
+              <a:lvl9pPr marL="3657600" indent="0">
+                <a:defRPr sz="1100">
+                  <a:solidFill>
+                    <a:schemeClr val="dk1"/>
+                  </a:solidFill>
+                  <a:latin typeface="+mn-lt"/>
+                  <a:ea typeface="+mn-ea"/>
+                  <a:cs typeface="+mn-cs"/>
+                </a:defRPr>
+              </a:lvl9pPr>
+            </a:lstStyle>
+            <a:p>
+              <a:pPr algn="ctr"/>
+              <a:endParaRPr lang="zh-CN" altLang="en-US" sz="1100"/>
+            </a:p>
+          </p:txBody>
+        </p:sp>
+        <p:sp>
+          <p:nvSpPr>
+            <p:cNvPr id="7" name="矩形 6"/>
+            <p:cNvSpPr/>
+            <p:nvPr/>
+          </p:nvSpPr>
+          <p:spPr>
+            <a:xfrm>
+              <a:off x="1128712" y="4223957"/>
+              <a:ext cx="6867525" cy="457199"/>
+            </a:xfrm>
+            <a:prstGeom prst="rect">
+              <a:avLst/>
+            </a:prstGeom>
+          </p:spPr>
+          <p:style>
+            <a:lnRef idx="1">
+              <a:schemeClr val="dk1"/>
+            </a:lnRef>
+            <a:fillRef idx="2">
+              <a:schemeClr val="dk1"/>
+            </a:fillRef>
+            <a:effectRef idx="1">
+              <a:schemeClr val="dk1"/>
+            </a:effectRef>
+            <a:fontRef idx="minor">
+              <a:schemeClr val="dk1"/>
+            </a:fontRef>
+          </p:style>
+          <p:txBody>
+            <a:bodyPr rtlCol="0" anchor="ctr"/>
+            <a:lstStyle>
+              <a:lvl1pPr marL="0" indent="0">
+                <a:defRPr sz="1100">
+                  <a:solidFill>
+                    <a:schemeClr val="dk1"/>
+                  </a:solidFill>
+                  <a:latin typeface="+mn-lt"/>
+                  <a:ea typeface="+mn-ea"/>
+                  <a:cs typeface="+mn-cs"/>
+                </a:defRPr>
+              </a:lvl1pPr>
+              <a:lvl2pPr marL="457200" indent="0">
+                <a:defRPr sz="1100">
+                  <a:solidFill>
+                    <a:schemeClr val="dk1"/>
+                  </a:solidFill>
+                  <a:latin typeface="+mn-lt"/>
+                  <a:ea typeface="+mn-ea"/>
+                  <a:cs typeface="+mn-cs"/>
+                </a:defRPr>
+              </a:lvl2pPr>
+              <a:lvl3pPr marL="914400" indent="0">
+                <a:defRPr sz="1100">
+                  <a:solidFill>
+                    <a:schemeClr val="dk1"/>
+                  </a:solidFill>
+                  <a:latin typeface="+mn-lt"/>
+                  <a:ea typeface="+mn-ea"/>
+                  <a:cs typeface="+mn-cs"/>
+                </a:defRPr>
+              </a:lvl3pPr>
+              <a:lvl4pPr marL="1371600" indent="0">
+                <a:defRPr sz="1100">
+                  <a:solidFill>
+                    <a:schemeClr val="dk1"/>
+                  </a:solidFill>
+                  <a:latin typeface="+mn-lt"/>
+                  <a:ea typeface="+mn-ea"/>
+                  <a:cs typeface="+mn-cs"/>
+                </a:defRPr>
+              </a:lvl4pPr>
+              <a:lvl5pPr marL="1828800" indent="0">
+                <a:defRPr sz="1100">
+                  <a:solidFill>
+                    <a:schemeClr val="dk1"/>
+                  </a:solidFill>
+                  <a:latin typeface="+mn-lt"/>
+                  <a:ea typeface="+mn-ea"/>
+                  <a:cs typeface="+mn-cs"/>
+                </a:defRPr>
+              </a:lvl5pPr>
+              <a:lvl6pPr marL="2286000" indent="0">
+                <a:defRPr sz="1100">
+                  <a:solidFill>
+                    <a:schemeClr val="dk1"/>
+                  </a:solidFill>
+                  <a:latin typeface="+mn-lt"/>
+                  <a:ea typeface="+mn-ea"/>
+                  <a:cs typeface="+mn-cs"/>
+                </a:defRPr>
+              </a:lvl6pPr>
+              <a:lvl7pPr marL="2743200" indent="0">
+                <a:defRPr sz="1100">
+                  <a:solidFill>
+                    <a:schemeClr val="dk1"/>
+                  </a:solidFill>
+                  <a:latin typeface="+mn-lt"/>
+                  <a:ea typeface="+mn-ea"/>
+                  <a:cs typeface="+mn-cs"/>
+                </a:defRPr>
+              </a:lvl7pPr>
+              <a:lvl8pPr marL="3200400" indent="0">
+                <a:defRPr sz="1100">
+                  <a:solidFill>
+                    <a:schemeClr val="dk1"/>
+                  </a:solidFill>
+                  <a:latin typeface="+mn-lt"/>
+                  <a:ea typeface="+mn-ea"/>
+                  <a:cs typeface="+mn-cs"/>
+                </a:defRPr>
+              </a:lvl8pPr>
+              <a:lvl9pPr marL="3657600" indent="0">
+                <a:defRPr sz="1100">
+                  <a:solidFill>
+                    <a:schemeClr val="dk1"/>
+                  </a:solidFill>
+                  <a:latin typeface="+mn-lt"/>
+                  <a:ea typeface="+mn-ea"/>
+                  <a:cs typeface="+mn-cs"/>
+                </a:defRPr>
+              </a:lvl9pPr>
+            </a:lstStyle>
+            <a:p>
+              <a:pPr algn="ctr"/>
+              <a:r>
+                <a:rPr lang="en-US" altLang="zh-CN" sz="1100"/>
+                <a:t>Entity Framework</a:t>
+              </a:r>
+              <a:endParaRPr lang="zh-CN" altLang="en-US" sz="1100"/>
+            </a:p>
+          </p:txBody>
+        </p:sp>
+        <p:sp>
+          <p:nvSpPr>
+            <p:cNvPr id="8" name="矩形 7"/>
+            <p:cNvSpPr/>
+            <p:nvPr/>
+          </p:nvSpPr>
+          <p:spPr>
+            <a:xfrm>
+              <a:off x="1138238" y="1595056"/>
+              <a:ext cx="557918" cy="2483328"/>
+            </a:xfrm>
+            <a:prstGeom prst="rect">
+              <a:avLst/>
+            </a:prstGeom>
+          </p:spPr>
+          <p:style>
+            <a:lnRef idx="1">
+              <a:schemeClr val="dk1"/>
+            </a:lnRef>
+            <a:fillRef idx="2">
+              <a:schemeClr val="dk1"/>
+            </a:fillRef>
+            <a:effectRef idx="1">
+              <a:schemeClr val="dk1"/>
+            </a:effectRef>
+            <a:fontRef idx="minor">
+              <a:schemeClr val="dk1"/>
+            </a:fontRef>
+          </p:style>
+          <p:txBody>
+            <a:bodyPr rtlCol="0" anchor="ctr"/>
+            <a:lstStyle>
+              <a:lvl1pPr marL="0" indent="0">
+                <a:defRPr sz="1100">
+                  <a:solidFill>
+                    <a:schemeClr val="dk1"/>
+                  </a:solidFill>
+                  <a:latin typeface="+mn-lt"/>
+                  <a:ea typeface="+mn-ea"/>
+                  <a:cs typeface="+mn-cs"/>
+                </a:defRPr>
+              </a:lvl1pPr>
+              <a:lvl2pPr marL="457200" indent="0">
+                <a:defRPr sz="1100">
+                  <a:solidFill>
+                    <a:schemeClr val="dk1"/>
+                  </a:solidFill>
+                  <a:latin typeface="+mn-lt"/>
+                  <a:ea typeface="+mn-ea"/>
+                  <a:cs typeface="+mn-cs"/>
+                </a:defRPr>
+              </a:lvl2pPr>
+              <a:lvl3pPr marL="914400" indent="0">
+                <a:defRPr sz="1100">
+                  <a:solidFill>
+                    <a:schemeClr val="dk1"/>
+                  </a:solidFill>
+                  <a:latin typeface="+mn-lt"/>
+                  <a:ea typeface="+mn-ea"/>
+                  <a:cs typeface="+mn-cs"/>
+                </a:defRPr>
+              </a:lvl3pPr>
+              <a:lvl4pPr marL="1371600" indent="0">
+                <a:defRPr sz="1100">
+                  <a:solidFill>
+                    <a:schemeClr val="dk1"/>
+                  </a:solidFill>
+                  <a:latin typeface="+mn-lt"/>
+                  <a:ea typeface="+mn-ea"/>
+                  <a:cs typeface="+mn-cs"/>
+                </a:defRPr>
+              </a:lvl4pPr>
+              <a:lvl5pPr marL="1828800" indent="0">
+                <a:defRPr sz="1100">
+                  <a:solidFill>
+                    <a:schemeClr val="dk1"/>
+                  </a:solidFill>
+                  <a:latin typeface="+mn-lt"/>
+                  <a:ea typeface="+mn-ea"/>
+                  <a:cs typeface="+mn-cs"/>
+                </a:defRPr>
+              </a:lvl5pPr>
+              <a:lvl6pPr marL="2286000" indent="0">
+                <a:defRPr sz="1100">
+                  <a:solidFill>
+                    <a:schemeClr val="dk1"/>
+                  </a:solidFill>
+                  <a:latin typeface="+mn-lt"/>
+                  <a:ea typeface="+mn-ea"/>
+                  <a:cs typeface="+mn-cs"/>
+                </a:defRPr>
+              </a:lvl6pPr>
+              <a:lvl7pPr marL="2743200" indent="0">
+                <a:defRPr sz="1100">
+                  <a:solidFill>
+                    <a:schemeClr val="dk1"/>
+                  </a:solidFill>
+                  <a:latin typeface="+mn-lt"/>
+                  <a:ea typeface="+mn-ea"/>
+                  <a:cs typeface="+mn-cs"/>
+                </a:defRPr>
+              </a:lvl7pPr>
+              <a:lvl8pPr marL="3200400" indent="0">
+                <a:defRPr sz="1100">
+                  <a:solidFill>
+                    <a:schemeClr val="dk1"/>
+                  </a:solidFill>
+                  <a:latin typeface="+mn-lt"/>
+                  <a:ea typeface="+mn-ea"/>
+                  <a:cs typeface="+mn-cs"/>
+                </a:defRPr>
+              </a:lvl8pPr>
+              <a:lvl9pPr marL="3657600" indent="0">
+                <a:defRPr sz="1100">
+                  <a:solidFill>
+                    <a:schemeClr val="dk1"/>
+                  </a:solidFill>
+                  <a:latin typeface="+mn-lt"/>
+                  <a:ea typeface="+mn-ea"/>
+                  <a:cs typeface="+mn-cs"/>
+                </a:defRPr>
+              </a:lvl9pPr>
+            </a:lstStyle>
+            <a:p>
+              <a:pPr algn="ctr"/>
+              <a:r>
+                <a:rPr lang="en-US" altLang="zh-CN" sz="1100" dirty="0"/>
+                <a:t>ASP.NET</a:t>
+              </a:r>
+            </a:p>
+            <a:p>
+              <a:pPr algn="ctr"/>
+              <a:r>
+                <a:rPr lang="en-US" altLang="zh-CN" sz="1100" dirty="0"/>
+                <a:t> Identity</a:t>
+              </a:r>
+              <a:endParaRPr lang="zh-CN" altLang="en-US" sz="1100" dirty="0"/>
+            </a:p>
+          </p:txBody>
+        </p:sp>
+        <p:sp>
+          <p:nvSpPr>
+            <p:cNvPr id="9" name="矩形 8"/>
+            <p:cNvSpPr/>
+            <p:nvPr/>
+          </p:nvSpPr>
+          <p:spPr>
+            <a:xfrm>
+              <a:off x="2014537" y="3414332"/>
+              <a:ext cx="5124451" cy="519185"/>
+            </a:xfrm>
+            <a:prstGeom prst="rect">
+              <a:avLst/>
+            </a:prstGeom>
+          </p:spPr>
+          <p:style>
+            <a:lnRef idx="1">
+              <a:schemeClr val="dk1"/>
+            </a:lnRef>
+            <a:fillRef idx="2">
+              <a:schemeClr val="dk1"/>
+            </a:fillRef>
+            <a:effectRef idx="1">
+              <a:schemeClr val="dk1"/>
+            </a:effectRef>
+            <a:fontRef idx="minor">
+              <a:schemeClr val="dk1"/>
+            </a:fontRef>
+          </p:style>
+          <p:txBody>
+            <a:bodyPr rtlCol="0" anchor="t"/>
+            <a:lstStyle>
+              <a:lvl1pPr marL="0" indent="0">
+                <a:defRPr sz="1100">
+                  <a:solidFill>
+                    <a:schemeClr val="dk1"/>
+                  </a:solidFill>
+                  <a:latin typeface="+mn-lt"/>
+                  <a:ea typeface="+mn-ea"/>
+                  <a:cs typeface="+mn-cs"/>
+                </a:defRPr>
+              </a:lvl1pPr>
+              <a:lvl2pPr marL="457200" indent="0">
+                <a:defRPr sz="1100">
+                  <a:solidFill>
+                    <a:schemeClr val="dk1"/>
+                  </a:solidFill>
+                  <a:latin typeface="+mn-lt"/>
+                  <a:ea typeface="+mn-ea"/>
+                  <a:cs typeface="+mn-cs"/>
+                </a:defRPr>
+              </a:lvl2pPr>
+              <a:lvl3pPr marL="914400" indent="0">
+                <a:defRPr sz="1100">
+                  <a:solidFill>
+                    <a:schemeClr val="dk1"/>
+                  </a:solidFill>
+                  <a:latin typeface="+mn-lt"/>
+                  <a:ea typeface="+mn-ea"/>
+                  <a:cs typeface="+mn-cs"/>
+                </a:defRPr>
+              </a:lvl3pPr>
+              <a:lvl4pPr marL="1371600" indent="0">
+                <a:defRPr sz="1100">
+                  <a:solidFill>
+                    <a:schemeClr val="dk1"/>
+                  </a:solidFill>
+                  <a:latin typeface="+mn-lt"/>
+                  <a:ea typeface="+mn-ea"/>
+                  <a:cs typeface="+mn-cs"/>
+                </a:defRPr>
+              </a:lvl4pPr>
+              <a:lvl5pPr marL="1828800" indent="0">
+                <a:defRPr sz="1100">
+                  <a:solidFill>
+                    <a:schemeClr val="dk1"/>
+                  </a:solidFill>
+                  <a:latin typeface="+mn-lt"/>
+                  <a:ea typeface="+mn-ea"/>
+                  <a:cs typeface="+mn-cs"/>
+                </a:defRPr>
+              </a:lvl5pPr>
+              <a:lvl6pPr marL="2286000" indent="0">
+                <a:defRPr sz="1100">
+                  <a:solidFill>
+                    <a:schemeClr val="dk1"/>
+                  </a:solidFill>
+                  <a:latin typeface="+mn-lt"/>
+                  <a:ea typeface="+mn-ea"/>
+                  <a:cs typeface="+mn-cs"/>
+                </a:defRPr>
+              </a:lvl6pPr>
+              <a:lvl7pPr marL="2743200" indent="0">
+                <a:defRPr sz="1100">
+                  <a:solidFill>
+                    <a:schemeClr val="dk1"/>
+                  </a:solidFill>
+                  <a:latin typeface="+mn-lt"/>
+                  <a:ea typeface="+mn-ea"/>
+                  <a:cs typeface="+mn-cs"/>
+                </a:defRPr>
+              </a:lvl7pPr>
+              <a:lvl8pPr marL="3200400" indent="0">
+                <a:defRPr sz="1100">
+                  <a:solidFill>
+                    <a:schemeClr val="dk1"/>
+                  </a:solidFill>
+                  <a:latin typeface="+mn-lt"/>
+                  <a:ea typeface="+mn-ea"/>
+                  <a:cs typeface="+mn-cs"/>
+                </a:defRPr>
+              </a:lvl8pPr>
+              <a:lvl9pPr marL="3657600" indent="0">
+                <a:defRPr sz="1100">
+                  <a:solidFill>
+                    <a:schemeClr val="dk1"/>
+                  </a:solidFill>
+                  <a:latin typeface="+mn-lt"/>
+                  <a:ea typeface="+mn-ea"/>
+                  <a:cs typeface="+mn-cs"/>
+                </a:defRPr>
+              </a:lvl9pPr>
+            </a:lstStyle>
+            <a:p>
+              <a:pPr algn="ctr"/>
+              <a:r>
+                <a:rPr lang="en-US" altLang="zh-CN" sz="1100" b="1" dirty="0"/>
+                <a:t>Data Access</a:t>
+              </a:r>
+              <a:r>
+                <a:rPr lang="en-US" altLang="zh-CN" sz="1100" b="1" baseline="0" dirty="0"/>
+                <a:t> Layer</a:t>
+              </a:r>
+            </a:p>
+            <a:p>
+              <a:pPr algn="ctr"/>
+              <a:endParaRPr lang="zh-CN" altLang="en-US" sz="1100" dirty="0"/>
+            </a:p>
+          </p:txBody>
+        </p:sp>
+        <p:sp>
+          <p:nvSpPr>
+            <p:cNvPr id="10" name="矩形 9"/>
+            <p:cNvSpPr/>
+            <p:nvPr/>
+          </p:nvSpPr>
+          <p:spPr>
+            <a:xfrm>
+              <a:off x="2014537" y="2747582"/>
+              <a:ext cx="5143501" cy="481085"/>
+            </a:xfrm>
+            <a:prstGeom prst="rect">
+              <a:avLst/>
+            </a:prstGeom>
+          </p:spPr>
+          <p:style>
+            <a:lnRef idx="1">
+              <a:schemeClr val="dk1"/>
+            </a:lnRef>
+            <a:fillRef idx="2">
+              <a:schemeClr val="dk1"/>
+            </a:fillRef>
+            <a:effectRef idx="1">
+              <a:schemeClr val="dk1"/>
+            </a:effectRef>
+            <a:fontRef idx="minor">
+              <a:schemeClr val="dk1"/>
+            </a:fontRef>
+          </p:style>
+          <p:txBody>
+            <a:bodyPr rtlCol="0" anchor="t"/>
+            <a:lstStyle>
+              <a:lvl1pPr marL="0" indent="0">
+                <a:defRPr sz="1100">
+                  <a:solidFill>
+                    <a:schemeClr val="dk1"/>
+                  </a:solidFill>
+                  <a:latin typeface="+mn-lt"/>
+                  <a:ea typeface="+mn-ea"/>
+                  <a:cs typeface="+mn-cs"/>
+                </a:defRPr>
+              </a:lvl1pPr>
+              <a:lvl2pPr marL="457200" indent="0">
+                <a:defRPr sz="1100">
+                  <a:solidFill>
+                    <a:schemeClr val="dk1"/>
+                  </a:solidFill>
+                  <a:latin typeface="+mn-lt"/>
+                  <a:ea typeface="+mn-ea"/>
+                  <a:cs typeface="+mn-cs"/>
+                </a:defRPr>
+              </a:lvl2pPr>
+              <a:lvl3pPr marL="914400" indent="0">
+                <a:defRPr sz="1100">
+                  <a:solidFill>
+                    <a:schemeClr val="dk1"/>
+                  </a:solidFill>
+                  <a:latin typeface="+mn-lt"/>
+                  <a:ea typeface="+mn-ea"/>
+                  <a:cs typeface="+mn-cs"/>
+                </a:defRPr>
+              </a:lvl3pPr>
+              <a:lvl4pPr marL="1371600" indent="0">
+                <a:defRPr sz="1100">
+                  <a:solidFill>
+                    <a:schemeClr val="dk1"/>
+                  </a:solidFill>
+                  <a:latin typeface="+mn-lt"/>
+                  <a:ea typeface="+mn-ea"/>
+                  <a:cs typeface="+mn-cs"/>
+                </a:defRPr>
+              </a:lvl4pPr>
+              <a:lvl5pPr marL="1828800" indent="0">
+                <a:defRPr sz="1100">
+                  <a:solidFill>
+                    <a:schemeClr val="dk1"/>
+                  </a:solidFill>
+                  <a:latin typeface="+mn-lt"/>
+                  <a:ea typeface="+mn-ea"/>
+                  <a:cs typeface="+mn-cs"/>
+                </a:defRPr>
+              </a:lvl5pPr>
+              <a:lvl6pPr marL="2286000" indent="0">
+                <a:defRPr sz="1100">
+                  <a:solidFill>
+                    <a:schemeClr val="dk1"/>
+                  </a:solidFill>
+                  <a:latin typeface="+mn-lt"/>
+                  <a:ea typeface="+mn-ea"/>
+                  <a:cs typeface="+mn-cs"/>
+                </a:defRPr>
+              </a:lvl6pPr>
+              <a:lvl7pPr marL="2743200" indent="0">
+                <a:defRPr sz="1100">
+                  <a:solidFill>
+                    <a:schemeClr val="dk1"/>
+                  </a:solidFill>
+                  <a:latin typeface="+mn-lt"/>
+                  <a:ea typeface="+mn-ea"/>
+                  <a:cs typeface="+mn-cs"/>
+                </a:defRPr>
+              </a:lvl7pPr>
+              <a:lvl8pPr marL="3200400" indent="0">
+                <a:defRPr sz="1100">
+                  <a:solidFill>
+                    <a:schemeClr val="dk1"/>
+                  </a:solidFill>
+                  <a:latin typeface="+mn-lt"/>
+                  <a:ea typeface="+mn-ea"/>
+                  <a:cs typeface="+mn-cs"/>
+                </a:defRPr>
+              </a:lvl8pPr>
+              <a:lvl9pPr marL="3657600" indent="0">
+                <a:defRPr sz="1100">
+                  <a:solidFill>
+                    <a:schemeClr val="dk1"/>
+                  </a:solidFill>
+                  <a:latin typeface="+mn-lt"/>
+                  <a:ea typeface="+mn-ea"/>
+                  <a:cs typeface="+mn-cs"/>
+                </a:defRPr>
+              </a:lvl9pPr>
+            </a:lstStyle>
+            <a:p>
+              <a:pPr algn="ctr"/>
+              <a:r>
+                <a:rPr lang="en-US" altLang="zh-CN" sz="1100" b="1" dirty="0"/>
+                <a:t>Business</a:t>
+              </a:r>
+              <a:r>
+                <a:rPr lang="en-US" altLang="zh-CN" sz="1100" b="1" baseline="0" dirty="0"/>
+                <a:t> Logic Layer</a:t>
+              </a:r>
+            </a:p>
+            <a:p>
+              <a:pPr algn="ctr"/>
+              <a:endParaRPr lang="zh-CN" altLang="en-US" sz="1100" dirty="0"/>
+            </a:p>
+          </p:txBody>
+        </p:sp>
+        <p:sp>
+          <p:nvSpPr>
+            <p:cNvPr id="11" name="矩形 10"/>
+            <p:cNvSpPr/>
+            <p:nvPr/>
+          </p:nvSpPr>
+          <p:spPr>
+            <a:xfrm>
+              <a:off x="2005013" y="1556955"/>
+              <a:ext cx="2552700" cy="990601"/>
+            </a:xfrm>
+            <a:prstGeom prst="rect">
+              <a:avLst/>
+            </a:prstGeom>
+          </p:spPr>
+          <p:style>
+            <a:lnRef idx="1">
+              <a:schemeClr val="dk1"/>
+            </a:lnRef>
+            <a:fillRef idx="2">
+              <a:schemeClr val="dk1"/>
+            </a:fillRef>
+            <a:effectRef idx="1">
+              <a:schemeClr val="dk1"/>
+            </a:effectRef>
+            <a:fontRef idx="minor">
+              <a:schemeClr val="dk1"/>
+            </a:fontRef>
+          </p:style>
+          <p:txBody>
+            <a:bodyPr rtlCol="0" anchor="t"/>
+            <a:lstStyle>
+              <a:lvl1pPr marL="0" indent="0">
+                <a:defRPr sz="1100">
+                  <a:solidFill>
+                    <a:schemeClr val="dk1"/>
+                  </a:solidFill>
+                  <a:latin typeface="+mn-lt"/>
+                  <a:ea typeface="+mn-ea"/>
+                  <a:cs typeface="+mn-cs"/>
+                </a:defRPr>
+              </a:lvl1pPr>
+              <a:lvl2pPr marL="457200" indent="0">
+                <a:defRPr sz="1100">
+                  <a:solidFill>
+                    <a:schemeClr val="dk1"/>
+                  </a:solidFill>
+                  <a:latin typeface="+mn-lt"/>
+                  <a:ea typeface="+mn-ea"/>
+                  <a:cs typeface="+mn-cs"/>
+                </a:defRPr>
+              </a:lvl2pPr>
+              <a:lvl3pPr marL="914400" indent="0">
+                <a:defRPr sz="1100">
+                  <a:solidFill>
+                    <a:schemeClr val="dk1"/>
+                  </a:solidFill>
+                  <a:latin typeface="+mn-lt"/>
+                  <a:ea typeface="+mn-ea"/>
+                  <a:cs typeface="+mn-cs"/>
+                </a:defRPr>
+              </a:lvl3pPr>
+              <a:lvl4pPr marL="1371600" indent="0">
+                <a:defRPr sz="1100">
+                  <a:solidFill>
+                    <a:schemeClr val="dk1"/>
+                  </a:solidFill>
+                  <a:latin typeface="+mn-lt"/>
+                  <a:ea typeface="+mn-ea"/>
+                  <a:cs typeface="+mn-cs"/>
+                </a:defRPr>
+              </a:lvl4pPr>
+              <a:lvl5pPr marL="1828800" indent="0">
+                <a:defRPr sz="1100">
+                  <a:solidFill>
+                    <a:schemeClr val="dk1"/>
+                  </a:solidFill>
+                  <a:latin typeface="+mn-lt"/>
+                  <a:ea typeface="+mn-ea"/>
+                  <a:cs typeface="+mn-cs"/>
+                </a:defRPr>
+              </a:lvl5pPr>
+              <a:lvl6pPr marL="2286000" indent="0">
+                <a:defRPr sz="1100">
+                  <a:solidFill>
+                    <a:schemeClr val="dk1"/>
+                  </a:solidFill>
+                  <a:latin typeface="+mn-lt"/>
+                  <a:ea typeface="+mn-ea"/>
+                  <a:cs typeface="+mn-cs"/>
+                </a:defRPr>
+              </a:lvl6pPr>
+              <a:lvl7pPr marL="2743200" indent="0">
+                <a:defRPr sz="1100">
+                  <a:solidFill>
+                    <a:schemeClr val="dk1"/>
+                  </a:solidFill>
+                  <a:latin typeface="+mn-lt"/>
+                  <a:ea typeface="+mn-ea"/>
+                  <a:cs typeface="+mn-cs"/>
+                </a:defRPr>
+              </a:lvl7pPr>
+              <a:lvl8pPr marL="3200400" indent="0">
+                <a:defRPr sz="1100">
+                  <a:solidFill>
+                    <a:schemeClr val="dk1"/>
+                  </a:solidFill>
+                  <a:latin typeface="+mn-lt"/>
+                  <a:ea typeface="+mn-ea"/>
+                  <a:cs typeface="+mn-cs"/>
+                </a:defRPr>
+              </a:lvl8pPr>
+              <a:lvl9pPr marL="3657600" indent="0">
+                <a:defRPr sz="1100">
+                  <a:solidFill>
+                    <a:schemeClr val="dk1"/>
+                  </a:solidFill>
+                  <a:latin typeface="+mn-lt"/>
+                  <a:ea typeface="+mn-ea"/>
+                  <a:cs typeface="+mn-cs"/>
+                </a:defRPr>
+              </a:lvl9pPr>
+            </a:lstStyle>
+            <a:p>
+              <a:pPr algn="ctr"/>
+              <a:r>
+                <a:rPr lang="en-US" altLang="zh-CN" sz="1100" b="1"/>
+                <a:t>Presentation</a:t>
+              </a:r>
+              <a:r>
+                <a:rPr lang="en-US" altLang="zh-CN" sz="1100" b="1" baseline="0"/>
+                <a:t> Layer</a:t>
+              </a:r>
+              <a:endParaRPr lang="zh-CN" altLang="en-US" sz="1100" b="1"/>
+            </a:p>
+          </p:txBody>
+        </p:sp>
+        <p:sp>
+          <p:nvSpPr>
+            <p:cNvPr id="12" name="矩形 11"/>
+            <p:cNvSpPr/>
+            <p:nvPr/>
+          </p:nvSpPr>
+          <p:spPr>
+            <a:xfrm>
+              <a:off x="2147889" y="1804607"/>
+              <a:ext cx="1133474" cy="559991"/>
+            </a:xfrm>
+            <a:prstGeom prst="rect">
+              <a:avLst/>
+            </a:prstGeom>
+          </p:spPr>
+          <p:style>
+            <a:lnRef idx="1">
+              <a:schemeClr val="accent5"/>
+            </a:lnRef>
+            <a:fillRef idx="2">
+              <a:schemeClr val="accent5"/>
+            </a:fillRef>
+            <a:effectRef idx="1">
+              <a:schemeClr val="accent5"/>
+            </a:effectRef>
+            <a:fontRef idx="minor">
+              <a:schemeClr val="dk1"/>
+            </a:fontRef>
+          </p:style>
+          <p:txBody>
+            <a:bodyPr rtlCol="0" anchor="t"/>
+            <a:lstStyle>
+              <a:lvl1pPr marL="0" indent="0">
+                <a:defRPr sz="1100">
+                  <a:solidFill>
+                    <a:schemeClr val="dk1"/>
+                  </a:solidFill>
+                  <a:latin typeface="+mn-lt"/>
+                  <a:ea typeface="+mn-ea"/>
+                  <a:cs typeface="+mn-cs"/>
+                </a:defRPr>
+              </a:lvl1pPr>
+              <a:lvl2pPr marL="457200" indent="0">
+                <a:defRPr sz="1100">
+                  <a:solidFill>
+                    <a:schemeClr val="dk1"/>
+                  </a:solidFill>
+                  <a:latin typeface="+mn-lt"/>
+                  <a:ea typeface="+mn-ea"/>
+                  <a:cs typeface="+mn-cs"/>
+                </a:defRPr>
+              </a:lvl2pPr>
+              <a:lvl3pPr marL="914400" indent="0">
+                <a:defRPr sz="1100">
+                  <a:solidFill>
+                    <a:schemeClr val="dk1"/>
+                  </a:solidFill>
+                  <a:latin typeface="+mn-lt"/>
+                  <a:ea typeface="+mn-ea"/>
+                  <a:cs typeface="+mn-cs"/>
+                </a:defRPr>
+              </a:lvl3pPr>
+              <a:lvl4pPr marL="1371600" indent="0">
+                <a:defRPr sz="1100">
+                  <a:solidFill>
+                    <a:schemeClr val="dk1"/>
+                  </a:solidFill>
+                  <a:latin typeface="+mn-lt"/>
+                  <a:ea typeface="+mn-ea"/>
+                  <a:cs typeface="+mn-cs"/>
+                </a:defRPr>
+              </a:lvl4pPr>
+              <a:lvl5pPr marL="1828800" indent="0">
+                <a:defRPr sz="1100">
+                  <a:solidFill>
+                    <a:schemeClr val="dk1"/>
+                  </a:solidFill>
+                  <a:latin typeface="+mn-lt"/>
+                  <a:ea typeface="+mn-ea"/>
+                  <a:cs typeface="+mn-cs"/>
+                </a:defRPr>
+              </a:lvl5pPr>
+              <a:lvl6pPr marL="2286000" indent="0">
+                <a:defRPr sz="1100">
+                  <a:solidFill>
+                    <a:schemeClr val="dk1"/>
+                  </a:solidFill>
+                  <a:latin typeface="+mn-lt"/>
+                  <a:ea typeface="+mn-ea"/>
+                  <a:cs typeface="+mn-cs"/>
+                </a:defRPr>
+              </a:lvl6pPr>
+              <a:lvl7pPr marL="2743200" indent="0">
+                <a:defRPr sz="1100">
+                  <a:solidFill>
+                    <a:schemeClr val="dk1"/>
+                  </a:solidFill>
+                  <a:latin typeface="+mn-lt"/>
+                  <a:ea typeface="+mn-ea"/>
+                  <a:cs typeface="+mn-cs"/>
+                </a:defRPr>
+              </a:lvl7pPr>
+              <a:lvl8pPr marL="3200400" indent="0">
+                <a:defRPr sz="1100">
+                  <a:solidFill>
+                    <a:schemeClr val="dk1"/>
+                  </a:solidFill>
+                  <a:latin typeface="+mn-lt"/>
+                  <a:ea typeface="+mn-ea"/>
+                  <a:cs typeface="+mn-cs"/>
+                </a:defRPr>
+              </a:lvl8pPr>
+              <a:lvl9pPr marL="3657600" indent="0">
+                <a:defRPr sz="1100">
+                  <a:solidFill>
+                    <a:schemeClr val="dk1"/>
+                  </a:solidFill>
+                  <a:latin typeface="+mn-lt"/>
+                  <a:ea typeface="+mn-ea"/>
+                  <a:cs typeface="+mn-cs"/>
+                </a:defRPr>
+              </a:lvl9pPr>
+            </a:lstStyle>
+            <a:p>
+              <a:pPr algn="ctr"/>
+              <a:r>
+                <a:rPr lang="en-US" altLang="zh-CN" sz="1100" dirty="0"/>
+                <a:t>ASP.NET MVC</a:t>
+              </a:r>
+            </a:p>
+            <a:p>
+              <a:pPr algn="ctr"/>
+              <a:r>
+                <a:rPr lang="en-US" altLang="zh-CN" sz="1100" dirty="0"/>
+                <a:t>for external</a:t>
+              </a:r>
+              <a:endParaRPr lang="zh-CN" altLang="en-US" sz="1100" dirty="0"/>
+            </a:p>
+          </p:txBody>
+        </p:sp>
+        <p:sp>
+          <p:nvSpPr>
+            <p:cNvPr id="13" name="矩形 12"/>
+            <p:cNvSpPr/>
+            <p:nvPr/>
+          </p:nvSpPr>
+          <p:spPr>
+            <a:xfrm>
+              <a:off x="3367089" y="1814132"/>
+              <a:ext cx="1038223" cy="550467"/>
+            </a:xfrm>
+            <a:prstGeom prst="rect">
+              <a:avLst/>
+            </a:prstGeom>
+          </p:spPr>
+          <p:style>
+            <a:lnRef idx="1">
+              <a:schemeClr val="accent5"/>
+            </a:lnRef>
+            <a:fillRef idx="2">
+              <a:schemeClr val="accent5"/>
+            </a:fillRef>
+            <a:effectRef idx="1">
+              <a:schemeClr val="accent5"/>
+            </a:effectRef>
+            <a:fontRef idx="minor">
+              <a:schemeClr val="dk1"/>
+            </a:fontRef>
+          </p:style>
+          <p:txBody>
+            <a:bodyPr rtlCol="0" anchor="t"/>
+            <a:lstStyle>
+              <a:lvl1pPr marL="0" indent="0">
+                <a:defRPr sz="1100">
+                  <a:solidFill>
+                    <a:schemeClr val="dk1"/>
+                  </a:solidFill>
+                  <a:latin typeface="+mn-lt"/>
+                  <a:ea typeface="+mn-ea"/>
+                  <a:cs typeface="+mn-cs"/>
+                </a:defRPr>
+              </a:lvl1pPr>
+              <a:lvl2pPr marL="457200" indent="0">
+                <a:defRPr sz="1100">
+                  <a:solidFill>
+                    <a:schemeClr val="dk1"/>
+                  </a:solidFill>
+                  <a:latin typeface="+mn-lt"/>
+                  <a:ea typeface="+mn-ea"/>
+                  <a:cs typeface="+mn-cs"/>
+                </a:defRPr>
+              </a:lvl2pPr>
+              <a:lvl3pPr marL="914400" indent="0">
+                <a:defRPr sz="1100">
+                  <a:solidFill>
+                    <a:schemeClr val="dk1"/>
+                  </a:solidFill>
+                  <a:latin typeface="+mn-lt"/>
+                  <a:ea typeface="+mn-ea"/>
+                  <a:cs typeface="+mn-cs"/>
+                </a:defRPr>
+              </a:lvl3pPr>
+              <a:lvl4pPr marL="1371600" indent="0">
+                <a:defRPr sz="1100">
+                  <a:solidFill>
+                    <a:schemeClr val="dk1"/>
+                  </a:solidFill>
+                  <a:latin typeface="+mn-lt"/>
+                  <a:ea typeface="+mn-ea"/>
+                  <a:cs typeface="+mn-cs"/>
+                </a:defRPr>
+              </a:lvl4pPr>
+              <a:lvl5pPr marL="1828800" indent="0">
+                <a:defRPr sz="1100">
+                  <a:solidFill>
+                    <a:schemeClr val="dk1"/>
+                  </a:solidFill>
+                  <a:latin typeface="+mn-lt"/>
+                  <a:ea typeface="+mn-ea"/>
+                  <a:cs typeface="+mn-cs"/>
+                </a:defRPr>
+              </a:lvl5pPr>
+              <a:lvl6pPr marL="2286000" indent="0">
+                <a:defRPr sz="1100">
+                  <a:solidFill>
+                    <a:schemeClr val="dk1"/>
+                  </a:solidFill>
+                  <a:latin typeface="+mn-lt"/>
+                  <a:ea typeface="+mn-ea"/>
+                  <a:cs typeface="+mn-cs"/>
+                </a:defRPr>
+              </a:lvl6pPr>
+              <a:lvl7pPr marL="2743200" indent="0">
+                <a:defRPr sz="1100">
+                  <a:solidFill>
+                    <a:schemeClr val="dk1"/>
+                  </a:solidFill>
+                  <a:latin typeface="+mn-lt"/>
+                  <a:ea typeface="+mn-ea"/>
+                  <a:cs typeface="+mn-cs"/>
+                </a:defRPr>
+              </a:lvl7pPr>
+              <a:lvl8pPr marL="3200400" indent="0">
+                <a:defRPr sz="1100">
+                  <a:solidFill>
+                    <a:schemeClr val="dk1"/>
+                  </a:solidFill>
+                  <a:latin typeface="+mn-lt"/>
+                  <a:ea typeface="+mn-ea"/>
+                  <a:cs typeface="+mn-cs"/>
+                </a:defRPr>
+              </a:lvl8pPr>
+              <a:lvl9pPr marL="3657600" indent="0">
+                <a:defRPr sz="1100">
+                  <a:solidFill>
+                    <a:schemeClr val="dk1"/>
+                  </a:solidFill>
+                  <a:latin typeface="+mn-lt"/>
+                  <a:ea typeface="+mn-ea"/>
+                  <a:cs typeface="+mn-cs"/>
+                </a:defRPr>
+              </a:lvl9pPr>
+            </a:lstStyle>
+            <a:p>
+              <a:pPr algn="ctr"/>
+              <a:r>
+                <a:rPr lang="en-US" altLang="zh-CN" sz="1100" dirty="0"/>
+                <a:t>WEBFORM</a:t>
+              </a:r>
+            </a:p>
+            <a:p>
+              <a:pPr algn="ctr"/>
+              <a:r>
+                <a:rPr lang="en-US" altLang="zh-CN" sz="1100" dirty="0"/>
+                <a:t>for</a:t>
+              </a:r>
+              <a:r>
+                <a:rPr lang="en-US" altLang="zh-CN" sz="1100" baseline="0" dirty="0"/>
+                <a:t> internal</a:t>
+              </a:r>
+              <a:endParaRPr lang="zh-CN" altLang="en-US" sz="1100" dirty="0"/>
+            </a:p>
+          </p:txBody>
+        </p:sp>
+        <p:sp>
+          <p:nvSpPr>
+            <p:cNvPr id="14" name="左右箭头 13"/>
+            <p:cNvSpPr/>
+            <p:nvPr/>
+          </p:nvSpPr>
+          <p:spPr>
+            <a:xfrm rot="5400000">
+              <a:off x="4495800" y="3923919"/>
+              <a:ext cx="238126" cy="152401"/>
+            </a:xfrm>
+            <a:prstGeom prst="leftRightArrow">
+              <a:avLst/>
+            </a:prstGeom>
+          </p:spPr>
+          <p:style>
+            <a:lnRef idx="2">
+              <a:schemeClr val="accent4"/>
+            </a:lnRef>
+            <a:fillRef idx="1">
+              <a:schemeClr val="lt1"/>
+            </a:fillRef>
+            <a:effectRef idx="0">
+              <a:schemeClr val="accent4"/>
+            </a:effectRef>
+            <a:fontRef idx="minor">
+              <a:schemeClr val="dk1"/>
+            </a:fontRef>
+          </p:style>
+          <p:txBody>
+            <a:bodyPr rtlCol="0" anchor="ctr"/>
+            <a:lstStyle>
+              <a:lvl1pPr marL="0" indent="0">
+                <a:defRPr sz="1100">
+                  <a:solidFill>
+                    <a:schemeClr val="dk1"/>
+                  </a:solidFill>
+                  <a:latin typeface="+mn-lt"/>
+                  <a:ea typeface="+mn-ea"/>
+                  <a:cs typeface="+mn-cs"/>
+                </a:defRPr>
+              </a:lvl1pPr>
+              <a:lvl2pPr marL="457200" indent="0">
+                <a:defRPr sz="1100">
+                  <a:solidFill>
+                    <a:schemeClr val="dk1"/>
+                  </a:solidFill>
+                  <a:latin typeface="+mn-lt"/>
+                  <a:ea typeface="+mn-ea"/>
+                  <a:cs typeface="+mn-cs"/>
+                </a:defRPr>
+              </a:lvl2pPr>
+              <a:lvl3pPr marL="914400" indent="0">
+                <a:defRPr sz="1100">
+                  <a:solidFill>
+                    <a:schemeClr val="dk1"/>
+                  </a:solidFill>
+                  <a:latin typeface="+mn-lt"/>
+                  <a:ea typeface="+mn-ea"/>
+                  <a:cs typeface="+mn-cs"/>
+                </a:defRPr>
+              </a:lvl3pPr>
+              <a:lvl4pPr marL="1371600" indent="0">
+                <a:defRPr sz="1100">
+                  <a:solidFill>
+                    <a:schemeClr val="dk1"/>
+                  </a:solidFill>
+                  <a:latin typeface="+mn-lt"/>
+                  <a:ea typeface="+mn-ea"/>
+                  <a:cs typeface="+mn-cs"/>
+                </a:defRPr>
+              </a:lvl4pPr>
+              <a:lvl5pPr marL="1828800" indent="0">
+                <a:defRPr sz="1100">
+                  <a:solidFill>
+                    <a:schemeClr val="dk1"/>
+                  </a:solidFill>
+                  <a:latin typeface="+mn-lt"/>
+                  <a:ea typeface="+mn-ea"/>
+                  <a:cs typeface="+mn-cs"/>
+                </a:defRPr>
+              </a:lvl5pPr>
+              <a:lvl6pPr marL="2286000" indent="0">
+                <a:defRPr sz="1100">
+                  <a:solidFill>
+                    <a:schemeClr val="dk1"/>
+                  </a:solidFill>
+                  <a:latin typeface="+mn-lt"/>
+                  <a:ea typeface="+mn-ea"/>
+                  <a:cs typeface="+mn-cs"/>
+                </a:defRPr>
+              </a:lvl6pPr>
+              <a:lvl7pPr marL="2743200" indent="0">
+                <a:defRPr sz="1100">
+                  <a:solidFill>
+                    <a:schemeClr val="dk1"/>
+                  </a:solidFill>
+                  <a:latin typeface="+mn-lt"/>
+                  <a:ea typeface="+mn-ea"/>
+                  <a:cs typeface="+mn-cs"/>
+                </a:defRPr>
+              </a:lvl7pPr>
+              <a:lvl8pPr marL="3200400" indent="0">
+                <a:defRPr sz="1100">
+                  <a:solidFill>
+                    <a:schemeClr val="dk1"/>
+                  </a:solidFill>
+                  <a:latin typeface="+mn-lt"/>
+                  <a:ea typeface="+mn-ea"/>
+                  <a:cs typeface="+mn-cs"/>
+                </a:defRPr>
+              </a:lvl8pPr>
+              <a:lvl9pPr marL="3657600" indent="0">
+                <a:defRPr sz="1100">
+                  <a:solidFill>
+                    <a:schemeClr val="dk1"/>
+                  </a:solidFill>
+                  <a:latin typeface="+mn-lt"/>
+                  <a:ea typeface="+mn-ea"/>
+                  <a:cs typeface="+mn-cs"/>
+                </a:defRPr>
+              </a:lvl9pPr>
+            </a:lstStyle>
+            <a:p>
+              <a:pPr algn="ctr"/>
+              <a:endParaRPr lang="zh-CN" altLang="en-US" sz="1100"/>
+            </a:p>
+          </p:txBody>
+        </p:sp>
+        <p:sp>
+          <p:nvSpPr>
+            <p:cNvPr id="15" name="矩形 14"/>
+            <p:cNvSpPr/>
+            <p:nvPr/>
+          </p:nvSpPr>
+          <p:spPr>
+            <a:xfrm>
+              <a:off x="7329487" y="1471231"/>
+              <a:ext cx="724607" cy="2464279"/>
+            </a:xfrm>
+            <a:prstGeom prst="rect">
+              <a:avLst/>
+            </a:prstGeom>
+          </p:spPr>
+          <p:style>
+            <a:lnRef idx="1">
+              <a:schemeClr val="dk1"/>
+            </a:lnRef>
+            <a:fillRef idx="2">
+              <a:schemeClr val="dk1"/>
+            </a:fillRef>
+            <a:effectRef idx="1">
+              <a:schemeClr val="dk1"/>
+            </a:effectRef>
+            <a:fontRef idx="minor">
+              <a:schemeClr val="dk1"/>
+            </a:fontRef>
+          </p:style>
+          <p:txBody>
+            <a:bodyPr rtlCol="0" anchor="ctr"/>
+            <a:lstStyle>
+              <a:lvl1pPr marL="0" indent="0">
+                <a:defRPr sz="1100">
+                  <a:solidFill>
+                    <a:schemeClr val="dk1"/>
+                  </a:solidFill>
+                  <a:latin typeface="+mn-lt"/>
+                  <a:ea typeface="+mn-ea"/>
+                  <a:cs typeface="+mn-cs"/>
+                </a:defRPr>
+              </a:lvl1pPr>
+              <a:lvl2pPr marL="457200" indent="0">
+                <a:defRPr sz="1100">
+                  <a:solidFill>
+                    <a:schemeClr val="dk1"/>
+                  </a:solidFill>
+                  <a:latin typeface="+mn-lt"/>
+                  <a:ea typeface="+mn-ea"/>
+                  <a:cs typeface="+mn-cs"/>
+                </a:defRPr>
+              </a:lvl2pPr>
+              <a:lvl3pPr marL="914400" indent="0">
+                <a:defRPr sz="1100">
+                  <a:solidFill>
+                    <a:schemeClr val="dk1"/>
+                  </a:solidFill>
+                  <a:latin typeface="+mn-lt"/>
+                  <a:ea typeface="+mn-ea"/>
+                  <a:cs typeface="+mn-cs"/>
+                </a:defRPr>
+              </a:lvl3pPr>
+              <a:lvl4pPr marL="1371600" indent="0">
+                <a:defRPr sz="1100">
+                  <a:solidFill>
+                    <a:schemeClr val="dk1"/>
+                  </a:solidFill>
+                  <a:latin typeface="+mn-lt"/>
+                  <a:ea typeface="+mn-ea"/>
+                  <a:cs typeface="+mn-cs"/>
+                </a:defRPr>
+              </a:lvl4pPr>
+              <a:lvl5pPr marL="1828800" indent="0">
+                <a:defRPr sz="1100">
+                  <a:solidFill>
+                    <a:schemeClr val="dk1"/>
+                  </a:solidFill>
+                  <a:latin typeface="+mn-lt"/>
+                  <a:ea typeface="+mn-ea"/>
+                  <a:cs typeface="+mn-cs"/>
+                </a:defRPr>
+              </a:lvl5pPr>
+              <a:lvl6pPr marL="2286000" indent="0">
+                <a:defRPr sz="1100">
+                  <a:solidFill>
+                    <a:schemeClr val="dk1"/>
+                  </a:solidFill>
+                  <a:latin typeface="+mn-lt"/>
+                  <a:ea typeface="+mn-ea"/>
+                  <a:cs typeface="+mn-cs"/>
+                </a:defRPr>
+              </a:lvl6pPr>
+              <a:lvl7pPr marL="2743200" indent="0">
+                <a:defRPr sz="1100">
+                  <a:solidFill>
+                    <a:schemeClr val="dk1"/>
+                  </a:solidFill>
+                  <a:latin typeface="+mn-lt"/>
+                  <a:ea typeface="+mn-ea"/>
+                  <a:cs typeface="+mn-cs"/>
+                </a:defRPr>
+              </a:lvl7pPr>
+              <a:lvl8pPr marL="3200400" indent="0">
+                <a:defRPr sz="1100">
+                  <a:solidFill>
+                    <a:schemeClr val="dk1"/>
+                  </a:solidFill>
+                  <a:latin typeface="+mn-lt"/>
+                  <a:ea typeface="+mn-ea"/>
+                  <a:cs typeface="+mn-cs"/>
+                </a:defRPr>
+              </a:lvl8pPr>
+              <a:lvl9pPr marL="3657600" indent="0">
+                <a:defRPr sz="1100">
+                  <a:solidFill>
+                    <a:schemeClr val="dk1"/>
+                  </a:solidFill>
+                  <a:latin typeface="+mn-lt"/>
+                  <a:ea typeface="+mn-ea"/>
+                  <a:cs typeface="+mn-cs"/>
+                </a:defRPr>
+              </a:lvl9pPr>
+            </a:lstStyle>
+            <a:p>
+              <a:pPr algn="ctr"/>
+              <a:r>
+                <a:rPr lang="en-US" altLang="zh-CN" sz="1100" dirty="0"/>
+                <a:t>Domain</a:t>
+              </a:r>
+              <a:r>
+                <a:rPr lang="en-US" altLang="zh-CN" sz="1100" baseline="0" dirty="0"/>
+                <a:t> </a:t>
+              </a:r>
+            </a:p>
+            <a:p>
+              <a:pPr algn="ctr"/>
+              <a:r>
+                <a:rPr lang="en-US" altLang="zh-CN" sz="1100" baseline="0" dirty="0"/>
+                <a:t>Model</a:t>
+              </a:r>
+              <a:endParaRPr lang="zh-CN" altLang="en-US" sz="1100" dirty="0"/>
+            </a:p>
+          </p:txBody>
+        </p:sp>
+        <p:sp>
+          <p:nvSpPr>
+            <p:cNvPr id="16" name="左右箭头 15"/>
+            <p:cNvSpPr/>
+            <p:nvPr/>
+          </p:nvSpPr>
+          <p:spPr>
+            <a:xfrm rot="5400000">
+              <a:off x="4486275" y="4790694"/>
+              <a:ext cx="238126" cy="152401"/>
+            </a:xfrm>
+            <a:prstGeom prst="leftRightArrow">
+              <a:avLst/>
+            </a:prstGeom>
+          </p:spPr>
+          <p:style>
+            <a:lnRef idx="2">
+              <a:schemeClr val="accent4"/>
+            </a:lnRef>
+            <a:fillRef idx="1">
+              <a:schemeClr val="lt1"/>
+            </a:fillRef>
+            <a:effectRef idx="0">
+              <a:schemeClr val="accent4"/>
+            </a:effectRef>
+            <a:fontRef idx="minor">
+              <a:schemeClr val="dk1"/>
+            </a:fontRef>
+          </p:style>
+          <p:txBody>
+            <a:bodyPr rtlCol="0" anchor="ctr"/>
+            <a:lstStyle>
+              <a:lvl1pPr marL="0" indent="0">
+                <a:defRPr sz="1100">
+                  <a:solidFill>
+                    <a:schemeClr val="dk1"/>
+                  </a:solidFill>
+                  <a:latin typeface="+mn-lt"/>
+                  <a:ea typeface="+mn-ea"/>
+                  <a:cs typeface="+mn-cs"/>
+                </a:defRPr>
+              </a:lvl1pPr>
+              <a:lvl2pPr marL="457200" indent="0">
+                <a:defRPr sz="1100">
+                  <a:solidFill>
+                    <a:schemeClr val="dk1"/>
+                  </a:solidFill>
+                  <a:latin typeface="+mn-lt"/>
+                  <a:ea typeface="+mn-ea"/>
+                  <a:cs typeface="+mn-cs"/>
+                </a:defRPr>
+              </a:lvl2pPr>
+              <a:lvl3pPr marL="914400" indent="0">
+                <a:defRPr sz="1100">
+                  <a:solidFill>
+                    <a:schemeClr val="dk1"/>
+                  </a:solidFill>
+                  <a:latin typeface="+mn-lt"/>
+                  <a:ea typeface="+mn-ea"/>
+                  <a:cs typeface="+mn-cs"/>
+                </a:defRPr>
+              </a:lvl3pPr>
+              <a:lvl4pPr marL="1371600" indent="0">
+                <a:defRPr sz="1100">
+                  <a:solidFill>
+                    <a:schemeClr val="dk1"/>
+                  </a:solidFill>
+                  <a:latin typeface="+mn-lt"/>
+                  <a:ea typeface="+mn-ea"/>
+                  <a:cs typeface="+mn-cs"/>
+                </a:defRPr>
+              </a:lvl4pPr>
+              <a:lvl5pPr marL="1828800" indent="0">
+                <a:defRPr sz="1100">
+                  <a:solidFill>
+                    <a:schemeClr val="dk1"/>
+                  </a:solidFill>
+                  <a:latin typeface="+mn-lt"/>
+                  <a:ea typeface="+mn-ea"/>
+                  <a:cs typeface="+mn-cs"/>
+                </a:defRPr>
+              </a:lvl5pPr>
+              <a:lvl6pPr marL="2286000" indent="0">
+                <a:defRPr sz="1100">
+                  <a:solidFill>
+                    <a:schemeClr val="dk1"/>
+                  </a:solidFill>
+                  <a:latin typeface="+mn-lt"/>
+                  <a:ea typeface="+mn-ea"/>
+                  <a:cs typeface="+mn-cs"/>
+                </a:defRPr>
+              </a:lvl6pPr>
+              <a:lvl7pPr marL="2743200" indent="0">
+                <a:defRPr sz="1100">
+                  <a:solidFill>
+                    <a:schemeClr val="dk1"/>
+                  </a:solidFill>
+                  <a:latin typeface="+mn-lt"/>
+                  <a:ea typeface="+mn-ea"/>
+                  <a:cs typeface="+mn-cs"/>
+                </a:defRPr>
+              </a:lvl7pPr>
+              <a:lvl8pPr marL="3200400" indent="0">
+                <a:defRPr sz="1100">
+                  <a:solidFill>
+                    <a:schemeClr val="dk1"/>
+                  </a:solidFill>
+                  <a:latin typeface="+mn-lt"/>
+                  <a:ea typeface="+mn-ea"/>
+                  <a:cs typeface="+mn-cs"/>
+                </a:defRPr>
+              </a:lvl8pPr>
+              <a:lvl9pPr marL="3657600" indent="0">
+                <a:defRPr sz="1100">
+                  <a:solidFill>
+                    <a:schemeClr val="dk1"/>
+                  </a:solidFill>
+                  <a:latin typeface="+mn-lt"/>
+                  <a:ea typeface="+mn-ea"/>
+                  <a:cs typeface="+mn-cs"/>
+                </a:defRPr>
+              </a:lvl9pPr>
+            </a:lstStyle>
+            <a:p>
+              <a:pPr algn="ctr"/>
+              <a:endParaRPr lang="zh-CN" altLang="en-US" sz="1100"/>
+            </a:p>
+          </p:txBody>
+        </p:sp>
+        <p:sp>
+          <p:nvSpPr>
+            <p:cNvPr id="17" name="矩形 16"/>
+            <p:cNvSpPr/>
+            <p:nvPr/>
+          </p:nvSpPr>
+          <p:spPr>
+            <a:xfrm>
+              <a:off x="2643189" y="452056"/>
+              <a:ext cx="1285874" cy="464117"/>
+            </a:xfrm>
+            <a:prstGeom prst="rect">
+              <a:avLst/>
+            </a:prstGeom>
+          </p:spPr>
+          <p:style>
+            <a:lnRef idx="1">
+              <a:schemeClr val="dk1"/>
+            </a:lnRef>
+            <a:fillRef idx="2">
+              <a:schemeClr val="dk1"/>
+            </a:fillRef>
+            <a:effectRef idx="1">
+              <a:schemeClr val="dk1"/>
+            </a:effectRef>
+            <a:fontRef idx="minor">
+              <a:schemeClr val="dk1"/>
+            </a:fontRef>
+          </p:style>
+          <p:txBody>
+            <a:bodyPr rtlCol="0" anchor="ctr"/>
+            <a:lstStyle>
+              <a:lvl1pPr marL="0" indent="0">
+                <a:defRPr sz="1100">
+                  <a:solidFill>
+                    <a:schemeClr val="dk1"/>
+                  </a:solidFill>
+                  <a:latin typeface="+mn-lt"/>
+                  <a:ea typeface="+mn-ea"/>
+                  <a:cs typeface="+mn-cs"/>
+                </a:defRPr>
+              </a:lvl1pPr>
+              <a:lvl2pPr marL="457200" indent="0">
+                <a:defRPr sz="1100">
+                  <a:solidFill>
+                    <a:schemeClr val="dk1"/>
+                  </a:solidFill>
+                  <a:latin typeface="+mn-lt"/>
+                  <a:ea typeface="+mn-ea"/>
+                  <a:cs typeface="+mn-cs"/>
+                </a:defRPr>
+              </a:lvl2pPr>
+              <a:lvl3pPr marL="914400" indent="0">
+                <a:defRPr sz="1100">
+                  <a:solidFill>
+                    <a:schemeClr val="dk1"/>
+                  </a:solidFill>
+                  <a:latin typeface="+mn-lt"/>
+                  <a:ea typeface="+mn-ea"/>
+                  <a:cs typeface="+mn-cs"/>
+                </a:defRPr>
+              </a:lvl3pPr>
+              <a:lvl4pPr marL="1371600" indent="0">
+                <a:defRPr sz="1100">
+                  <a:solidFill>
+                    <a:schemeClr val="dk1"/>
+                  </a:solidFill>
+                  <a:latin typeface="+mn-lt"/>
+                  <a:ea typeface="+mn-ea"/>
+                  <a:cs typeface="+mn-cs"/>
+                </a:defRPr>
+              </a:lvl4pPr>
+              <a:lvl5pPr marL="1828800" indent="0">
+                <a:defRPr sz="1100">
+                  <a:solidFill>
+                    <a:schemeClr val="dk1"/>
+                  </a:solidFill>
+                  <a:latin typeface="+mn-lt"/>
+                  <a:ea typeface="+mn-ea"/>
+                  <a:cs typeface="+mn-cs"/>
+                </a:defRPr>
+              </a:lvl5pPr>
+              <a:lvl6pPr marL="2286000" indent="0">
+                <a:defRPr sz="1100">
+                  <a:solidFill>
+                    <a:schemeClr val="dk1"/>
+                  </a:solidFill>
+                  <a:latin typeface="+mn-lt"/>
+                  <a:ea typeface="+mn-ea"/>
+                  <a:cs typeface="+mn-cs"/>
+                </a:defRPr>
+              </a:lvl6pPr>
+              <a:lvl7pPr marL="2743200" indent="0">
+                <a:defRPr sz="1100">
+                  <a:solidFill>
+                    <a:schemeClr val="dk1"/>
+                  </a:solidFill>
+                  <a:latin typeface="+mn-lt"/>
+                  <a:ea typeface="+mn-ea"/>
+                  <a:cs typeface="+mn-cs"/>
+                </a:defRPr>
+              </a:lvl7pPr>
+              <a:lvl8pPr marL="3200400" indent="0">
+                <a:defRPr sz="1100">
+                  <a:solidFill>
+                    <a:schemeClr val="dk1"/>
+                  </a:solidFill>
+                  <a:latin typeface="+mn-lt"/>
+                  <a:ea typeface="+mn-ea"/>
+                  <a:cs typeface="+mn-cs"/>
+                </a:defRPr>
+              </a:lvl8pPr>
+              <a:lvl9pPr marL="3657600" indent="0">
+                <a:defRPr sz="1100">
+                  <a:solidFill>
+                    <a:schemeClr val="dk1"/>
+                  </a:solidFill>
+                  <a:latin typeface="+mn-lt"/>
+                  <a:ea typeface="+mn-ea"/>
+                  <a:cs typeface="+mn-cs"/>
+                </a:defRPr>
+              </a:lvl9pPr>
+            </a:lstStyle>
+            <a:p>
+              <a:pPr algn="ctr"/>
+              <a:r>
+                <a:rPr lang="en-US" altLang="zh-CN" sz="1100"/>
+                <a:t>Browser</a:t>
+              </a:r>
+              <a:endParaRPr lang="zh-CN" altLang="en-US" sz="1100"/>
+            </a:p>
+          </p:txBody>
+        </p:sp>
+        <p:sp>
+          <p:nvSpPr>
+            <p:cNvPr id="18" name="矩形 17"/>
+            <p:cNvSpPr/>
+            <p:nvPr/>
+          </p:nvSpPr>
+          <p:spPr>
+            <a:xfrm>
+              <a:off x="5253039" y="452056"/>
+              <a:ext cx="1285874" cy="464117"/>
+            </a:xfrm>
+            <a:prstGeom prst="rect">
+              <a:avLst/>
+            </a:prstGeom>
+          </p:spPr>
+          <p:style>
+            <a:lnRef idx="1">
+              <a:schemeClr val="dk1"/>
+            </a:lnRef>
+            <a:fillRef idx="2">
+              <a:schemeClr val="dk1"/>
+            </a:fillRef>
+            <a:effectRef idx="1">
+              <a:schemeClr val="dk1"/>
+            </a:effectRef>
+            <a:fontRef idx="minor">
+              <a:schemeClr val="dk1"/>
+            </a:fontRef>
+          </p:style>
+          <p:txBody>
+            <a:bodyPr rtlCol="0" anchor="ctr"/>
+            <a:lstStyle>
+              <a:lvl1pPr marL="0" indent="0">
+                <a:defRPr sz="1100">
+                  <a:solidFill>
+                    <a:schemeClr val="dk1"/>
+                  </a:solidFill>
+                  <a:latin typeface="+mn-lt"/>
+                  <a:ea typeface="+mn-ea"/>
+                  <a:cs typeface="+mn-cs"/>
+                </a:defRPr>
+              </a:lvl1pPr>
+              <a:lvl2pPr marL="457200" indent="0">
+                <a:defRPr sz="1100">
+                  <a:solidFill>
+                    <a:schemeClr val="dk1"/>
+                  </a:solidFill>
+                  <a:latin typeface="+mn-lt"/>
+                  <a:ea typeface="+mn-ea"/>
+                  <a:cs typeface="+mn-cs"/>
+                </a:defRPr>
+              </a:lvl2pPr>
+              <a:lvl3pPr marL="914400" indent="0">
+                <a:defRPr sz="1100">
+                  <a:solidFill>
+                    <a:schemeClr val="dk1"/>
+                  </a:solidFill>
+                  <a:latin typeface="+mn-lt"/>
+                  <a:ea typeface="+mn-ea"/>
+                  <a:cs typeface="+mn-cs"/>
+                </a:defRPr>
+              </a:lvl3pPr>
+              <a:lvl4pPr marL="1371600" indent="0">
+                <a:defRPr sz="1100">
+                  <a:solidFill>
+                    <a:schemeClr val="dk1"/>
+                  </a:solidFill>
+                  <a:latin typeface="+mn-lt"/>
+                  <a:ea typeface="+mn-ea"/>
+                  <a:cs typeface="+mn-cs"/>
+                </a:defRPr>
+              </a:lvl4pPr>
+              <a:lvl5pPr marL="1828800" indent="0">
+                <a:defRPr sz="1100">
+                  <a:solidFill>
+                    <a:schemeClr val="dk1"/>
+                  </a:solidFill>
+                  <a:latin typeface="+mn-lt"/>
+                  <a:ea typeface="+mn-ea"/>
+                  <a:cs typeface="+mn-cs"/>
+                </a:defRPr>
+              </a:lvl5pPr>
+              <a:lvl6pPr marL="2286000" indent="0">
+                <a:defRPr sz="1100">
+                  <a:solidFill>
+                    <a:schemeClr val="dk1"/>
+                  </a:solidFill>
+                  <a:latin typeface="+mn-lt"/>
+                  <a:ea typeface="+mn-ea"/>
+                  <a:cs typeface="+mn-cs"/>
+                </a:defRPr>
+              </a:lvl6pPr>
+              <a:lvl7pPr marL="2743200" indent="0">
+                <a:defRPr sz="1100">
+                  <a:solidFill>
+                    <a:schemeClr val="dk1"/>
+                  </a:solidFill>
+                  <a:latin typeface="+mn-lt"/>
+                  <a:ea typeface="+mn-ea"/>
+                  <a:cs typeface="+mn-cs"/>
+                </a:defRPr>
+              </a:lvl7pPr>
+              <a:lvl8pPr marL="3200400" indent="0">
+                <a:defRPr sz="1100">
+                  <a:solidFill>
+                    <a:schemeClr val="dk1"/>
+                  </a:solidFill>
+                  <a:latin typeface="+mn-lt"/>
+                  <a:ea typeface="+mn-ea"/>
+                  <a:cs typeface="+mn-cs"/>
+                </a:defRPr>
+              </a:lvl8pPr>
+              <a:lvl9pPr marL="3657600" indent="0">
+                <a:defRPr sz="1100">
+                  <a:solidFill>
+                    <a:schemeClr val="dk1"/>
+                  </a:solidFill>
+                  <a:latin typeface="+mn-lt"/>
+                  <a:ea typeface="+mn-ea"/>
+                  <a:cs typeface="+mn-cs"/>
+                </a:defRPr>
+              </a:lvl9pPr>
+            </a:lstStyle>
+            <a:p>
+              <a:pPr algn="ctr"/>
+              <a:r>
+                <a:rPr lang="en-US" altLang="zh-CN" sz="1100" dirty="0" smtClean="0"/>
+                <a:t>External </a:t>
+              </a:r>
+            </a:p>
+            <a:p>
+              <a:pPr algn="ctr"/>
+              <a:r>
+                <a:rPr lang="en-US" altLang="zh-CN" dirty="0" smtClean="0"/>
+                <a:t>System</a:t>
+              </a:r>
+              <a:endParaRPr lang="zh-CN" altLang="en-US" sz="1100" dirty="0"/>
+            </a:p>
+          </p:txBody>
+        </p:sp>
+        <p:cxnSp>
+          <p:nvCxnSpPr>
+            <p:cNvPr id="19" name="Straight Connector 26"/>
+            <p:cNvCxnSpPr/>
+            <p:nvPr/>
+          </p:nvCxnSpPr>
+          <p:spPr>
+            <a:xfrm>
+              <a:off x="204788" y="1252157"/>
+              <a:ext cx="8477250" cy="0"/>
+            </a:xfrm>
+            <a:prstGeom prst="line">
+              <a:avLst/>
+            </a:prstGeom>
+            <a:ln w="28575">
+              <a:solidFill>
+                <a:schemeClr val="tx1"/>
+              </a:solidFill>
+              <a:prstDash val="sysDot"/>
+            </a:ln>
+          </p:spPr>
+          <p:style>
+            <a:lnRef idx="1">
+              <a:schemeClr val="accent1"/>
+            </a:lnRef>
+            <a:fillRef idx="0">
+              <a:schemeClr val="accent1"/>
+            </a:fillRef>
+            <a:effectRef idx="0">
+              <a:schemeClr val="accent1"/>
+            </a:effectRef>
+            <a:fontRef idx="minor">
+              <a:schemeClr val="tx1"/>
+            </a:fontRef>
+          </p:style>
+        </p:cxnSp>
+        <p:sp>
+          <p:nvSpPr>
+            <p:cNvPr id="20" name="左右箭头 19"/>
+            <p:cNvSpPr/>
+            <p:nvPr/>
+          </p:nvSpPr>
+          <p:spPr>
+            <a:xfrm rot="5400000">
+              <a:off x="4505325" y="3209546"/>
+              <a:ext cx="238126" cy="152401"/>
+            </a:xfrm>
+            <a:prstGeom prst="leftRightArrow">
+              <a:avLst/>
+            </a:prstGeom>
+          </p:spPr>
+          <p:style>
+            <a:lnRef idx="2">
+              <a:schemeClr val="accent4"/>
+            </a:lnRef>
+            <a:fillRef idx="1">
+              <a:schemeClr val="lt1"/>
+            </a:fillRef>
+            <a:effectRef idx="0">
+              <a:schemeClr val="accent4"/>
+            </a:effectRef>
+            <a:fontRef idx="minor">
+              <a:schemeClr val="dk1"/>
+            </a:fontRef>
+          </p:style>
+          <p:txBody>
+            <a:bodyPr rtlCol="0" anchor="ctr"/>
+            <a:lstStyle>
+              <a:lvl1pPr marL="0" indent="0">
+                <a:defRPr sz="1100">
+                  <a:solidFill>
+                    <a:schemeClr val="dk1"/>
+                  </a:solidFill>
+                  <a:latin typeface="+mn-lt"/>
+                  <a:ea typeface="+mn-ea"/>
+                  <a:cs typeface="+mn-cs"/>
+                </a:defRPr>
+              </a:lvl1pPr>
+              <a:lvl2pPr marL="457200" indent="0">
+                <a:defRPr sz="1100">
+                  <a:solidFill>
+                    <a:schemeClr val="dk1"/>
+                  </a:solidFill>
+                  <a:latin typeface="+mn-lt"/>
+                  <a:ea typeface="+mn-ea"/>
+                  <a:cs typeface="+mn-cs"/>
+                </a:defRPr>
+              </a:lvl2pPr>
+              <a:lvl3pPr marL="914400" indent="0">
+                <a:defRPr sz="1100">
+                  <a:solidFill>
+                    <a:schemeClr val="dk1"/>
+                  </a:solidFill>
+                  <a:latin typeface="+mn-lt"/>
+                  <a:ea typeface="+mn-ea"/>
+                  <a:cs typeface="+mn-cs"/>
+                </a:defRPr>
+              </a:lvl3pPr>
+              <a:lvl4pPr marL="1371600" indent="0">
+                <a:defRPr sz="1100">
+                  <a:solidFill>
+                    <a:schemeClr val="dk1"/>
+                  </a:solidFill>
+                  <a:latin typeface="+mn-lt"/>
+                  <a:ea typeface="+mn-ea"/>
+                  <a:cs typeface="+mn-cs"/>
+                </a:defRPr>
+              </a:lvl4pPr>
+              <a:lvl5pPr marL="1828800" indent="0">
+                <a:defRPr sz="1100">
+                  <a:solidFill>
+                    <a:schemeClr val="dk1"/>
+                  </a:solidFill>
+                  <a:latin typeface="+mn-lt"/>
+                  <a:ea typeface="+mn-ea"/>
+                  <a:cs typeface="+mn-cs"/>
+                </a:defRPr>
+              </a:lvl5pPr>
+              <a:lvl6pPr marL="2286000" indent="0">
+                <a:defRPr sz="1100">
+                  <a:solidFill>
+                    <a:schemeClr val="dk1"/>
+                  </a:solidFill>
+                  <a:latin typeface="+mn-lt"/>
+                  <a:ea typeface="+mn-ea"/>
+                  <a:cs typeface="+mn-cs"/>
+                </a:defRPr>
+              </a:lvl6pPr>
+              <a:lvl7pPr marL="2743200" indent="0">
+                <a:defRPr sz="1100">
+                  <a:solidFill>
+                    <a:schemeClr val="dk1"/>
+                  </a:solidFill>
+                  <a:latin typeface="+mn-lt"/>
+                  <a:ea typeface="+mn-ea"/>
+                  <a:cs typeface="+mn-cs"/>
+                </a:defRPr>
+              </a:lvl7pPr>
+              <a:lvl8pPr marL="3200400" indent="0">
+                <a:defRPr sz="1100">
+                  <a:solidFill>
+                    <a:schemeClr val="dk1"/>
+                  </a:solidFill>
+                  <a:latin typeface="+mn-lt"/>
+                  <a:ea typeface="+mn-ea"/>
+                  <a:cs typeface="+mn-cs"/>
+                </a:defRPr>
+              </a:lvl8pPr>
+              <a:lvl9pPr marL="3657600" indent="0">
+                <a:defRPr sz="1100">
+                  <a:solidFill>
+                    <a:schemeClr val="dk1"/>
+                  </a:solidFill>
+                  <a:latin typeface="+mn-lt"/>
+                  <a:ea typeface="+mn-ea"/>
+                  <a:cs typeface="+mn-cs"/>
+                </a:defRPr>
+              </a:lvl9pPr>
+            </a:lstStyle>
+            <a:p>
+              <a:pPr algn="ctr"/>
+              <a:endParaRPr lang="zh-CN" altLang="en-US" sz="1100"/>
+            </a:p>
+          </p:txBody>
+        </p:sp>
+        <p:sp>
+          <p:nvSpPr>
+            <p:cNvPr id="21" name="矩形 20"/>
+            <p:cNvSpPr/>
+            <p:nvPr/>
+          </p:nvSpPr>
+          <p:spPr>
+            <a:xfrm>
+              <a:off x="4776789" y="1899857"/>
+              <a:ext cx="1038224" cy="285750"/>
+            </a:xfrm>
+            <a:prstGeom prst="rect">
+              <a:avLst/>
+            </a:prstGeom>
+          </p:spPr>
+          <p:style>
+            <a:lnRef idx="1">
+              <a:schemeClr val="accent5"/>
+            </a:lnRef>
+            <a:fillRef idx="2">
+              <a:schemeClr val="accent5"/>
+            </a:fillRef>
+            <a:effectRef idx="1">
+              <a:schemeClr val="accent5"/>
+            </a:effectRef>
+            <a:fontRef idx="minor">
+              <a:schemeClr val="dk1"/>
+            </a:fontRef>
+          </p:style>
+          <p:txBody>
+            <a:bodyPr rtlCol="0" anchor="t"/>
+            <a:lstStyle>
+              <a:lvl1pPr marL="0" indent="0">
+                <a:defRPr sz="1100">
+                  <a:solidFill>
+                    <a:schemeClr val="dk1"/>
+                  </a:solidFill>
+                  <a:latin typeface="+mn-lt"/>
+                  <a:ea typeface="+mn-ea"/>
+                  <a:cs typeface="+mn-cs"/>
+                </a:defRPr>
+              </a:lvl1pPr>
+              <a:lvl2pPr marL="457200" indent="0">
+                <a:defRPr sz="1100">
+                  <a:solidFill>
+                    <a:schemeClr val="dk1"/>
+                  </a:solidFill>
+                  <a:latin typeface="+mn-lt"/>
+                  <a:ea typeface="+mn-ea"/>
+                  <a:cs typeface="+mn-cs"/>
+                </a:defRPr>
+              </a:lvl2pPr>
+              <a:lvl3pPr marL="914400" indent="0">
+                <a:defRPr sz="1100">
+                  <a:solidFill>
+                    <a:schemeClr val="dk1"/>
+                  </a:solidFill>
+                  <a:latin typeface="+mn-lt"/>
+                  <a:ea typeface="+mn-ea"/>
+                  <a:cs typeface="+mn-cs"/>
+                </a:defRPr>
+              </a:lvl3pPr>
+              <a:lvl4pPr marL="1371600" indent="0">
+                <a:defRPr sz="1100">
+                  <a:solidFill>
+                    <a:schemeClr val="dk1"/>
+                  </a:solidFill>
+                  <a:latin typeface="+mn-lt"/>
+                  <a:ea typeface="+mn-ea"/>
+                  <a:cs typeface="+mn-cs"/>
+                </a:defRPr>
+              </a:lvl4pPr>
+              <a:lvl5pPr marL="1828800" indent="0">
+                <a:defRPr sz="1100">
+                  <a:solidFill>
+                    <a:schemeClr val="dk1"/>
+                  </a:solidFill>
+                  <a:latin typeface="+mn-lt"/>
+                  <a:ea typeface="+mn-ea"/>
+                  <a:cs typeface="+mn-cs"/>
+                </a:defRPr>
+              </a:lvl5pPr>
+              <a:lvl6pPr marL="2286000" indent="0">
+                <a:defRPr sz="1100">
+                  <a:solidFill>
+                    <a:schemeClr val="dk1"/>
+                  </a:solidFill>
+                  <a:latin typeface="+mn-lt"/>
+                  <a:ea typeface="+mn-ea"/>
+                  <a:cs typeface="+mn-cs"/>
+                </a:defRPr>
+              </a:lvl6pPr>
+              <a:lvl7pPr marL="2743200" indent="0">
+                <a:defRPr sz="1100">
+                  <a:solidFill>
+                    <a:schemeClr val="dk1"/>
+                  </a:solidFill>
+                  <a:latin typeface="+mn-lt"/>
+                  <a:ea typeface="+mn-ea"/>
+                  <a:cs typeface="+mn-cs"/>
+                </a:defRPr>
+              </a:lvl7pPr>
+              <a:lvl8pPr marL="3200400" indent="0">
+                <a:defRPr sz="1100">
+                  <a:solidFill>
+                    <a:schemeClr val="dk1"/>
+                  </a:solidFill>
+                  <a:latin typeface="+mn-lt"/>
+                  <a:ea typeface="+mn-ea"/>
+                  <a:cs typeface="+mn-cs"/>
+                </a:defRPr>
+              </a:lvl8pPr>
+              <a:lvl9pPr marL="3657600" indent="0">
+                <a:defRPr sz="1100">
+                  <a:solidFill>
+                    <a:schemeClr val="dk1"/>
+                  </a:solidFill>
+                  <a:latin typeface="+mn-lt"/>
+                  <a:ea typeface="+mn-ea"/>
+                  <a:cs typeface="+mn-cs"/>
+                </a:defRPr>
+              </a:lvl9pPr>
+            </a:lstStyle>
+            <a:p>
+              <a:pPr algn="ctr"/>
+              <a:r>
+                <a:rPr lang="en-US" altLang="zh-CN" sz="1100"/>
+                <a:t>WWF</a:t>
+              </a:r>
+              <a:endParaRPr lang="zh-CN" altLang="en-US" sz="1100"/>
+            </a:p>
+          </p:txBody>
+        </p:sp>
+        <p:sp>
+          <p:nvSpPr>
+            <p:cNvPr id="22" name="矩形 21"/>
+            <p:cNvSpPr/>
+            <p:nvPr/>
+          </p:nvSpPr>
+          <p:spPr>
+            <a:xfrm>
+              <a:off x="5986464" y="1899857"/>
+              <a:ext cx="1038224" cy="285750"/>
+            </a:xfrm>
+            <a:prstGeom prst="rect">
+              <a:avLst/>
+            </a:prstGeom>
+          </p:spPr>
+          <p:style>
+            <a:lnRef idx="1">
+              <a:schemeClr val="accent5"/>
+            </a:lnRef>
+            <a:fillRef idx="2">
+              <a:schemeClr val="accent5"/>
+            </a:fillRef>
+            <a:effectRef idx="1">
+              <a:schemeClr val="accent5"/>
+            </a:effectRef>
+            <a:fontRef idx="minor">
+              <a:schemeClr val="dk1"/>
+            </a:fontRef>
+          </p:style>
+          <p:txBody>
+            <a:bodyPr rtlCol="0" anchor="t"/>
+            <a:lstStyle>
+              <a:lvl1pPr marL="0" indent="0">
+                <a:defRPr sz="1100">
+                  <a:solidFill>
+                    <a:schemeClr val="dk1"/>
+                  </a:solidFill>
+                  <a:latin typeface="+mn-lt"/>
+                  <a:ea typeface="+mn-ea"/>
+                  <a:cs typeface="+mn-cs"/>
+                </a:defRPr>
+              </a:lvl1pPr>
+              <a:lvl2pPr marL="457200" indent="0">
+                <a:defRPr sz="1100">
+                  <a:solidFill>
+                    <a:schemeClr val="dk1"/>
+                  </a:solidFill>
+                  <a:latin typeface="+mn-lt"/>
+                  <a:ea typeface="+mn-ea"/>
+                  <a:cs typeface="+mn-cs"/>
+                </a:defRPr>
+              </a:lvl2pPr>
+              <a:lvl3pPr marL="914400" indent="0">
+                <a:defRPr sz="1100">
+                  <a:solidFill>
+                    <a:schemeClr val="dk1"/>
+                  </a:solidFill>
+                  <a:latin typeface="+mn-lt"/>
+                  <a:ea typeface="+mn-ea"/>
+                  <a:cs typeface="+mn-cs"/>
+                </a:defRPr>
+              </a:lvl3pPr>
+              <a:lvl4pPr marL="1371600" indent="0">
+                <a:defRPr sz="1100">
+                  <a:solidFill>
+                    <a:schemeClr val="dk1"/>
+                  </a:solidFill>
+                  <a:latin typeface="+mn-lt"/>
+                  <a:ea typeface="+mn-ea"/>
+                  <a:cs typeface="+mn-cs"/>
+                </a:defRPr>
+              </a:lvl4pPr>
+              <a:lvl5pPr marL="1828800" indent="0">
+                <a:defRPr sz="1100">
+                  <a:solidFill>
+                    <a:schemeClr val="dk1"/>
+                  </a:solidFill>
+                  <a:latin typeface="+mn-lt"/>
+                  <a:ea typeface="+mn-ea"/>
+                  <a:cs typeface="+mn-cs"/>
+                </a:defRPr>
+              </a:lvl5pPr>
+              <a:lvl6pPr marL="2286000" indent="0">
+                <a:defRPr sz="1100">
+                  <a:solidFill>
+                    <a:schemeClr val="dk1"/>
+                  </a:solidFill>
+                  <a:latin typeface="+mn-lt"/>
+                  <a:ea typeface="+mn-ea"/>
+                  <a:cs typeface="+mn-cs"/>
+                </a:defRPr>
+              </a:lvl6pPr>
+              <a:lvl7pPr marL="2743200" indent="0">
+                <a:defRPr sz="1100">
+                  <a:solidFill>
+                    <a:schemeClr val="dk1"/>
+                  </a:solidFill>
+                  <a:latin typeface="+mn-lt"/>
+                  <a:ea typeface="+mn-ea"/>
+                  <a:cs typeface="+mn-cs"/>
+                </a:defRPr>
+              </a:lvl7pPr>
+              <a:lvl8pPr marL="3200400" indent="0">
+                <a:defRPr sz="1100">
+                  <a:solidFill>
+                    <a:schemeClr val="dk1"/>
+                  </a:solidFill>
+                  <a:latin typeface="+mn-lt"/>
+                  <a:ea typeface="+mn-ea"/>
+                  <a:cs typeface="+mn-cs"/>
+                </a:defRPr>
+              </a:lvl8pPr>
+              <a:lvl9pPr marL="3657600" indent="0">
+                <a:defRPr sz="1100">
+                  <a:solidFill>
+                    <a:schemeClr val="dk1"/>
+                  </a:solidFill>
+                  <a:latin typeface="+mn-lt"/>
+                  <a:ea typeface="+mn-ea"/>
+                  <a:cs typeface="+mn-cs"/>
+                </a:defRPr>
+              </a:lvl9pPr>
+            </a:lstStyle>
+            <a:p>
+              <a:pPr algn="ctr"/>
+              <a:r>
+                <a:rPr lang="en-US" altLang="zh-CN" sz="1100"/>
+                <a:t>WCF</a:t>
+              </a:r>
+              <a:endParaRPr lang="zh-CN" altLang="en-US" sz="1100"/>
+            </a:p>
+          </p:txBody>
+        </p:sp>
+        <p:sp>
+          <p:nvSpPr>
+            <p:cNvPr id="23" name="左右箭头 22"/>
+            <p:cNvSpPr/>
+            <p:nvPr/>
+          </p:nvSpPr>
+          <p:spPr>
+            <a:xfrm rot="5400000">
+              <a:off x="3024189" y="1156908"/>
+              <a:ext cx="495297" cy="152401"/>
+            </a:xfrm>
+            <a:prstGeom prst="leftRightArrow">
+              <a:avLst/>
+            </a:prstGeom>
+          </p:spPr>
+          <p:style>
+            <a:lnRef idx="2">
+              <a:schemeClr val="accent4"/>
+            </a:lnRef>
+            <a:fillRef idx="1">
+              <a:schemeClr val="lt1"/>
+            </a:fillRef>
+            <a:effectRef idx="0">
+              <a:schemeClr val="accent4"/>
+            </a:effectRef>
+            <a:fontRef idx="minor">
+              <a:schemeClr val="dk1"/>
+            </a:fontRef>
+          </p:style>
+          <p:txBody>
+            <a:bodyPr rtlCol="0" anchor="ctr"/>
+            <a:lstStyle>
+              <a:lvl1pPr marL="0" indent="0">
+                <a:defRPr sz="1100">
+                  <a:solidFill>
+                    <a:schemeClr val="dk1"/>
+                  </a:solidFill>
+                  <a:latin typeface="+mn-lt"/>
+                  <a:ea typeface="+mn-ea"/>
+                  <a:cs typeface="+mn-cs"/>
+                </a:defRPr>
+              </a:lvl1pPr>
+              <a:lvl2pPr marL="457200" indent="0">
+                <a:defRPr sz="1100">
+                  <a:solidFill>
+                    <a:schemeClr val="dk1"/>
+                  </a:solidFill>
+                  <a:latin typeface="+mn-lt"/>
+                  <a:ea typeface="+mn-ea"/>
+                  <a:cs typeface="+mn-cs"/>
+                </a:defRPr>
+              </a:lvl2pPr>
+              <a:lvl3pPr marL="914400" indent="0">
+                <a:defRPr sz="1100">
+                  <a:solidFill>
+                    <a:schemeClr val="dk1"/>
+                  </a:solidFill>
+                  <a:latin typeface="+mn-lt"/>
+                  <a:ea typeface="+mn-ea"/>
+                  <a:cs typeface="+mn-cs"/>
+                </a:defRPr>
+              </a:lvl3pPr>
+              <a:lvl4pPr marL="1371600" indent="0">
+                <a:defRPr sz="1100">
+                  <a:solidFill>
+                    <a:schemeClr val="dk1"/>
+                  </a:solidFill>
+                  <a:latin typeface="+mn-lt"/>
+                  <a:ea typeface="+mn-ea"/>
+                  <a:cs typeface="+mn-cs"/>
+                </a:defRPr>
+              </a:lvl4pPr>
+              <a:lvl5pPr marL="1828800" indent="0">
+                <a:defRPr sz="1100">
+                  <a:solidFill>
+                    <a:schemeClr val="dk1"/>
+                  </a:solidFill>
+                  <a:latin typeface="+mn-lt"/>
+                  <a:ea typeface="+mn-ea"/>
+                  <a:cs typeface="+mn-cs"/>
+                </a:defRPr>
+              </a:lvl5pPr>
+              <a:lvl6pPr marL="2286000" indent="0">
+                <a:defRPr sz="1100">
+                  <a:solidFill>
+                    <a:schemeClr val="dk1"/>
+                  </a:solidFill>
+                  <a:latin typeface="+mn-lt"/>
+                  <a:ea typeface="+mn-ea"/>
+                  <a:cs typeface="+mn-cs"/>
+                </a:defRPr>
+              </a:lvl6pPr>
+              <a:lvl7pPr marL="2743200" indent="0">
+                <a:defRPr sz="1100">
+                  <a:solidFill>
+                    <a:schemeClr val="dk1"/>
+                  </a:solidFill>
+                  <a:latin typeface="+mn-lt"/>
+                  <a:ea typeface="+mn-ea"/>
+                  <a:cs typeface="+mn-cs"/>
+                </a:defRPr>
+              </a:lvl7pPr>
+              <a:lvl8pPr marL="3200400" indent="0">
+                <a:defRPr sz="1100">
+                  <a:solidFill>
+                    <a:schemeClr val="dk1"/>
+                  </a:solidFill>
+                  <a:latin typeface="+mn-lt"/>
+                  <a:ea typeface="+mn-ea"/>
+                  <a:cs typeface="+mn-cs"/>
+                </a:defRPr>
+              </a:lvl8pPr>
+              <a:lvl9pPr marL="3657600" indent="0">
+                <a:defRPr sz="1100">
+                  <a:solidFill>
+                    <a:schemeClr val="dk1"/>
+                  </a:solidFill>
+                  <a:latin typeface="+mn-lt"/>
+                  <a:ea typeface="+mn-ea"/>
+                  <a:cs typeface="+mn-cs"/>
+                </a:defRPr>
+              </a:lvl9pPr>
+            </a:lstStyle>
+            <a:p>
+              <a:pPr algn="ctr"/>
+              <a:endParaRPr lang="zh-CN" altLang="en-US" sz="1100"/>
+            </a:p>
+          </p:txBody>
+        </p:sp>
+        <p:sp>
+          <p:nvSpPr>
+            <p:cNvPr id="24" name="左右箭头 23"/>
+            <p:cNvSpPr/>
+            <p:nvPr/>
+          </p:nvSpPr>
+          <p:spPr>
+            <a:xfrm rot="5400000">
+              <a:off x="3102582" y="2515184"/>
+              <a:ext cx="296883" cy="186973"/>
+            </a:xfrm>
+            <a:prstGeom prst="leftRightArrow">
+              <a:avLst/>
+            </a:prstGeom>
+          </p:spPr>
+          <p:style>
+            <a:lnRef idx="2">
+              <a:schemeClr val="accent4"/>
+            </a:lnRef>
+            <a:fillRef idx="1">
+              <a:schemeClr val="lt1"/>
+            </a:fillRef>
+            <a:effectRef idx="0">
+              <a:schemeClr val="accent4"/>
+            </a:effectRef>
+            <a:fontRef idx="minor">
+              <a:schemeClr val="dk1"/>
+            </a:fontRef>
+          </p:style>
+          <p:txBody>
+            <a:bodyPr rtlCol="0" anchor="ctr"/>
+            <a:lstStyle>
+              <a:lvl1pPr marL="0" indent="0">
+                <a:defRPr sz="1100">
+                  <a:solidFill>
+                    <a:schemeClr val="dk1"/>
+                  </a:solidFill>
+                  <a:latin typeface="+mn-lt"/>
+                  <a:ea typeface="+mn-ea"/>
+                  <a:cs typeface="+mn-cs"/>
+                </a:defRPr>
+              </a:lvl1pPr>
+              <a:lvl2pPr marL="457200" indent="0">
+                <a:defRPr sz="1100">
+                  <a:solidFill>
+                    <a:schemeClr val="dk1"/>
+                  </a:solidFill>
+                  <a:latin typeface="+mn-lt"/>
+                  <a:ea typeface="+mn-ea"/>
+                  <a:cs typeface="+mn-cs"/>
+                </a:defRPr>
+              </a:lvl2pPr>
+              <a:lvl3pPr marL="914400" indent="0">
+                <a:defRPr sz="1100">
+                  <a:solidFill>
+                    <a:schemeClr val="dk1"/>
+                  </a:solidFill>
+                  <a:latin typeface="+mn-lt"/>
+                  <a:ea typeface="+mn-ea"/>
+                  <a:cs typeface="+mn-cs"/>
+                </a:defRPr>
+              </a:lvl3pPr>
+              <a:lvl4pPr marL="1371600" indent="0">
+                <a:defRPr sz="1100">
+                  <a:solidFill>
+                    <a:schemeClr val="dk1"/>
+                  </a:solidFill>
+                  <a:latin typeface="+mn-lt"/>
+                  <a:ea typeface="+mn-ea"/>
+                  <a:cs typeface="+mn-cs"/>
+                </a:defRPr>
+              </a:lvl4pPr>
+              <a:lvl5pPr marL="1828800" indent="0">
+                <a:defRPr sz="1100">
+                  <a:solidFill>
+                    <a:schemeClr val="dk1"/>
+                  </a:solidFill>
+                  <a:latin typeface="+mn-lt"/>
+                  <a:ea typeface="+mn-ea"/>
+                  <a:cs typeface="+mn-cs"/>
+                </a:defRPr>
+              </a:lvl5pPr>
+              <a:lvl6pPr marL="2286000" indent="0">
+                <a:defRPr sz="1100">
+                  <a:solidFill>
+                    <a:schemeClr val="dk1"/>
+                  </a:solidFill>
+                  <a:latin typeface="+mn-lt"/>
+                  <a:ea typeface="+mn-ea"/>
+                  <a:cs typeface="+mn-cs"/>
+                </a:defRPr>
+              </a:lvl6pPr>
+              <a:lvl7pPr marL="2743200" indent="0">
+                <a:defRPr sz="1100">
+                  <a:solidFill>
+                    <a:schemeClr val="dk1"/>
+                  </a:solidFill>
+                  <a:latin typeface="+mn-lt"/>
+                  <a:ea typeface="+mn-ea"/>
+                  <a:cs typeface="+mn-cs"/>
+                </a:defRPr>
+              </a:lvl7pPr>
+              <a:lvl8pPr marL="3200400" indent="0">
+                <a:defRPr sz="1100">
+                  <a:solidFill>
+                    <a:schemeClr val="dk1"/>
+                  </a:solidFill>
+                  <a:latin typeface="+mn-lt"/>
+                  <a:ea typeface="+mn-ea"/>
+                  <a:cs typeface="+mn-cs"/>
+                </a:defRPr>
+              </a:lvl8pPr>
+              <a:lvl9pPr marL="3657600" indent="0">
+                <a:defRPr sz="1100">
+                  <a:solidFill>
+                    <a:schemeClr val="dk1"/>
+                  </a:solidFill>
+                  <a:latin typeface="+mn-lt"/>
+                  <a:ea typeface="+mn-ea"/>
+                  <a:cs typeface="+mn-cs"/>
+                </a:defRPr>
+              </a:lvl9pPr>
+            </a:lstStyle>
+            <a:p>
+              <a:pPr algn="ctr"/>
+              <a:endParaRPr lang="zh-CN" altLang="en-US" sz="1100"/>
+            </a:p>
+          </p:txBody>
+        </p:sp>
+        <p:sp>
+          <p:nvSpPr>
+            <p:cNvPr id="25" name="左右箭头 24"/>
+            <p:cNvSpPr/>
+            <p:nvPr/>
+          </p:nvSpPr>
+          <p:spPr>
+            <a:xfrm rot="5400000">
+              <a:off x="5772150" y="2542798"/>
+              <a:ext cx="238126" cy="152401"/>
+            </a:xfrm>
+            <a:prstGeom prst="leftRightArrow">
+              <a:avLst/>
+            </a:prstGeom>
+          </p:spPr>
+          <p:style>
+            <a:lnRef idx="2">
+              <a:schemeClr val="accent4"/>
+            </a:lnRef>
+            <a:fillRef idx="1">
+              <a:schemeClr val="lt1"/>
+            </a:fillRef>
+            <a:effectRef idx="0">
+              <a:schemeClr val="accent4"/>
+            </a:effectRef>
+            <a:fontRef idx="minor">
+              <a:schemeClr val="dk1"/>
+            </a:fontRef>
+          </p:style>
+          <p:txBody>
+            <a:bodyPr rtlCol="0" anchor="ctr"/>
+            <a:lstStyle>
+              <a:lvl1pPr marL="0" indent="0">
+                <a:defRPr sz="1100">
+                  <a:solidFill>
+                    <a:schemeClr val="dk1"/>
+                  </a:solidFill>
+                  <a:latin typeface="+mn-lt"/>
+                  <a:ea typeface="+mn-ea"/>
+                  <a:cs typeface="+mn-cs"/>
+                </a:defRPr>
+              </a:lvl1pPr>
+              <a:lvl2pPr marL="457200" indent="0">
+                <a:defRPr sz="1100">
+                  <a:solidFill>
+                    <a:schemeClr val="dk1"/>
+                  </a:solidFill>
+                  <a:latin typeface="+mn-lt"/>
+                  <a:ea typeface="+mn-ea"/>
+                  <a:cs typeface="+mn-cs"/>
+                </a:defRPr>
+              </a:lvl2pPr>
+              <a:lvl3pPr marL="914400" indent="0">
+                <a:defRPr sz="1100">
+                  <a:solidFill>
+                    <a:schemeClr val="dk1"/>
+                  </a:solidFill>
+                  <a:latin typeface="+mn-lt"/>
+                  <a:ea typeface="+mn-ea"/>
+                  <a:cs typeface="+mn-cs"/>
+                </a:defRPr>
+              </a:lvl3pPr>
+              <a:lvl4pPr marL="1371600" indent="0">
+                <a:defRPr sz="1100">
+                  <a:solidFill>
+                    <a:schemeClr val="dk1"/>
+                  </a:solidFill>
+                  <a:latin typeface="+mn-lt"/>
+                  <a:ea typeface="+mn-ea"/>
+                  <a:cs typeface="+mn-cs"/>
+                </a:defRPr>
+              </a:lvl4pPr>
+              <a:lvl5pPr marL="1828800" indent="0">
+                <a:defRPr sz="1100">
+                  <a:solidFill>
+                    <a:schemeClr val="dk1"/>
+                  </a:solidFill>
+                  <a:latin typeface="+mn-lt"/>
+                  <a:ea typeface="+mn-ea"/>
+                  <a:cs typeface="+mn-cs"/>
+                </a:defRPr>
+              </a:lvl5pPr>
+              <a:lvl6pPr marL="2286000" indent="0">
+                <a:defRPr sz="1100">
+                  <a:solidFill>
+                    <a:schemeClr val="dk1"/>
+                  </a:solidFill>
+                  <a:latin typeface="+mn-lt"/>
+                  <a:ea typeface="+mn-ea"/>
+                  <a:cs typeface="+mn-cs"/>
+                </a:defRPr>
+              </a:lvl6pPr>
+              <a:lvl7pPr marL="2743200" indent="0">
+                <a:defRPr sz="1100">
+                  <a:solidFill>
+                    <a:schemeClr val="dk1"/>
+                  </a:solidFill>
+                  <a:latin typeface="+mn-lt"/>
+                  <a:ea typeface="+mn-ea"/>
+                  <a:cs typeface="+mn-cs"/>
+                </a:defRPr>
+              </a:lvl7pPr>
+              <a:lvl8pPr marL="3200400" indent="0">
+                <a:defRPr sz="1100">
+                  <a:solidFill>
+                    <a:schemeClr val="dk1"/>
+                  </a:solidFill>
+                  <a:latin typeface="+mn-lt"/>
+                  <a:ea typeface="+mn-ea"/>
+                  <a:cs typeface="+mn-cs"/>
+                </a:defRPr>
+              </a:lvl8pPr>
+              <a:lvl9pPr marL="3657600" indent="0">
+                <a:defRPr sz="1100">
+                  <a:solidFill>
+                    <a:schemeClr val="dk1"/>
+                  </a:solidFill>
+                  <a:latin typeface="+mn-lt"/>
+                  <a:ea typeface="+mn-ea"/>
+                  <a:cs typeface="+mn-cs"/>
+                </a:defRPr>
+              </a:lvl9pPr>
+            </a:lstStyle>
+            <a:p>
+              <a:pPr algn="ctr"/>
+              <a:endParaRPr lang="zh-CN" altLang="en-US" sz="1100"/>
+            </a:p>
+          </p:txBody>
+        </p:sp>
+        <p:sp>
+          <p:nvSpPr>
+            <p:cNvPr id="26" name="左右箭头 25"/>
+            <p:cNvSpPr/>
+            <p:nvPr/>
+          </p:nvSpPr>
+          <p:spPr>
+            <a:xfrm rot="5400000">
+              <a:off x="5634039" y="1175958"/>
+              <a:ext cx="495297" cy="152401"/>
+            </a:xfrm>
+            <a:prstGeom prst="leftRightArrow">
+              <a:avLst/>
+            </a:prstGeom>
+          </p:spPr>
+          <p:style>
+            <a:lnRef idx="2">
+              <a:schemeClr val="accent4"/>
+            </a:lnRef>
+            <a:fillRef idx="1">
+              <a:schemeClr val="lt1"/>
+            </a:fillRef>
+            <a:effectRef idx="0">
+              <a:schemeClr val="accent4"/>
+            </a:effectRef>
+            <a:fontRef idx="minor">
+              <a:schemeClr val="dk1"/>
+            </a:fontRef>
+          </p:style>
+          <p:txBody>
+            <a:bodyPr rtlCol="0" anchor="ctr"/>
+            <a:lstStyle>
+              <a:lvl1pPr marL="0" indent="0">
+                <a:defRPr sz="1100">
+                  <a:solidFill>
+                    <a:schemeClr val="dk1"/>
+                  </a:solidFill>
+                  <a:latin typeface="+mn-lt"/>
+                  <a:ea typeface="+mn-ea"/>
+                  <a:cs typeface="+mn-cs"/>
+                </a:defRPr>
+              </a:lvl1pPr>
+              <a:lvl2pPr marL="457200" indent="0">
+                <a:defRPr sz="1100">
+                  <a:solidFill>
+                    <a:schemeClr val="dk1"/>
+                  </a:solidFill>
+                  <a:latin typeface="+mn-lt"/>
+                  <a:ea typeface="+mn-ea"/>
+                  <a:cs typeface="+mn-cs"/>
+                </a:defRPr>
+              </a:lvl2pPr>
+              <a:lvl3pPr marL="914400" indent="0">
+                <a:defRPr sz="1100">
+                  <a:solidFill>
+                    <a:schemeClr val="dk1"/>
+                  </a:solidFill>
+                  <a:latin typeface="+mn-lt"/>
+                  <a:ea typeface="+mn-ea"/>
+                  <a:cs typeface="+mn-cs"/>
+                </a:defRPr>
+              </a:lvl3pPr>
+              <a:lvl4pPr marL="1371600" indent="0">
+                <a:defRPr sz="1100">
+                  <a:solidFill>
+                    <a:schemeClr val="dk1"/>
+                  </a:solidFill>
+                  <a:latin typeface="+mn-lt"/>
+                  <a:ea typeface="+mn-ea"/>
+                  <a:cs typeface="+mn-cs"/>
+                </a:defRPr>
+              </a:lvl4pPr>
+              <a:lvl5pPr marL="1828800" indent="0">
+                <a:defRPr sz="1100">
+                  <a:solidFill>
+                    <a:schemeClr val="dk1"/>
+                  </a:solidFill>
+                  <a:latin typeface="+mn-lt"/>
+                  <a:ea typeface="+mn-ea"/>
+                  <a:cs typeface="+mn-cs"/>
+                </a:defRPr>
+              </a:lvl5pPr>
+              <a:lvl6pPr marL="2286000" indent="0">
+                <a:defRPr sz="1100">
+                  <a:solidFill>
+                    <a:schemeClr val="dk1"/>
+                  </a:solidFill>
+                  <a:latin typeface="+mn-lt"/>
+                  <a:ea typeface="+mn-ea"/>
+                  <a:cs typeface="+mn-cs"/>
+                </a:defRPr>
+              </a:lvl6pPr>
+              <a:lvl7pPr marL="2743200" indent="0">
+                <a:defRPr sz="1100">
+                  <a:solidFill>
+                    <a:schemeClr val="dk1"/>
+                  </a:solidFill>
+                  <a:latin typeface="+mn-lt"/>
+                  <a:ea typeface="+mn-ea"/>
+                  <a:cs typeface="+mn-cs"/>
+                </a:defRPr>
+              </a:lvl7pPr>
+              <a:lvl8pPr marL="3200400" indent="0">
+                <a:defRPr sz="1100">
+                  <a:solidFill>
+                    <a:schemeClr val="dk1"/>
+                  </a:solidFill>
+                  <a:latin typeface="+mn-lt"/>
+                  <a:ea typeface="+mn-ea"/>
+                  <a:cs typeface="+mn-cs"/>
+                </a:defRPr>
+              </a:lvl8pPr>
+              <a:lvl9pPr marL="3657600" indent="0">
+                <a:defRPr sz="1100">
+                  <a:solidFill>
+                    <a:schemeClr val="dk1"/>
+                  </a:solidFill>
+                  <a:latin typeface="+mn-lt"/>
+                  <a:ea typeface="+mn-ea"/>
+                  <a:cs typeface="+mn-cs"/>
+                </a:defRPr>
+              </a:lvl9pPr>
+            </a:lstStyle>
+            <a:p>
+              <a:pPr algn="ctr"/>
+              <a:endParaRPr lang="zh-CN" altLang="en-US" sz="1100"/>
+            </a:p>
+          </p:txBody>
+        </p:sp>
+        <p:sp>
+          <p:nvSpPr>
+            <p:cNvPr id="27" name="左右箭头 26"/>
+            <p:cNvSpPr/>
+            <p:nvPr/>
+          </p:nvSpPr>
+          <p:spPr>
+            <a:xfrm flipV="1">
+              <a:off x="4424363" y="2023682"/>
+              <a:ext cx="333373" cy="123827"/>
+            </a:xfrm>
+            <a:prstGeom prst="leftRightArrow">
+              <a:avLst/>
+            </a:prstGeom>
+          </p:spPr>
+          <p:style>
+            <a:lnRef idx="2">
+              <a:schemeClr val="accent4"/>
+            </a:lnRef>
+            <a:fillRef idx="1">
+              <a:schemeClr val="lt1"/>
+            </a:fillRef>
+            <a:effectRef idx="0">
+              <a:schemeClr val="accent4"/>
+            </a:effectRef>
+            <a:fontRef idx="minor">
+              <a:schemeClr val="dk1"/>
+            </a:fontRef>
+          </p:style>
+          <p:txBody>
+            <a:bodyPr rtlCol="0" anchor="ctr"/>
+            <a:lstStyle>
+              <a:lvl1pPr marL="0" indent="0">
+                <a:defRPr sz="1100">
+                  <a:solidFill>
+                    <a:schemeClr val="dk1"/>
+                  </a:solidFill>
+                  <a:latin typeface="+mn-lt"/>
+                  <a:ea typeface="+mn-ea"/>
+                  <a:cs typeface="+mn-cs"/>
+                </a:defRPr>
+              </a:lvl1pPr>
+              <a:lvl2pPr marL="457200" indent="0">
+                <a:defRPr sz="1100">
+                  <a:solidFill>
+                    <a:schemeClr val="dk1"/>
+                  </a:solidFill>
+                  <a:latin typeface="+mn-lt"/>
+                  <a:ea typeface="+mn-ea"/>
+                  <a:cs typeface="+mn-cs"/>
+                </a:defRPr>
+              </a:lvl2pPr>
+              <a:lvl3pPr marL="914400" indent="0">
+                <a:defRPr sz="1100">
+                  <a:solidFill>
+                    <a:schemeClr val="dk1"/>
+                  </a:solidFill>
+                  <a:latin typeface="+mn-lt"/>
+                  <a:ea typeface="+mn-ea"/>
+                  <a:cs typeface="+mn-cs"/>
+                </a:defRPr>
+              </a:lvl3pPr>
+              <a:lvl4pPr marL="1371600" indent="0">
+                <a:defRPr sz="1100">
+                  <a:solidFill>
+                    <a:schemeClr val="dk1"/>
+                  </a:solidFill>
+                  <a:latin typeface="+mn-lt"/>
+                  <a:ea typeface="+mn-ea"/>
+                  <a:cs typeface="+mn-cs"/>
+                </a:defRPr>
+              </a:lvl4pPr>
+              <a:lvl5pPr marL="1828800" indent="0">
+                <a:defRPr sz="1100">
+                  <a:solidFill>
+                    <a:schemeClr val="dk1"/>
+                  </a:solidFill>
+                  <a:latin typeface="+mn-lt"/>
+                  <a:ea typeface="+mn-ea"/>
+                  <a:cs typeface="+mn-cs"/>
+                </a:defRPr>
+              </a:lvl5pPr>
+              <a:lvl6pPr marL="2286000" indent="0">
+                <a:defRPr sz="1100">
+                  <a:solidFill>
+                    <a:schemeClr val="dk1"/>
+                  </a:solidFill>
+                  <a:latin typeface="+mn-lt"/>
+                  <a:ea typeface="+mn-ea"/>
+                  <a:cs typeface="+mn-cs"/>
+                </a:defRPr>
+              </a:lvl6pPr>
+              <a:lvl7pPr marL="2743200" indent="0">
+                <a:defRPr sz="1100">
+                  <a:solidFill>
+                    <a:schemeClr val="dk1"/>
+                  </a:solidFill>
+                  <a:latin typeface="+mn-lt"/>
+                  <a:ea typeface="+mn-ea"/>
+                  <a:cs typeface="+mn-cs"/>
+                </a:defRPr>
+              </a:lvl7pPr>
+              <a:lvl8pPr marL="3200400" indent="0">
+                <a:defRPr sz="1100">
+                  <a:solidFill>
+                    <a:schemeClr val="dk1"/>
+                  </a:solidFill>
+                  <a:latin typeface="+mn-lt"/>
+                  <a:ea typeface="+mn-ea"/>
+                  <a:cs typeface="+mn-cs"/>
+                </a:defRPr>
+              </a:lvl8pPr>
+              <a:lvl9pPr marL="3657600" indent="0">
+                <a:defRPr sz="1100">
+                  <a:solidFill>
+                    <a:schemeClr val="dk1"/>
+                  </a:solidFill>
+                  <a:latin typeface="+mn-lt"/>
+                  <a:ea typeface="+mn-ea"/>
+                  <a:cs typeface="+mn-cs"/>
+                </a:defRPr>
+              </a:lvl9pPr>
+            </a:lstStyle>
+            <a:p>
+              <a:pPr algn="ctr"/>
+              <a:endParaRPr lang="zh-CN" altLang="en-US" sz="1100"/>
+            </a:p>
+          </p:txBody>
+        </p:sp>
+      </p:grpSp>
     </p:spTree>
   </p:cSld>
   <p:clrMapOvr>
     <a:masterClrMapping/>
   </p:clrMapOvr>
+  <p:timing>
+    <p:tnLst>
+      <p:par>
+        <p:cTn id="1" dur="indefinite" restart="never" nodeType="tmRoot"/>
+      </p:par>
+    </p:tnLst>
+  </p:timing>
 </p:sld>
 </file>
 
@@ -3460,8 +7408,9 @@
           <a:p>
             <a:r>
               <a:rPr lang="en-US" altLang="zh-CN" dirty="0" smtClean="0"/>
-              <a:t>Model</a:t>
-            </a:r>
+              <a:t>Model: Code first Approach</a:t>
+            </a:r>
+            <a:endParaRPr lang="en-US" altLang="zh-CN" dirty="0" smtClean="0"/>
           </a:p>
           <a:p>
             <a:r>
@@ -3480,7 +7429,15 @@
           <a:p>
             <a:r>
               <a:rPr lang="en-US" altLang="zh-CN" dirty="0" smtClean="0"/>
-              <a:t>BLL: Domain model pattern, Singleton</a:t>
+              <a:t>BLL: </a:t>
+            </a:r>
+            <a:r>
+              <a:rPr lang="en-US" altLang="zh-CN" dirty="0" smtClean="0"/>
+              <a:t>Domain Model </a:t>
+            </a:r>
+            <a:r>
+              <a:rPr lang="en-US" altLang="zh-CN" dirty="0" smtClean="0"/>
+              <a:t>pattern, Singleton</a:t>
             </a:r>
           </a:p>
           <a:p>
@@ -3543,6 +7500,13 @@
   <p:clrMapOvr>
     <a:masterClrMapping/>
   </p:clrMapOvr>
+  <p:timing>
+    <p:tnLst>
+      <p:par>
+        <p:cTn id="1" dur="indefinite" restart="never" nodeType="tmRoot"/>
+      </p:par>
+    </p:tnLst>
+  </p:timing>
 </p:sld>
 </file>
 
@@ -3580,7 +7544,11 @@
           <a:p>
             <a:r>
               <a:rPr lang="en-US" altLang="zh-CN" dirty="0" smtClean="0"/>
-              <a:t>Code walkthrough</a:t>
+              <a:t>Code </a:t>
+            </a:r>
+            <a:r>
+              <a:rPr lang="en-US" altLang="zh-CN" dirty="0" smtClean="0"/>
+              <a:t>walkthrough &amp; Demo</a:t>
             </a:r>
             <a:endParaRPr lang="zh-CN" altLang="en-US" dirty="0"/>
           </a:p>
@@ -3598,24 +7566,65 @@
         </p:nvSpPr>
         <p:spPr/>
         <p:txBody>
-          <a:bodyPr/>
+          <a:bodyPr>
+            <a:normAutofit/>
+          </a:bodyPr>
           <a:lstStyle/>
           <a:p>
             <a:r>
               <a:rPr lang="en-US" altLang="zh-CN" dirty="0" smtClean="0"/>
-              <a:t>For technical features</a:t>
+              <a:t>Model</a:t>
             </a:r>
           </a:p>
           <a:p>
             <a:r>
               <a:rPr lang="en-US" altLang="zh-CN" dirty="0" smtClean="0"/>
-              <a:t>For </a:t>
-            </a:r>
+              <a:t>DAL</a:t>
+            </a:r>
+            <a:endParaRPr lang="en-US" altLang="zh-CN" dirty="0" smtClean="0"/>
+          </a:p>
+          <a:p>
+            <a:r>
+              <a:rPr lang="en-US" altLang="zh-CN" dirty="0" smtClean="0"/>
+              <a:t>BLL</a:t>
+            </a:r>
+          </a:p>
+          <a:p>
+            <a:r>
+              <a:rPr lang="en-US" altLang="zh-CN" dirty="0" smtClean="0"/>
+              <a:t>PRL</a:t>
+            </a:r>
+            <a:endParaRPr lang="en-US" altLang="zh-CN" dirty="0" smtClean="0"/>
+          </a:p>
+          <a:p>
+            <a:pPr lvl="1"/>
             <a:r>
               <a:rPr lang="en-US" altLang="zh-CN" dirty="0" err="1" smtClean="0"/>
-              <a:t>usecase</a:t>
-            </a:r>
-            <a:endParaRPr lang="zh-CN" altLang="en-US" dirty="0"/>
+              <a:t>Webform</a:t>
+            </a:r>
+            <a:r>
+              <a:rPr lang="en-US" altLang="zh-CN" dirty="0" smtClean="0"/>
+              <a:t> Course, Class management</a:t>
+            </a:r>
+          </a:p>
+          <a:p>
+            <a:pPr lvl="1"/>
+            <a:r>
+              <a:rPr lang="en-US" altLang="zh-CN" dirty="0" smtClean="0"/>
+              <a:t>MVC Course registration</a:t>
+            </a:r>
+          </a:p>
+          <a:p>
+            <a:pPr lvl="1"/>
+            <a:r>
+              <a:rPr lang="en-US" altLang="zh-CN" dirty="0" smtClean="0"/>
+              <a:t>User Management, </a:t>
+            </a:r>
+            <a:r>
+              <a:rPr lang="en-US" altLang="zh-CN" dirty="0" smtClean="0"/>
+              <a:t>Security</a:t>
+            </a:r>
+            <a:endParaRPr lang="en-US" altLang="zh-CN" dirty="0" smtClean="0"/>
           </a:p>
         </p:txBody>
       </p:sp>
@@ -3661,7 +7670,7 @@
           <a:p>
             <a:r>
               <a:rPr lang="en-US" altLang="zh-CN" dirty="0" smtClean="0"/>
-              <a:t>System demo</a:t>
+              <a:t>WCF</a:t>
             </a:r>
             <a:endParaRPr lang="zh-CN" altLang="en-US" dirty="0"/>
           </a:p>
@@ -3682,7 +7691,49 @@
           <a:bodyPr/>
           <a:lstStyle/>
           <a:p>
-            <a:endParaRPr lang="zh-CN" altLang="en-US"/>
+            <a:r>
+              <a:rPr lang="en-US" altLang="zh-CN" dirty="0" smtClean="0"/>
+              <a:t>Course registration </a:t>
+            </a:r>
+          </a:p>
+          <a:p>
+            <a:pPr>
+              <a:buNone/>
+            </a:pPr>
+            <a:r>
+              <a:rPr lang="en-US" altLang="zh-CN" dirty="0" smtClean="0"/>
+              <a:t>		for enterprise customer</a:t>
+            </a:r>
+          </a:p>
+          <a:p>
+            <a:r>
+              <a:rPr lang="en-US" altLang="zh-CN" dirty="0" smtClean="0"/>
+              <a:t>Attendance system</a:t>
+            </a:r>
+          </a:p>
+          <a:p>
+            <a:pPr>
+              <a:buNone/>
+            </a:pPr>
+            <a:r>
+              <a:rPr lang="en-US" altLang="zh-CN" dirty="0" smtClean="0"/>
+              <a:t>		for instructor</a:t>
+            </a:r>
+          </a:p>
+          <a:p>
+            <a:r>
+              <a:rPr lang="en-US" altLang="zh-CN" dirty="0" smtClean="0"/>
+              <a:t>Successful registration data</a:t>
+            </a:r>
+          </a:p>
+          <a:p>
+            <a:pPr>
+              <a:buNone/>
+            </a:pPr>
+            <a:r>
+              <a:rPr lang="en-US" altLang="zh-CN" dirty="0" smtClean="0"/>
+              <a:t>		for financial department</a:t>
+            </a:r>
           </a:p>
         </p:txBody>
       </p:sp>
@@ -3728,7 +7779,7 @@
           <a:p>
             <a:r>
               <a:rPr lang="en-US" altLang="zh-CN" dirty="0" smtClean="0"/>
-              <a:t>WCF</a:t>
+              <a:t>WWF</a:t>
             </a:r>
             <a:endParaRPr lang="zh-CN" altLang="en-US" dirty="0"/>
           </a:p>
@@ -3751,47 +7802,18 @@
           <a:p>
             <a:r>
               <a:rPr lang="en-US" altLang="zh-CN" dirty="0" smtClean="0"/>
-              <a:t>Course registration </a:t>
-            </a:r>
-          </a:p>
-          <a:p>
-            <a:pPr>
-              <a:buNone/>
-            </a:pPr>
+              <a:t>Course confirm process</a:t>
+            </a:r>
+          </a:p>
+          <a:p>
+            <a:endParaRPr lang="en-US" altLang="zh-CN" dirty="0" smtClean="0"/>
+          </a:p>
+          <a:p>
             <a:r>
               <a:rPr lang="en-US" altLang="zh-CN" dirty="0" smtClean="0"/>
-              <a:t>		for enterprise customer</a:t>
-            </a:r>
-          </a:p>
-          <a:p>
-            <a:r>
-              <a:rPr lang="en-US" altLang="zh-CN" dirty="0" smtClean="0"/>
-              <a:t>Attendance system</a:t>
-            </a:r>
-          </a:p>
-          <a:p>
-            <a:pPr>
-              <a:buNone/>
-            </a:pPr>
-            <a:r>
-              <a:rPr lang="en-US" altLang="zh-CN" dirty="0" smtClean="0"/>
-              <a:t>		for instructor</a:t>
-            </a:r>
-          </a:p>
-          <a:p>
-            <a:r>
-              <a:rPr lang="en-US" altLang="zh-CN" dirty="0" smtClean="0"/>
-              <a:t>Successful registration data</a:t>
-            </a:r>
-          </a:p>
-          <a:p>
-            <a:pPr>
-              <a:buNone/>
-            </a:pPr>
-            <a:r>
-              <a:rPr lang="en-US" altLang="zh-CN" dirty="0" smtClean="0"/>
-              <a:t>		for financial department</a:t>
-            </a:r>
+              <a:t>Course completion process</a:t>
+            </a:r>
+            <a:endParaRPr lang="zh-CN" altLang="en-US" dirty="0"/>
           </a:p>
         </p:txBody>
       </p:sp>
@@ -3837,7 +7859,7 @@
           <a:p>
             <a:r>
               <a:rPr lang="en-US" altLang="zh-CN" dirty="0" smtClean="0"/>
-              <a:t>WWF</a:t>
+              <a:t>Service layer</a:t>
             </a:r>
             <a:endParaRPr lang="zh-CN" altLang="en-US" dirty="0"/>
           </a:p>
@@ -3860,89 +7882,8 @@
           <a:p>
             <a:r>
               <a:rPr lang="en-US" altLang="zh-CN" dirty="0" smtClean="0"/>
-              <a:t>Course confirm process</a:t>
-            </a:r>
-          </a:p>
-          <a:p>
-            <a:endParaRPr lang="en-US" altLang="zh-CN" dirty="0" smtClean="0"/>
-          </a:p>
-          <a:p>
-            <a:r>
-              <a:rPr lang="en-US" altLang="zh-CN" dirty="0" smtClean="0"/>
-              <a:t>Course completion process</a:t>
-            </a:r>
-            <a:endParaRPr lang="zh-CN" altLang="en-US" dirty="0"/>
-          </a:p>
-        </p:txBody>
-      </p:sp>
-    </p:spTree>
-  </p:cSld>
-  <p:clrMapOvr>
-    <a:masterClrMapping/>
-  </p:clrMapOvr>
-</p:sld>
-</file>
-
-<file path=ppt/slides/slide9.xml><?xml version="1.0" encoding="utf-8"?>
-<p:sld xmlns:a="http://schemas.openxmlformats.org/drawingml/2006/main" xmlns:r="http://schemas.openxmlformats.org/officeDocument/2006/relationships" xmlns:p="http://schemas.openxmlformats.org/presentationml/2006/main">
-  <p:cSld>
-    <p:spTree>
-      <p:nvGrpSpPr>
-        <p:cNvPr id="1" name=""/>
-        <p:cNvGrpSpPr/>
-        <p:nvPr/>
-      </p:nvGrpSpPr>
-      <p:grpSpPr>
-        <a:xfrm>
-          <a:off x="0" y="0"/>
-          <a:ext cx="0" cy="0"/>
-          <a:chOff x="0" y="0"/>
-          <a:chExt cx="0" cy="0"/>
-        </a:xfrm>
-      </p:grpSpPr>
-      <p:sp>
-        <p:nvSpPr>
-          <p:cNvPr id="2" name="标题 1"/>
-          <p:cNvSpPr>
-            <a:spLocks noGrp="1"/>
-          </p:cNvSpPr>
-          <p:nvPr>
-            <p:ph type="title"/>
-          </p:nvPr>
-        </p:nvSpPr>
-        <p:spPr/>
-        <p:txBody>
-          <a:bodyPr/>
-          <a:lstStyle/>
-          <a:p>
-            <a:r>
-              <a:rPr lang="en-US" altLang="zh-CN" dirty="0" smtClean="0"/>
-              <a:t>Service layer</a:t>
-            </a:r>
-            <a:endParaRPr lang="zh-CN" altLang="en-US" dirty="0"/>
-          </a:p>
-        </p:txBody>
-      </p:sp>
-      <p:sp>
-        <p:nvSpPr>
-          <p:cNvPr id="3" name="内容占位符 2"/>
-          <p:cNvSpPr>
-            <a:spLocks noGrp="1"/>
-          </p:cNvSpPr>
-          <p:nvPr>
-            <p:ph idx="1"/>
-          </p:nvPr>
-        </p:nvSpPr>
-        <p:spPr/>
-        <p:txBody>
-          <a:bodyPr/>
-          <a:lstStyle/>
-          <a:p>
-            <a:r>
-              <a:rPr lang="en-US" altLang="zh-CN" dirty="0" smtClean="0"/>
               <a:t>Binding &amp; Security</a:t>
             </a:r>
-            <a:endParaRPr lang="en-US" altLang="zh-CN" dirty="0" smtClean="0"/>
           </a:p>
           <a:p>
             <a:endParaRPr lang="en-US" altLang="zh-CN" dirty="0" smtClean="0"/>
@@ -3956,7 +7897,6 @@
               <a:rPr lang="en-US" altLang="zh-CN" dirty="0" smtClean="0"/>
               <a:t>&amp; demo</a:t>
             </a:r>
-            <a:endParaRPr lang="en-US" altLang="zh-CN" dirty="0" smtClean="0"/>
           </a:p>
           <a:p>
             <a:endParaRPr lang="en-US" altLang="zh-CN" dirty="0" smtClean="0"/>
@@ -4255,4 +8195,287 @@
   <a:objectDefaults/>
   <a:extraClrSchemeLst/>
 </a:theme>
+</file>
+
+<file path=ppt/theme/theme2.xml><?xml version="1.0" encoding="utf-8"?>
+<a:theme xmlns:a="http://schemas.openxmlformats.org/drawingml/2006/main" name="Office 主题">
+  <a:themeElements>
+    <a:clrScheme name="Office">
+      <a:dk1>
+        <a:sysClr val="windowText" lastClr="000000"/>
+      </a:dk1>
+      <a:lt1>
+        <a:sysClr val="window" lastClr="FFFFFF"/>
+      </a:lt1>
+      <a:dk2>
+        <a:srgbClr val="1F497D"/>
+      </a:dk2>
+      <a:lt2>
+        <a:srgbClr val="EEECE1"/>
+      </a:lt2>
+      <a:accent1>
+        <a:srgbClr val="4F81BD"/>
+      </a:accent1>
+      <a:accent2>
+        <a:srgbClr val="C0504D"/>
+      </a:accent2>
+      <a:accent3>
+        <a:srgbClr val="9BBB59"/>
+      </a:accent3>
+      <a:accent4>
+        <a:srgbClr val="8064A2"/>
+      </a:accent4>
+      <a:accent5>
+        <a:srgbClr val="4BACC6"/>
+      </a:accent5>
+      <a:accent6>
+        <a:srgbClr val="F79646"/>
+      </a:accent6>
+      <a:hlink>
+        <a:srgbClr val="0000FF"/>
+      </a:hlink>
+      <a:folHlink>
+        <a:srgbClr val="800080"/>
+      </a:folHlink>
+    </a:clrScheme>
+    <a:fontScheme name="Office">
+      <a:majorFont>
+        <a:latin typeface="Calibri"/>
+        <a:ea typeface=""/>
+        <a:cs typeface=""/>
+        <a:font script="Jpan" typeface="ＭＳ Ｐゴシック"/>
+        <a:font script="Hang" typeface="맑은 고딕"/>
+        <a:font script="Hans" typeface="宋体"/>
+        <a:font script="Hant" typeface="新細明體"/>
+        <a:font script="Arab" typeface="Times New Roman"/>
+        <a:font script="Hebr" typeface="Times New Roman"/>
+        <a:font script="Thai" typeface="Angsana New"/>
+        <a:font script="Ethi" typeface="Nyala"/>
+        <a:font script="Beng" typeface="Vrinda"/>
+        <a:font script="Gujr" typeface="Shruti"/>
+        <a:font script="Khmr" typeface="MoolBoran"/>
+        <a:font script="Knda" typeface="Tunga"/>
+        <a:font script="Guru" typeface="Raavi"/>
+        <a:font script="Cans" typeface="Euphemia"/>
+        <a:font script="Cher" typeface="Plantagenet Cherokee"/>
+        <a:font script="Yiii" typeface="Microsoft Yi Baiti"/>
+        <a:font script="Tibt" typeface="Microsoft Himalaya"/>
+        <a:font script="Thaa" typeface="MV Boli"/>
+        <a:font script="Deva" typeface="Mangal"/>
+        <a:font script="Telu" typeface="Gautami"/>
+        <a:font script="Taml" typeface="Latha"/>
+        <a:font script="Syrc" typeface="Estrangelo Edessa"/>
+        <a:font script="Orya" typeface="Kalinga"/>
+        <a:font script="Mlym" typeface="Kartika"/>
+        <a:font script="Laoo" typeface="DokChampa"/>
+        <a:font script="Sinh" typeface="Iskoola Pota"/>
+        <a:font script="Mong" typeface="Mongolian Baiti"/>
+        <a:font script="Viet" typeface="Times New Roman"/>
+        <a:font script="Uigh" typeface="Microsoft Uighur"/>
+      </a:majorFont>
+      <a:minorFont>
+        <a:latin typeface="Calibri"/>
+        <a:ea typeface=""/>
+        <a:cs typeface=""/>
+        <a:font script="Jpan" typeface="ＭＳ Ｐゴシック"/>
+        <a:font script="Hang" typeface="맑은 고딕"/>
+        <a:font script="Hans" typeface="宋体"/>
+        <a:font script="Hant" typeface="新細明體"/>
+        <a:font script="Arab" typeface="Arial"/>
+        <a:font script="Hebr" typeface="Arial"/>
+        <a:font script="Thai" typeface="Cordia New"/>
+        <a:font script="Ethi" typeface="Nyala"/>
+        <a:font script="Beng" typeface="Vrinda"/>
+        <a:font script="Gujr" typeface="Shruti"/>
+        <a:font script="Khmr" typeface="DaunPenh"/>
+        <a:font script="Knda" typeface="Tunga"/>
+        <a:font script="Guru" typeface="Raavi"/>
+        <a:font script="Cans" typeface="Euphemia"/>
+        <a:font script="Cher" typeface="Plantagenet Cherokee"/>
+        <a:font script="Yiii" typeface="Microsoft Yi Baiti"/>
+        <a:font script="Tibt" typeface="Microsoft Himalaya"/>
+        <a:font script="Thaa" typeface="MV Boli"/>
+        <a:font script="Deva" typeface="Mangal"/>
+        <a:font script="Telu" typeface="Gautami"/>
+        <a:font script="Taml" typeface="Latha"/>
+        <a:font script="Syrc" typeface="Estrangelo Edessa"/>
+        <a:font script="Orya" typeface="Kalinga"/>
+        <a:font script="Mlym" typeface="Kartika"/>
+        <a:font script="Laoo" typeface="DokChampa"/>
+        <a:font script="Sinh" typeface="Iskoola Pota"/>
+        <a:font script="Mong" typeface="Mongolian Baiti"/>
+        <a:font script="Viet" typeface="Arial"/>
+        <a:font script="Uigh" typeface="Microsoft Uighur"/>
+      </a:minorFont>
+    </a:fontScheme>
+    <a:fmtScheme name="Office">
+      <a:fillStyleLst>
+        <a:solidFill>
+          <a:schemeClr val="phClr"/>
+        </a:solidFill>
+        <a:gradFill rotWithShape="1">
+          <a:gsLst>
+            <a:gs pos="0">
+              <a:schemeClr val="phClr">
+                <a:tint val="50000"/>
+                <a:satMod val="300000"/>
+              </a:schemeClr>
+            </a:gs>
+            <a:gs pos="35000">
+              <a:schemeClr val="phClr">
+                <a:tint val="37000"/>
+                <a:satMod val="300000"/>
+              </a:schemeClr>
+            </a:gs>
+            <a:gs pos="100000">
+              <a:schemeClr val="phClr">
+                <a:tint val="15000"/>
+                <a:satMod val="350000"/>
+              </a:schemeClr>
+            </a:gs>
+          </a:gsLst>
+          <a:lin ang="16200000" scaled="1"/>
+        </a:gradFill>
+        <a:gradFill rotWithShape="1">
+          <a:gsLst>
+            <a:gs pos="0">
+              <a:schemeClr val="phClr">
+                <a:shade val="51000"/>
+                <a:satMod val="130000"/>
+              </a:schemeClr>
+            </a:gs>
+            <a:gs pos="80000">
+              <a:schemeClr val="phClr">
+                <a:shade val="93000"/>
+                <a:satMod val="130000"/>
+              </a:schemeClr>
+            </a:gs>
+            <a:gs pos="100000">
+              <a:schemeClr val="phClr">
+                <a:shade val="94000"/>
+                <a:satMod val="135000"/>
+              </a:schemeClr>
+            </a:gs>
+          </a:gsLst>
+          <a:lin ang="16200000" scaled="0"/>
+        </a:gradFill>
+      </a:fillStyleLst>
+      <a:lnStyleLst>
+        <a:ln w="9525" cap="flat" cmpd="sng" algn="ctr">
+          <a:solidFill>
+            <a:schemeClr val="phClr">
+              <a:shade val="95000"/>
+              <a:satMod val="105000"/>
+            </a:schemeClr>
+          </a:solidFill>
+          <a:prstDash val="solid"/>
+        </a:ln>
+        <a:ln w="25400" cap="flat" cmpd="sng" algn="ctr">
+          <a:solidFill>
+            <a:schemeClr val="phClr"/>
+          </a:solidFill>
+          <a:prstDash val="solid"/>
+        </a:ln>
+        <a:ln w="38100" cap="flat" cmpd="sng" algn="ctr">
+          <a:solidFill>
+            <a:schemeClr val="phClr"/>
+          </a:solidFill>
+          <a:prstDash val="solid"/>
+        </a:ln>
+      </a:lnStyleLst>
+      <a:effectStyleLst>
+        <a:effectStyle>
+          <a:effectLst>
+            <a:outerShdw blurRad="40000" dist="20000" dir="5400000" rotWithShape="0">
+              <a:srgbClr val="000000">
+                <a:alpha val="38000"/>
+              </a:srgbClr>
+            </a:outerShdw>
+          </a:effectLst>
+        </a:effectStyle>
+        <a:effectStyle>
+          <a:effectLst>
+            <a:outerShdw blurRad="40000" dist="23000" dir="5400000" rotWithShape="0">
+              <a:srgbClr val="000000">
+                <a:alpha val="35000"/>
+              </a:srgbClr>
+            </a:outerShdw>
+          </a:effectLst>
+        </a:effectStyle>
+        <a:effectStyle>
+          <a:effectLst>
+            <a:outerShdw blurRad="40000" dist="23000" dir="5400000" rotWithShape="0">
+              <a:srgbClr val="000000">
+                <a:alpha val="35000"/>
+              </a:srgbClr>
+            </a:outerShdw>
+          </a:effectLst>
+          <a:scene3d>
+            <a:camera prst="orthographicFront">
+              <a:rot lat="0" lon="0" rev="0"/>
+            </a:camera>
+            <a:lightRig rig="threePt" dir="t">
+              <a:rot lat="0" lon="0" rev="1200000"/>
+            </a:lightRig>
+          </a:scene3d>
+          <a:sp3d>
+            <a:bevelT w="63500" h="25400"/>
+          </a:sp3d>
+        </a:effectStyle>
+      </a:effectStyleLst>
+      <a:bgFillStyleLst>
+        <a:solidFill>
+          <a:schemeClr val="phClr"/>
+        </a:solidFill>
+        <a:gradFill rotWithShape="1">
+          <a:gsLst>
+            <a:gs pos="0">
+              <a:schemeClr val="phClr">
+                <a:tint val="40000"/>
+                <a:satMod val="350000"/>
+              </a:schemeClr>
+            </a:gs>
+            <a:gs pos="40000">
+              <a:schemeClr val="phClr">
+                <a:tint val="45000"/>
+                <a:shade val="99000"/>
+                <a:satMod val="350000"/>
+              </a:schemeClr>
+            </a:gs>
+            <a:gs pos="100000">
+              <a:schemeClr val="phClr">
+                <a:shade val="20000"/>
+                <a:satMod val="255000"/>
+              </a:schemeClr>
+            </a:gs>
+          </a:gsLst>
+          <a:path path="circle">
+            <a:fillToRect l="50000" t="-80000" r="50000" b="180000"/>
+          </a:path>
+        </a:gradFill>
+        <a:gradFill rotWithShape="1">
+          <a:gsLst>
+            <a:gs pos="0">
+              <a:schemeClr val="phClr">
+                <a:tint val="80000"/>
+                <a:satMod val="300000"/>
+              </a:schemeClr>
+            </a:gs>
+            <a:gs pos="100000">
+              <a:schemeClr val="phClr">
+                <a:shade val="30000"/>
+                <a:satMod val="200000"/>
+              </a:schemeClr>
+            </a:gs>
+          </a:gsLst>
+          <a:path path="circle">
+            <a:fillToRect l="50000" t="50000" r="50000" b="50000"/>
+          </a:path>
+        </a:gradFill>
+      </a:bgFillStyleLst>
+    </a:fmtScheme>
+  </a:themeElements>
+  <a:objectDefaults/>
+  <a:extraClrSchemeLst/>
+</a:theme>
 </file>
--- a/Docs/presentation/ENET_FT1_presentation_sketch.pptx
+++ b/Docs/presentation/ENET_FT1_presentation_sketch.pptx
@@ -14,8 +14,8 @@
     <p:sldId id="259" r:id="rId5"/>
     <p:sldId id="260" r:id="rId6"/>
     <p:sldId id="262" r:id="rId7"/>
-    <p:sldId id="263" r:id="rId8"/>
-    <p:sldId id="264" r:id="rId9"/>
+    <p:sldId id="264" r:id="rId8"/>
+    <p:sldId id="263" r:id="rId9"/>
   </p:sldIdLst>
   <p:sldSz cx="9144000" cy="6858000" type="screen4x3"/>
   <p:notesSz cx="6858000" cy="9144000"/>
@@ -114,6 +114,22 @@
       </a:defRPr>
     </a:lvl9pPr>
   </p:defaultTextStyle>
+  <p:extLst>
+    <p:ext uri="{EFAFB233-063F-42B5-8137-9DF3F51BA10A}">
+      <p15:sldGuideLst xmlns:p15="http://schemas.microsoft.com/office/powerpoint/2012/main">
+        <p15:guide id="1" orient="horz" pos="2160">
+          <p15:clr>
+            <a:srgbClr val="A4A3A4"/>
+          </p15:clr>
+        </p15:guide>
+        <p15:guide id="2" pos="2880">
+          <p15:clr>
+            <a:srgbClr val="A4A3A4"/>
+          </p15:clr>
+        </p15:guide>
+      </p15:sldGuideLst>
+    </p:ext>
+  </p:extLst>
 </p:presentation>
 </file>
 
@@ -199,7 +215,7 @@
           <a:p>
             <a:fld id="{688D4497-BD68-4C84-AD45-B2C2CF68FF77}" type="datetimeFigureOut">
               <a:rPr lang="zh-CN" altLang="en-US" smtClean="0"/>
-              <a:t>2015/6/21</a:t>
+              <a:t>2015/6/22</a:t>
             </a:fld>
             <a:endParaRPr lang="zh-CN" altLang="en-US"/>
           </a:p>
@@ -367,6 +383,11 @@
         </p:txBody>
       </p:sp>
     </p:spTree>
+    <p:extLst>
+      <p:ext uri="{BB962C8B-B14F-4D97-AF65-F5344CB8AC3E}">
+        <p14:creationId xmlns:p14="http://schemas.microsoft.com/office/powerpoint/2010/main" val="72100738"/>
+      </p:ext>
+    </p:extLst>
   </p:cSld>
   <p:clrMap bg1="lt1" tx1="dk1" bg2="lt2" tx2="dk2" accent1="accent1" accent2="accent2" accent3="accent3" accent4="accent4" accent5="accent5" accent6="accent6" hlink="hlink" folHlink="folHlink"/>
   <p:notesStyle>
@@ -707,6 +728,11 @@
         </p:txBody>
       </p:sp>
     </p:spTree>
+    <p:extLst>
+      <p:ext uri="{BB962C8B-B14F-4D97-AF65-F5344CB8AC3E}">
+        <p14:creationId xmlns:p14="http://schemas.microsoft.com/office/powerpoint/2010/main" val="1053314717"/>
+      </p:ext>
+    </p:extLst>
   </p:cSld>
   <p:clrMapOvr>
     <a:masterClrMapping/>
@@ -763,7 +789,29 @@
             <a:pPr lvl="1"/>
             <a:r>
               <a:rPr lang="en-US" altLang="zh-CN" dirty="0" smtClean="0"/>
-              <a:t>PRL: collect data from request, </a:t>
+              <a:t>Model: base model</a:t>
+            </a:r>
+          </a:p>
+          <a:p>
+            <a:pPr lvl="1"/>
+            <a:r>
+              <a:rPr lang="en-US" altLang="zh-CN" dirty="0" smtClean="0"/>
+              <a:t>DAL: </a:t>
+            </a:r>
+          </a:p>
+          <a:p>
+            <a:pPr lvl="1"/>
+            <a:endParaRPr lang="en-US" altLang="zh-CN" dirty="0" smtClean="0"/>
+          </a:p>
+          <a:p>
+            <a:pPr lvl="1"/>
+            <a:r>
+              <a:rPr lang="en-US" altLang="zh-CN" dirty="0" smtClean="0"/>
+              <a:t>PRL</a:t>
+            </a:r>
+            <a:r>
+              <a:rPr lang="en-US" altLang="zh-CN" dirty="0" smtClean="0"/>
+              <a:t>: collect data from request, </a:t>
             </a:r>
           </a:p>
           <a:p>
@@ -800,14 +848,6 @@
           </a:p>
           <a:p>
             <a:pPr lvl="1"/>
-            <a:r>
-              <a:rPr lang="en-US" altLang="zh-CN" dirty="0" smtClean="0"/>
-              <a:t>DAL: data </a:t>
-            </a:r>
-            <a:r>
-              <a:rPr lang="en-US" altLang="zh-CN" dirty="0" err="1" smtClean="0"/>
-              <a:t>persistance</a:t>
-            </a:r>
             <a:endParaRPr lang="zh-CN" altLang="en-US" dirty="0"/>
           </a:p>
         </p:txBody>
@@ -836,6 +876,11 @@
         </p:txBody>
       </p:sp>
     </p:spTree>
+    <p:extLst>
+      <p:ext uri="{BB962C8B-B14F-4D97-AF65-F5344CB8AC3E}">
+        <p14:creationId xmlns:p14="http://schemas.microsoft.com/office/powerpoint/2010/main" val="2312808557"/>
+      </p:ext>
+    </p:extLst>
   </p:cSld>
   <p:clrMapOvr>
     <a:masterClrMapping/>
@@ -1025,7 +1070,7 @@
             <a:fld id="{530820CF-B880-4189-942D-D702A7CBA730}" type="datetimeFigureOut">
               <a:rPr lang="zh-CN" altLang="en-US" smtClean="0"/>
               <a:pPr/>
-              <a:t>2015/6/21</a:t>
+              <a:t>2015/6/22</a:t>
             </a:fld>
             <a:endParaRPr lang="zh-CN" altLang="en-US"/>
           </a:p>
@@ -1192,7 +1237,7 @@
             <a:fld id="{530820CF-B880-4189-942D-D702A7CBA730}" type="datetimeFigureOut">
               <a:rPr lang="zh-CN" altLang="en-US" smtClean="0"/>
               <a:pPr/>
-              <a:t>2015/6/21</a:t>
+              <a:t>2015/6/22</a:t>
             </a:fld>
             <a:endParaRPr lang="zh-CN" altLang="en-US"/>
           </a:p>
@@ -1369,7 +1414,7 @@
             <a:fld id="{530820CF-B880-4189-942D-D702A7CBA730}" type="datetimeFigureOut">
               <a:rPr lang="zh-CN" altLang="en-US" smtClean="0"/>
               <a:pPr/>
-              <a:t>2015/6/21</a:t>
+              <a:t>2015/6/22</a:t>
             </a:fld>
             <a:endParaRPr lang="zh-CN" altLang="en-US"/>
           </a:p>
@@ -1536,7 +1581,7 @@
             <a:fld id="{530820CF-B880-4189-942D-D702A7CBA730}" type="datetimeFigureOut">
               <a:rPr lang="zh-CN" altLang="en-US" smtClean="0"/>
               <a:pPr/>
-              <a:t>2015/6/21</a:t>
+              <a:t>2015/6/22</a:t>
             </a:fld>
             <a:endParaRPr lang="zh-CN" altLang="en-US"/>
           </a:p>
@@ -1779,7 +1824,7 @@
             <a:fld id="{530820CF-B880-4189-942D-D702A7CBA730}" type="datetimeFigureOut">
               <a:rPr lang="zh-CN" altLang="en-US" smtClean="0"/>
               <a:pPr/>
-              <a:t>2015/6/21</a:t>
+              <a:t>2015/6/22</a:t>
             </a:fld>
             <a:endParaRPr lang="zh-CN" altLang="en-US"/>
           </a:p>
@@ -2064,7 +2109,7 @@
             <a:fld id="{530820CF-B880-4189-942D-D702A7CBA730}" type="datetimeFigureOut">
               <a:rPr lang="zh-CN" altLang="en-US" smtClean="0"/>
               <a:pPr/>
-              <a:t>2015/6/21</a:t>
+              <a:t>2015/6/22</a:t>
             </a:fld>
             <a:endParaRPr lang="zh-CN" altLang="en-US"/>
           </a:p>
@@ -2483,7 +2528,7 @@
             <a:fld id="{530820CF-B880-4189-942D-D702A7CBA730}" type="datetimeFigureOut">
               <a:rPr lang="zh-CN" altLang="en-US" smtClean="0"/>
               <a:pPr/>
-              <a:t>2015/6/21</a:t>
+              <a:t>2015/6/22</a:t>
             </a:fld>
             <a:endParaRPr lang="zh-CN" altLang="en-US"/>
           </a:p>
@@ -2598,7 +2643,7 @@
             <a:fld id="{530820CF-B880-4189-942D-D702A7CBA730}" type="datetimeFigureOut">
               <a:rPr lang="zh-CN" altLang="en-US" smtClean="0"/>
               <a:pPr/>
-              <a:t>2015/6/21</a:t>
+              <a:t>2015/6/22</a:t>
             </a:fld>
             <a:endParaRPr lang="zh-CN" altLang="en-US"/>
           </a:p>
@@ -2690,7 +2735,7 @@
             <a:fld id="{530820CF-B880-4189-942D-D702A7CBA730}" type="datetimeFigureOut">
               <a:rPr lang="zh-CN" altLang="en-US" smtClean="0"/>
               <a:pPr/>
-              <a:t>2015/6/21</a:t>
+              <a:t>2015/6/22</a:t>
             </a:fld>
             <a:endParaRPr lang="zh-CN" altLang="en-US"/>
           </a:p>
@@ -2964,7 +3009,7 @@
             <a:fld id="{530820CF-B880-4189-942D-D702A7CBA730}" type="datetimeFigureOut">
               <a:rPr lang="zh-CN" altLang="en-US" smtClean="0"/>
               <a:pPr/>
-              <a:t>2015/6/21</a:t>
+              <a:t>2015/6/22</a:t>
             </a:fld>
             <a:endParaRPr lang="zh-CN" altLang="en-US"/>
           </a:p>
@@ -3214,7 +3259,7 @@
             <a:fld id="{530820CF-B880-4189-942D-D702A7CBA730}" type="datetimeFigureOut">
               <a:rPr lang="zh-CN" altLang="en-US" smtClean="0"/>
               <a:pPr/>
-              <a:t>2015/6/21</a:t>
+              <a:t>2015/6/22</a:t>
             </a:fld>
             <a:endParaRPr lang="zh-CN" altLang="en-US"/>
           </a:p>
@@ -3424,7 +3469,7 @@
             <a:fld id="{530820CF-B880-4189-942D-D702A7CBA730}" type="datetimeFigureOut">
               <a:rPr lang="zh-CN" altLang="en-US" smtClean="0"/>
               <a:pPr/>
-              <a:t>2015/6/21</a:t>
+              <a:t>2015/6/22</a:t>
             </a:fld>
             <a:endParaRPr lang="zh-CN" altLang="en-US"/>
           </a:p>
@@ -3849,9 +3894,9 @@
           <a:bodyPr/>
           <a:lstStyle/>
           <a:p>
-            <a:pPr algn="l">
-              <a:buFont typeface="Arial" pitchFamily="34" charset="0"/>
-              <a:buChar char="•"/>
+            <a:pPr marL="457200" indent="-457200" algn="l">
+              <a:buFont typeface="Wingdings" panose="05000000000000000000" pitchFamily="2" charset="2"/>
+              <a:buChar char="Ø"/>
             </a:pPr>
             <a:r>
               <a:rPr lang="en-US" altLang="zh-CN" dirty="0" smtClean="0">
@@ -3865,9 +3910,9 @@
             </a:r>
           </a:p>
           <a:p>
-            <a:pPr algn="l">
-              <a:buFont typeface="Arial" pitchFamily="34" charset="0"/>
-              <a:buChar char="•"/>
+            <a:pPr marL="457200" indent="-457200" algn="l">
+              <a:buFont typeface="Wingdings" panose="05000000000000000000" pitchFamily="2" charset="2"/>
+              <a:buChar char="Ø"/>
             </a:pPr>
             <a:r>
               <a:rPr lang="en-US" altLang="zh-CN" dirty="0" smtClean="0">
@@ -3881,9 +3926,9 @@
             </a:r>
           </a:p>
           <a:p>
-            <a:pPr algn="l">
-              <a:buFont typeface="Arial" pitchFamily="34" charset="0"/>
-              <a:buChar char="•"/>
+            <a:pPr marL="457200" indent="-457200" algn="l">
+              <a:buFont typeface="Wingdings" panose="05000000000000000000" pitchFamily="2" charset="2"/>
+              <a:buChar char="Ø"/>
             </a:pPr>
             <a:r>
               <a:rPr lang="en-US" altLang="zh-CN" dirty="0" smtClean="0">
@@ -3897,9 +3942,9 @@
             </a:r>
           </a:p>
           <a:p>
-            <a:pPr algn="l">
-              <a:buFont typeface="Arial" pitchFamily="34" charset="0"/>
-              <a:buChar char="•"/>
+            <a:pPr marL="457200" indent="-457200" algn="l">
+              <a:buFont typeface="Wingdings" panose="05000000000000000000" pitchFamily="2" charset="2"/>
+              <a:buChar char="Ø"/>
             </a:pPr>
             <a:r>
               <a:rPr lang="en-US" altLang="zh-CN" dirty="0" smtClean="0">
@@ -3913,9 +3958,9 @@
             </a:r>
           </a:p>
           <a:p>
-            <a:pPr algn="l">
-              <a:buFont typeface="Arial" pitchFamily="34" charset="0"/>
-              <a:buChar char="•"/>
+            <a:pPr marL="457200" indent="-457200" algn="l">
+              <a:buFont typeface="Wingdings" panose="05000000000000000000" pitchFamily="2" charset="2"/>
+              <a:buChar char="Ø"/>
             </a:pPr>
             <a:r>
               <a:rPr lang="en-US" altLang="zh-CN" dirty="0" smtClean="0">
@@ -3929,9 +3974,9 @@
             </a:r>
           </a:p>
           <a:p>
-            <a:pPr algn="l">
-              <a:buFont typeface="Arial" pitchFamily="34" charset="0"/>
-              <a:buChar char="•"/>
+            <a:pPr marL="457200" indent="-457200" algn="l">
+              <a:buFont typeface="Wingdings" panose="05000000000000000000" pitchFamily="2" charset="2"/>
+              <a:buChar char="Ø"/>
             </a:pPr>
             <a:r>
               <a:rPr lang="en-US" altLang="zh-CN" dirty="0" smtClean="0">
@@ -3945,9 +3990,9 @@
             </a:r>
           </a:p>
           <a:p>
-            <a:pPr algn="l">
-              <a:buFont typeface="Arial" pitchFamily="34" charset="0"/>
-              <a:buChar char="•"/>
+            <a:pPr marL="457200" indent="-457200" algn="l">
+              <a:buFont typeface="Wingdings" panose="05000000000000000000" pitchFamily="2" charset="2"/>
+              <a:buChar char="Ø"/>
             </a:pPr>
             <a:r>
               <a:rPr lang="en-US" altLang="zh-CN" dirty="0" smtClean="0">
@@ -7410,7 +7455,6 @@
               <a:rPr lang="en-US" altLang="zh-CN" dirty="0" smtClean="0"/>
               <a:t>Model: Code first Approach</a:t>
             </a:r>
-            <a:endParaRPr lang="en-US" altLang="zh-CN" dirty="0" smtClean="0"/>
           </a:p>
           <a:p>
             <a:r>
@@ -7429,15 +7473,7 @@
           <a:p>
             <a:r>
               <a:rPr lang="en-US" altLang="zh-CN" dirty="0" smtClean="0"/>
-              <a:t>BLL: </a:t>
-            </a:r>
-            <a:r>
-              <a:rPr lang="en-US" altLang="zh-CN" dirty="0" smtClean="0"/>
-              <a:t>Domain Model </a:t>
-            </a:r>
-            <a:r>
-              <a:rPr lang="en-US" altLang="zh-CN" dirty="0" smtClean="0"/>
-              <a:t>pattern, Singleton</a:t>
+              <a:t>BLL: Domain Model pattern, Singleton</a:t>
             </a:r>
           </a:p>
           <a:p>
@@ -7450,7 +7486,15 @@
             <a:pPr lvl="1"/>
             <a:r>
               <a:rPr lang="en-US" altLang="zh-CN" dirty="0" smtClean="0"/>
-              <a:t>MVC for external user(individual user &amp; HR)</a:t>
+              <a:t>MVC for external </a:t>
+            </a:r>
+            <a:r>
+              <a:rPr lang="en-US" altLang="zh-CN" dirty="0" smtClean="0"/>
+              <a:t>user(Individual </a:t>
+            </a:r>
+            <a:r>
+              <a:rPr lang="en-US" altLang="zh-CN" dirty="0" smtClean="0"/>
+              <a:t>user &amp; HR)</a:t>
             </a:r>
           </a:p>
           <a:p>
@@ -7461,11 +7505,11 @@
             </a:r>
             <a:r>
               <a:rPr lang="en-US" altLang="zh-CN" dirty="0" smtClean="0"/>
-              <a:t> for internal user(</a:t>
-            </a:r>
-            <a:r>
-              <a:rPr lang="en-US" altLang="zh-CN" dirty="0" err="1" smtClean="0"/>
-              <a:t>admins</a:t>
+              <a:t> for internal </a:t>
+            </a:r>
+            <a:r>
+              <a:rPr lang="en-US" altLang="zh-CN" dirty="0" smtClean="0"/>
+              <a:t>user(Admins</a:t>
             </a:r>
             <a:r>
               <a:rPr lang="en-US" altLang="zh-CN" dirty="0" smtClean="0"/>
@@ -7544,11 +7588,7 @@
           <a:p>
             <a:r>
               <a:rPr lang="en-US" altLang="zh-CN" dirty="0" smtClean="0"/>
-              <a:t>Code </a:t>
-            </a:r>
-            <a:r>
-              <a:rPr lang="en-US" altLang="zh-CN" dirty="0" smtClean="0"/>
-              <a:t>walkthrough &amp; Demo</a:t>
+              <a:t>Code walkthrough &amp; Demo</a:t>
             </a:r>
             <a:endParaRPr lang="zh-CN" altLang="en-US" dirty="0"/>
           </a:p>
@@ -7581,7 +7621,6 @@
               <a:rPr lang="en-US" altLang="zh-CN" dirty="0" smtClean="0"/>
               <a:t>DAL</a:t>
             </a:r>
-            <a:endParaRPr lang="en-US" altLang="zh-CN" dirty="0" smtClean="0"/>
           </a:p>
           <a:p>
             <a:r>
@@ -7594,7 +7633,6 @@
               <a:rPr lang="en-US" altLang="zh-CN" dirty="0" smtClean="0"/>
               <a:t>PRL</a:t>
             </a:r>
-            <a:endParaRPr lang="en-US" altLang="zh-CN" dirty="0" smtClean="0"/>
           </a:p>
           <a:p>
             <a:pPr lvl="1"/>
@@ -7604,27 +7642,40 @@
             </a:r>
             <a:r>
               <a:rPr lang="en-US" altLang="zh-CN" dirty="0" smtClean="0"/>
-              <a:t> Course, Class management</a:t>
-            </a:r>
+              <a:t> </a:t>
+            </a:r>
+            <a:r>
+              <a:rPr lang="en-US" altLang="zh-CN" dirty="0" smtClean="0"/>
+              <a:t>(Course</a:t>
+            </a:r>
+            <a:r>
+              <a:rPr lang="en-US" altLang="zh-CN" dirty="0" smtClean="0"/>
+              <a:t>, Class </a:t>
+            </a:r>
+            <a:r>
+              <a:rPr lang="en-US" altLang="zh-CN" dirty="0" smtClean="0"/>
+              <a:t>management)</a:t>
+            </a:r>
+            <a:endParaRPr lang="en-US" altLang="zh-CN" dirty="0" smtClean="0"/>
           </a:p>
           <a:p>
             <a:pPr lvl="1"/>
             <a:r>
               <a:rPr lang="en-US" altLang="zh-CN" dirty="0" smtClean="0"/>
-              <a:t>MVC Course registration</a:t>
-            </a:r>
+              <a:t>MVC </a:t>
+            </a:r>
+            <a:r>
+              <a:rPr lang="en-US" altLang="zh-CN" dirty="0" smtClean="0"/>
+              <a:t>(Course registration)</a:t>
+            </a:r>
+            <a:endParaRPr lang="en-US" altLang="zh-CN" dirty="0" smtClean="0"/>
           </a:p>
           <a:p>
             <a:pPr lvl="1"/>
             <a:r>
               <a:rPr lang="en-US" altLang="zh-CN" dirty="0" smtClean="0"/>
-              <a:t>User Management, </a:t>
-            </a:r>
-            <a:r>
-              <a:rPr lang="en-US" altLang="zh-CN" dirty="0" smtClean="0"/>
-              <a:t>Security</a:t>
-            </a:r>
-            <a:endParaRPr lang="en-US" altLang="zh-CN" dirty="0" smtClean="0"/>
+              <a:t>User Management, Security</a:t>
+            </a:r>
           </a:p>
         </p:txBody>
       </p:sp>
@@ -7693,7 +7744,37 @@
           <a:p>
             <a:r>
               <a:rPr lang="en-US" altLang="zh-CN" dirty="0" smtClean="0"/>
-              <a:t>Course registration </a:t>
+              <a:t>Functionality code walkthrough</a:t>
+            </a:r>
+            <a:endParaRPr lang="en-US" altLang="zh-CN" dirty="0" smtClean="0"/>
+          </a:p>
+          <a:p>
+            <a:pPr lvl="1"/>
+            <a:r>
+              <a:rPr lang="en-US" altLang="zh-CN" dirty="0" smtClean="0"/>
+              <a:t>Course </a:t>
+            </a:r>
+            <a:r>
+              <a:rPr lang="en-US" altLang="zh-CN" dirty="0" smtClean="0"/>
+              <a:t>registration </a:t>
+            </a:r>
+          </a:p>
+          <a:p>
+            <a:pPr lvl="1"/>
+            <a:r>
+              <a:rPr lang="en-US" altLang="zh-CN" dirty="0" smtClean="0"/>
+              <a:t>Attendance system</a:t>
+            </a:r>
+          </a:p>
+          <a:p>
+            <a:pPr lvl="1"/>
+            <a:r>
+              <a:rPr lang="en-US" altLang="zh-CN" dirty="0" smtClean="0"/>
+              <a:t>Successful </a:t>
+            </a:r>
+            <a:r>
+              <a:rPr lang="en-US" altLang="zh-CN" dirty="0" smtClean="0"/>
+              <a:t>registration data</a:t>
             </a:r>
           </a:p>
           <a:p>
@@ -7702,37 +7783,7 @@
             </a:pPr>
             <a:r>
               <a:rPr lang="en-US" altLang="zh-CN" dirty="0" smtClean="0"/>
-              <a:t>		for enterprise customer</a:t>
-            </a:r>
-          </a:p>
-          <a:p>
-            <a:r>
-              <a:rPr lang="en-US" altLang="zh-CN" dirty="0" smtClean="0"/>
-              <a:t>Attendance system</a:t>
-            </a:r>
-          </a:p>
-          <a:p>
-            <a:pPr>
-              <a:buNone/>
-            </a:pPr>
-            <a:r>
-              <a:rPr lang="en-US" altLang="zh-CN" dirty="0" smtClean="0"/>
-              <a:t>		for instructor</a:t>
-            </a:r>
-          </a:p>
-          <a:p>
-            <a:r>
-              <a:rPr lang="en-US" altLang="zh-CN" dirty="0" smtClean="0"/>
-              <a:t>Successful registration data</a:t>
-            </a:r>
-          </a:p>
-          <a:p>
-            <a:pPr>
-              <a:buNone/>
-            </a:pPr>
-            <a:r>
-              <a:rPr lang="en-US" altLang="zh-CN" dirty="0" smtClean="0"/>
-              <a:t>		for financial department</a:t>
+              <a:t>	</a:t>
             </a:r>
           </a:p>
         </p:txBody>
@@ -7779,7 +7830,7 @@
           <a:p>
             <a:r>
               <a:rPr lang="en-US" altLang="zh-CN" dirty="0" smtClean="0"/>
-              <a:t>WWF</a:t>
+              <a:t>Service layer</a:t>
             </a:r>
             <a:endParaRPr lang="zh-CN" altLang="en-US" dirty="0"/>
           </a:p>
@@ -7802,7 +7853,7 @@
           <a:p>
             <a:r>
               <a:rPr lang="en-US" altLang="zh-CN" dirty="0" smtClean="0"/>
-              <a:t>Course confirm process</a:t>
+              <a:t>Binding &amp; Security</a:t>
             </a:r>
           </a:p>
           <a:p>
@@ -7810,9 +7861,18 @@
           </a:p>
           <a:p>
             <a:r>
+              <a:rPr lang="en-US" altLang="zh-CN" smtClean="0"/>
+              <a:t>Justification </a:t>
+            </a:r>
+            <a:r>
               <a:rPr lang="en-US" altLang="zh-CN" dirty="0" smtClean="0"/>
-              <a:t>Course completion process</a:t>
-            </a:r>
+              <a:t>&amp; demo</a:t>
+            </a:r>
+          </a:p>
+          <a:p>
+            <a:endParaRPr lang="en-US" altLang="zh-CN" dirty="0" smtClean="0"/>
+          </a:p>
+          <a:p>
             <a:endParaRPr lang="zh-CN" altLang="en-US" dirty="0"/>
           </a:p>
         </p:txBody>
@@ -7859,7 +7919,7 @@
           <a:p>
             <a:r>
               <a:rPr lang="en-US" altLang="zh-CN" dirty="0" smtClean="0"/>
-              <a:t>Service layer</a:t>
+              <a:t>WWF</a:t>
             </a:r>
             <a:endParaRPr lang="zh-CN" altLang="en-US" dirty="0"/>
           </a:p>
@@ -7882,7 +7942,7 @@
           <a:p>
             <a:r>
               <a:rPr lang="en-US" altLang="zh-CN" dirty="0" smtClean="0"/>
-              <a:t>Binding &amp; Security</a:t>
+              <a:t>Course confirm process</a:t>
             </a:r>
           </a:p>
           <a:p>
@@ -7890,18 +7950,9 @@
           </a:p>
           <a:p>
             <a:r>
-              <a:rPr lang="en-US" altLang="zh-CN" smtClean="0"/>
-              <a:t>Justification </a:t>
-            </a:r>
-            <a:r>
               <a:rPr lang="en-US" altLang="zh-CN" dirty="0" smtClean="0"/>
-              <a:t>&amp; demo</a:t>
-            </a:r>
-          </a:p>
-          <a:p>
-            <a:endParaRPr lang="en-US" altLang="zh-CN" dirty="0" smtClean="0"/>
-          </a:p>
-          <a:p>
+              <a:t>Course completion process</a:t>
+            </a:r>
             <a:endParaRPr lang="zh-CN" altLang="en-US" dirty="0"/>
           </a:p>
         </p:txBody>
